--- a/ipsj/figure/UseCase_mruby.pptx
+++ b/ipsj/figure/UseCase_mruby.pptx
@@ -2,19 +2,19 @@
 <file path=ppt/presentation.xml><?xml version="1.0" encoding="utf-8"?>
 <p:presentation xmlns:a="http://schemas.openxmlformats.org/drawingml/2006/main" xmlns:r="http://schemas.openxmlformats.org/officeDocument/2006/relationships" xmlns:p="http://schemas.openxmlformats.org/presentationml/2006/main" saveSubsetFonts="1">
   <p:sldMasterIdLst>
-    <p:sldMasterId id="2147483648" r:id="rId1"/>
+    <p:sldMasterId id="2147483672" r:id="rId1"/>
   </p:sldMasterIdLst>
   <p:sldIdLst>
     <p:sldId id="259" r:id="rId2"/>
   </p:sldIdLst>
-  <p:sldSz cx="12192000" cy="6858000"/>
+  <p:sldSz cx="12192000" cy="4679950"/>
   <p:notesSz cx="6858000" cy="9144000"/>
   <p:defaultTextStyle>
     <a:defPPr>
-      <a:defRPr lang="ja-JP"/>
+      <a:defRPr lang="en-US"/>
     </a:defPPr>
-    <a:lvl1pPr marL="0" algn="l" defTabSz="914400" rtl="0" eaLnBrk="1" latinLnBrk="0" hangingPunct="1">
-      <a:defRPr kumimoji="1" sz="1800" kern="1200">
+    <a:lvl1pPr marL="0" algn="l" defTabSz="457200" rtl="0" eaLnBrk="1" latinLnBrk="0" hangingPunct="1">
+      <a:defRPr sz="1800" kern="1200">
         <a:solidFill>
           <a:schemeClr val="tx1"/>
         </a:solidFill>
@@ -23,8 +23,8 @@
         <a:cs typeface="+mn-cs"/>
       </a:defRPr>
     </a:lvl1pPr>
-    <a:lvl2pPr marL="457200" algn="l" defTabSz="914400" rtl="0" eaLnBrk="1" latinLnBrk="0" hangingPunct="1">
-      <a:defRPr kumimoji="1" sz="1800" kern="1200">
+    <a:lvl2pPr marL="457200" algn="l" defTabSz="457200" rtl="0" eaLnBrk="1" latinLnBrk="0" hangingPunct="1">
+      <a:defRPr sz="1800" kern="1200">
         <a:solidFill>
           <a:schemeClr val="tx1"/>
         </a:solidFill>
@@ -33,8 +33,8 @@
         <a:cs typeface="+mn-cs"/>
       </a:defRPr>
     </a:lvl2pPr>
-    <a:lvl3pPr marL="914400" algn="l" defTabSz="914400" rtl="0" eaLnBrk="1" latinLnBrk="0" hangingPunct="1">
-      <a:defRPr kumimoji="1" sz="1800" kern="1200">
+    <a:lvl3pPr marL="914400" algn="l" defTabSz="457200" rtl="0" eaLnBrk="1" latinLnBrk="0" hangingPunct="1">
+      <a:defRPr sz="1800" kern="1200">
         <a:solidFill>
           <a:schemeClr val="tx1"/>
         </a:solidFill>
@@ -43,8 +43,8 @@
         <a:cs typeface="+mn-cs"/>
       </a:defRPr>
     </a:lvl3pPr>
-    <a:lvl4pPr marL="1371600" algn="l" defTabSz="914400" rtl="0" eaLnBrk="1" latinLnBrk="0" hangingPunct="1">
-      <a:defRPr kumimoji="1" sz="1800" kern="1200">
+    <a:lvl4pPr marL="1371600" algn="l" defTabSz="457200" rtl="0" eaLnBrk="1" latinLnBrk="0" hangingPunct="1">
+      <a:defRPr sz="1800" kern="1200">
         <a:solidFill>
           <a:schemeClr val="tx1"/>
         </a:solidFill>
@@ -53,8 +53,8 @@
         <a:cs typeface="+mn-cs"/>
       </a:defRPr>
     </a:lvl4pPr>
-    <a:lvl5pPr marL="1828800" algn="l" defTabSz="914400" rtl="0" eaLnBrk="1" latinLnBrk="0" hangingPunct="1">
-      <a:defRPr kumimoji="1" sz="1800" kern="1200">
+    <a:lvl5pPr marL="1828800" algn="l" defTabSz="457200" rtl="0" eaLnBrk="1" latinLnBrk="0" hangingPunct="1">
+      <a:defRPr sz="1800" kern="1200">
         <a:solidFill>
           <a:schemeClr val="tx1"/>
         </a:solidFill>
@@ -63,8 +63,8 @@
         <a:cs typeface="+mn-cs"/>
       </a:defRPr>
     </a:lvl5pPr>
-    <a:lvl6pPr marL="2286000" algn="l" defTabSz="914400" rtl="0" eaLnBrk="1" latinLnBrk="0" hangingPunct="1">
-      <a:defRPr kumimoji="1" sz="1800" kern="1200">
+    <a:lvl6pPr marL="2286000" algn="l" defTabSz="457200" rtl="0" eaLnBrk="1" latinLnBrk="0" hangingPunct="1">
+      <a:defRPr sz="1800" kern="1200">
         <a:solidFill>
           <a:schemeClr val="tx1"/>
         </a:solidFill>
@@ -73,8 +73,8 @@
         <a:cs typeface="+mn-cs"/>
       </a:defRPr>
     </a:lvl6pPr>
-    <a:lvl7pPr marL="2743200" algn="l" defTabSz="914400" rtl="0" eaLnBrk="1" latinLnBrk="0" hangingPunct="1">
-      <a:defRPr kumimoji="1" sz="1800" kern="1200">
+    <a:lvl7pPr marL="2743200" algn="l" defTabSz="457200" rtl="0" eaLnBrk="1" latinLnBrk="0" hangingPunct="1">
+      <a:defRPr sz="1800" kern="1200">
         <a:solidFill>
           <a:schemeClr val="tx1"/>
         </a:solidFill>
@@ -83,8 +83,8 @@
         <a:cs typeface="+mn-cs"/>
       </a:defRPr>
     </a:lvl7pPr>
-    <a:lvl8pPr marL="3200400" algn="l" defTabSz="914400" rtl="0" eaLnBrk="1" latinLnBrk="0" hangingPunct="1">
-      <a:defRPr kumimoji="1" sz="1800" kern="1200">
+    <a:lvl8pPr marL="3200400" algn="l" defTabSz="457200" rtl="0" eaLnBrk="1" latinLnBrk="0" hangingPunct="1">
+      <a:defRPr sz="1800" kern="1200">
         <a:solidFill>
           <a:schemeClr val="tx1"/>
         </a:solidFill>
@@ -93,8 +93,8 @@
         <a:cs typeface="+mn-cs"/>
       </a:defRPr>
     </a:lvl8pPr>
-    <a:lvl9pPr marL="3657600" algn="l" defTabSz="914400" rtl="0" eaLnBrk="1" latinLnBrk="0" hangingPunct="1">
-      <a:defRPr kumimoji="1" sz="1800" kern="1200">
+    <a:lvl9pPr marL="3657600" algn="l" defTabSz="457200" rtl="0" eaLnBrk="1" latinLnBrk="0" hangingPunct="1">
+      <a:defRPr sz="1800" kern="1200">
         <a:solidFill>
           <a:schemeClr val="tx1"/>
         </a:solidFill>
@@ -131,7 +131,7 @@
       </p:grpSpPr>
       <p:sp>
         <p:nvSpPr>
-          <p:cNvPr id="2" name="タイトル 1"/>
+          <p:cNvPr id="2" name="Title 1"/>
           <p:cNvSpPr>
             <a:spLocks noGrp="1"/>
           </p:cNvSpPr>
@@ -141,29 +141,29 @@
         </p:nvSpPr>
         <p:spPr>
           <a:xfrm>
-            <a:off x="1524000" y="1122363"/>
-            <a:ext cx="9144000" cy="2387600"/>
+            <a:off x="1524000" y="765909"/>
+            <a:ext cx="9144000" cy="1629316"/>
           </a:xfrm>
         </p:spPr>
         <p:txBody>
           <a:bodyPr anchor="b"/>
           <a:lstStyle>
             <a:lvl1pPr algn="ctr">
-              <a:defRPr sz="6000"/>
+              <a:defRPr sz="4094"/>
             </a:lvl1pPr>
           </a:lstStyle>
           <a:p>
             <a:r>
-              <a:rPr kumimoji="1" lang="ja-JP" altLang="en-US" smtClean="0"/>
+              <a:rPr lang="ja-JP" altLang="en-US" smtClean="0"/>
               <a:t>マスター タイトルの書式設定</a:t>
             </a:r>
-            <a:endParaRPr kumimoji="1" lang="ja-JP" altLang="en-US"/>
-          </a:p>
-        </p:txBody>
-      </p:sp>
-      <p:sp>
-        <p:nvSpPr>
-          <p:cNvPr id="3" name="サブタイトル 2"/>
+            <a:endParaRPr lang="en-US" dirty="0"/>
+          </a:p>
+        </p:txBody>
+      </p:sp>
+      <p:sp>
+        <p:nvSpPr>
+          <p:cNvPr id="3" name="Subtitle 2"/>
           <p:cNvSpPr>
             <a:spLocks noGrp="1"/>
           </p:cNvSpPr>
@@ -173,8 +173,8 @@
         </p:nvSpPr>
         <p:spPr>
           <a:xfrm>
-            <a:off x="1524000" y="3602038"/>
-            <a:ext cx="9144000" cy="1655762"/>
+            <a:off x="1524000" y="2458058"/>
+            <a:ext cx="9144000" cy="1129904"/>
           </a:xfrm>
         </p:spPr>
         <p:txBody>
@@ -182,53 +182,53 @@
           <a:lstStyle>
             <a:lvl1pPr marL="0" indent="0" algn="ctr">
               <a:buNone/>
-              <a:defRPr sz="2400"/>
+              <a:defRPr sz="1638"/>
             </a:lvl1pPr>
-            <a:lvl2pPr marL="457200" indent="0" algn="ctr">
-              <a:buNone/>
-              <a:defRPr sz="2000"/>
+            <a:lvl2pPr marL="311993" indent="0" algn="ctr">
+              <a:buNone/>
+              <a:defRPr sz="1365"/>
             </a:lvl2pPr>
-            <a:lvl3pPr marL="914400" indent="0" algn="ctr">
-              <a:buNone/>
-              <a:defRPr sz="1800"/>
+            <a:lvl3pPr marL="623987" indent="0" algn="ctr">
+              <a:buNone/>
+              <a:defRPr sz="1228"/>
             </a:lvl3pPr>
-            <a:lvl4pPr marL="1371600" indent="0" algn="ctr">
-              <a:buNone/>
-              <a:defRPr sz="1600"/>
+            <a:lvl4pPr marL="935980" indent="0" algn="ctr">
+              <a:buNone/>
+              <a:defRPr sz="1092"/>
             </a:lvl4pPr>
-            <a:lvl5pPr marL="1828800" indent="0" algn="ctr">
-              <a:buNone/>
-              <a:defRPr sz="1600"/>
+            <a:lvl5pPr marL="1247973" indent="0" algn="ctr">
+              <a:buNone/>
+              <a:defRPr sz="1092"/>
             </a:lvl5pPr>
-            <a:lvl6pPr marL="2286000" indent="0" algn="ctr">
-              <a:buNone/>
-              <a:defRPr sz="1600"/>
+            <a:lvl6pPr marL="1559966" indent="0" algn="ctr">
+              <a:buNone/>
+              <a:defRPr sz="1092"/>
             </a:lvl6pPr>
-            <a:lvl7pPr marL="2743200" indent="0" algn="ctr">
-              <a:buNone/>
-              <a:defRPr sz="1600"/>
+            <a:lvl7pPr marL="1871960" indent="0" algn="ctr">
+              <a:buNone/>
+              <a:defRPr sz="1092"/>
             </a:lvl7pPr>
-            <a:lvl8pPr marL="3200400" indent="0" algn="ctr">
-              <a:buNone/>
-              <a:defRPr sz="1600"/>
+            <a:lvl8pPr marL="2183953" indent="0" algn="ctr">
+              <a:buNone/>
+              <a:defRPr sz="1092"/>
             </a:lvl8pPr>
-            <a:lvl9pPr marL="3657600" indent="0" algn="ctr">
-              <a:buNone/>
-              <a:defRPr sz="1600"/>
+            <a:lvl9pPr marL="2495946" indent="0" algn="ctr">
+              <a:buNone/>
+              <a:defRPr sz="1092"/>
             </a:lvl9pPr>
           </a:lstStyle>
           <a:p>
             <a:r>
-              <a:rPr kumimoji="1" lang="ja-JP" altLang="en-US" smtClean="0"/>
+              <a:rPr lang="ja-JP" altLang="en-US" smtClean="0"/>
               <a:t>マスター サブタイトルの書式設定</a:t>
             </a:r>
-            <a:endParaRPr kumimoji="1" lang="ja-JP" altLang="en-US"/>
-          </a:p>
-        </p:txBody>
-      </p:sp>
-      <p:sp>
-        <p:nvSpPr>
-          <p:cNvPr id="4" name="日付プレースホルダー 3"/>
+            <a:endParaRPr lang="en-US" dirty="0"/>
+          </a:p>
+        </p:txBody>
+      </p:sp>
+      <p:sp>
+        <p:nvSpPr>
+          <p:cNvPr id="4" name="Date Placeholder 3"/>
           <p:cNvSpPr>
             <a:spLocks noGrp="1"/>
           </p:cNvSpPr>
@@ -243,7 +243,7 @@
           <a:p>
             <a:fld id="{793083FE-F8B2-4577-9B92-6995EB3820F1}" type="datetimeFigureOut">
               <a:rPr kumimoji="1" lang="ja-JP" altLang="en-US" smtClean="0"/>
-              <a:t>2017/7/11</a:t>
+              <a:t>2017/11/16</a:t>
             </a:fld>
             <a:endParaRPr kumimoji="1" lang="ja-JP" altLang="en-US"/>
           </a:p>
@@ -251,7 +251,7 @@
       </p:sp>
       <p:sp>
         <p:nvSpPr>
-          <p:cNvPr id="5" name="フッター プレースホルダー 4"/>
+          <p:cNvPr id="5" name="Footer Placeholder 4"/>
           <p:cNvSpPr>
             <a:spLocks noGrp="1"/>
           </p:cNvSpPr>
@@ -270,7 +270,7 @@
       </p:sp>
       <p:sp>
         <p:nvSpPr>
-          <p:cNvPr id="6" name="スライド番号プレースホルダー 5"/>
+          <p:cNvPr id="6" name="Slide Number Placeholder 5"/>
           <p:cNvSpPr>
             <a:spLocks noGrp="1"/>
           </p:cNvSpPr>
@@ -294,7 +294,7 @@
     </p:spTree>
     <p:extLst>
       <p:ext uri="{BB962C8B-B14F-4D97-AF65-F5344CB8AC3E}">
-        <p14:creationId xmlns:p14="http://schemas.microsoft.com/office/powerpoint/2010/main" val="1910841763"/>
+        <p14:creationId xmlns:p14="http://schemas.microsoft.com/office/powerpoint/2010/main" val="1828849388"/>
       </p:ext>
     </p:extLst>
   </p:cSld>
@@ -323,7 +323,7 @@
       </p:grpSpPr>
       <p:sp>
         <p:nvSpPr>
-          <p:cNvPr id="2" name="タイトル 1"/>
+          <p:cNvPr id="2" name="Title 1"/>
           <p:cNvSpPr>
             <a:spLocks noGrp="1"/>
           </p:cNvSpPr>
@@ -337,16 +337,16 @@
           <a:lstStyle/>
           <a:p>
             <a:r>
-              <a:rPr kumimoji="1" lang="ja-JP" altLang="en-US" smtClean="0"/>
+              <a:rPr lang="ja-JP" altLang="en-US" smtClean="0"/>
               <a:t>マスター タイトルの書式設定</a:t>
             </a:r>
-            <a:endParaRPr kumimoji="1" lang="ja-JP" altLang="en-US"/>
-          </a:p>
-        </p:txBody>
-      </p:sp>
-      <p:sp>
-        <p:nvSpPr>
-          <p:cNvPr id="3" name="縦書きテキスト プレースホルダー 2"/>
+            <a:endParaRPr lang="en-US" dirty="0"/>
+          </a:p>
+        </p:txBody>
+      </p:sp>
+      <p:sp>
+        <p:nvSpPr>
+          <p:cNvPr id="3" name="Vertical Text Placeholder 2"/>
           <p:cNvSpPr>
             <a:spLocks noGrp="1"/>
           </p:cNvSpPr>
@@ -361,76 +361,76 @@
           <a:p>
             <a:pPr lvl="0"/>
             <a:r>
-              <a:rPr kumimoji="1" lang="ja-JP" altLang="en-US" smtClean="0"/>
+              <a:rPr lang="ja-JP" altLang="en-US" smtClean="0"/>
               <a:t>マスター テキストの書式設定</a:t>
             </a:r>
           </a:p>
           <a:p>
             <a:pPr lvl="1"/>
             <a:r>
-              <a:rPr kumimoji="1" lang="ja-JP" altLang="en-US" smtClean="0"/>
+              <a:rPr lang="ja-JP" altLang="en-US" smtClean="0"/>
               <a:t>第 </a:t>
             </a:r>
             <a:r>
-              <a:rPr kumimoji="1" lang="en-US" altLang="ja-JP" smtClean="0"/>
+              <a:rPr lang="en-US" altLang="ja-JP" smtClean="0"/>
               <a:t>2 </a:t>
             </a:r>
             <a:r>
-              <a:rPr kumimoji="1" lang="ja-JP" altLang="en-US" smtClean="0"/>
+              <a:rPr lang="ja-JP" altLang="en-US" smtClean="0"/>
               <a:t>レベル</a:t>
             </a:r>
           </a:p>
           <a:p>
             <a:pPr lvl="2"/>
             <a:r>
-              <a:rPr kumimoji="1" lang="ja-JP" altLang="en-US" smtClean="0"/>
+              <a:rPr lang="ja-JP" altLang="en-US" smtClean="0"/>
               <a:t>第 </a:t>
             </a:r>
             <a:r>
-              <a:rPr kumimoji="1" lang="en-US" altLang="ja-JP" smtClean="0"/>
+              <a:rPr lang="en-US" altLang="ja-JP" smtClean="0"/>
               <a:t>3 </a:t>
             </a:r>
             <a:r>
-              <a:rPr kumimoji="1" lang="ja-JP" altLang="en-US" smtClean="0"/>
+              <a:rPr lang="ja-JP" altLang="en-US" smtClean="0"/>
               <a:t>レベル</a:t>
             </a:r>
           </a:p>
           <a:p>
             <a:pPr lvl="3"/>
             <a:r>
-              <a:rPr kumimoji="1" lang="ja-JP" altLang="en-US" smtClean="0"/>
+              <a:rPr lang="ja-JP" altLang="en-US" smtClean="0"/>
               <a:t>第 </a:t>
             </a:r>
             <a:r>
-              <a:rPr kumimoji="1" lang="en-US" altLang="ja-JP" smtClean="0"/>
+              <a:rPr lang="en-US" altLang="ja-JP" smtClean="0"/>
               <a:t>4 </a:t>
             </a:r>
             <a:r>
-              <a:rPr kumimoji="1" lang="ja-JP" altLang="en-US" smtClean="0"/>
+              <a:rPr lang="ja-JP" altLang="en-US" smtClean="0"/>
               <a:t>レベル</a:t>
             </a:r>
           </a:p>
           <a:p>
             <a:pPr lvl="4"/>
             <a:r>
-              <a:rPr kumimoji="1" lang="ja-JP" altLang="en-US" smtClean="0"/>
+              <a:rPr lang="ja-JP" altLang="en-US" smtClean="0"/>
               <a:t>第 </a:t>
             </a:r>
             <a:r>
-              <a:rPr kumimoji="1" lang="en-US" altLang="ja-JP" smtClean="0"/>
+              <a:rPr lang="en-US" altLang="ja-JP" smtClean="0"/>
               <a:t>5 </a:t>
             </a:r>
             <a:r>
-              <a:rPr kumimoji="1" lang="ja-JP" altLang="en-US" smtClean="0"/>
+              <a:rPr lang="ja-JP" altLang="en-US" smtClean="0"/>
               <a:t>レベル</a:t>
             </a:r>
-            <a:endParaRPr kumimoji="1" lang="ja-JP" altLang="en-US"/>
-          </a:p>
-        </p:txBody>
-      </p:sp>
-      <p:sp>
-        <p:nvSpPr>
-          <p:cNvPr id="4" name="日付プレースホルダー 3"/>
+            <a:endParaRPr lang="en-US" dirty="0"/>
+          </a:p>
+        </p:txBody>
+      </p:sp>
+      <p:sp>
+        <p:nvSpPr>
+          <p:cNvPr id="4" name="Date Placeholder 3"/>
           <p:cNvSpPr>
             <a:spLocks noGrp="1"/>
           </p:cNvSpPr>
@@ -445,7 +445,7 @@
           <a:p>
             <a:fld id="{793083FE-F8B2-4577-9B92-6995EB3820F1}" type="datetimeFigureOut">
               <a:rPr kumimoji="1" lang="ja-JP" altLang="en-US" smtClean="0"/>
-              <a:t>2017/7/11</a:t>
+              <a:t>2017/11/16</a:t>
             </a:fld>
             <a:endParaRPr kumimoji="1" lang="ja-JP" altLang="en-US"/>
           </a:p>
@@ -453,7 +453,7 @@
       </p:sp>
       <p:sp>
         <p:nvSpPr>
-          <p:cNvPr id="5" name="フッター プレースホルダー 4"/>
+          <p:cNvPr id="5" name="Footer Placeholder 4"/>
           <p:cNvSpPr>
             <a:spLocks noGrp="1"/>
           </p:cNvSpPr>
@@ -472,7 +472,7 @@
       </p:sp>
       <p:sp>
         <p:nvSpPr>
-          <p:cNvPr id="6" name="スライド番号プレースホルダー 5"/>
+          <p:cNvPr id="6" name="Slide Number Placeholder 5"/>
           <p:cNvSpPr>
             <a:spLocks noGrp="1"/>
           </p:cNvSpPr>
@@ -496,7 +496,7 @@
     </p:spTree>
     <p:extLst>
       <p:ext uri="{BB962C8B-B14F-4D97-AF65-F5344CB8AC3E}">
-        <p14:creationId xmlns:p14="http://schemas.microsoft.com/office/powerpoint/2010/main" val="419820785"/>
+        <p14:creationId xmlns:p14="http://schemas.microsoft.com/office/powerpoint/2010/main" val="3351880484"/>
       </p:ext>
     </p:extLst>
   </p:cSld>
@@ -525,7 +525,7 @@
       </p:grpSpPr>
       <p:sp>
         <p:nvSpPr>
-          <p:cNvPr id="2" name="縦書きタイトル 1"/>
+          <p:cNvPr id="2" name="Vertical Title 1"/>
           <p:cNvSpPr>
             <a:spLocks noGrp="1"/>
           </p:cNvSpPr>
@@ -535,8 +535,8 @@
         </p:nvSpPr>
         <p:spPr>
           <a:xfrm>
-            <a:off x="8724900" y="365125"/>
-            <a:ext cx="2628900" cy="5811838"/>
+            <a:off x="8724900" y="249164"/>
+            <a:ext cx="2628900" cy="3966041"/>
           </a:xfrm>
         </p:spPr>
         <p:txBody>
@@ -544,16 +544,16 @@
           <a:lstStyle/>
           <a:p>
             <a:r>
-              <a:rPr kumimoji="1" lang="ja-JP" altLang="en-US" smtClean="0"/>
+              <a:rPr lang="ja-JP" altLang="en-US" smtClean="0"/>
               <a:t>マスター タイトルの書式設定</a:t>
             </a:r>
-            <a:endParaRPr kumimoji="1" lang="ja-JP" altLang="en-US"/>
-          </a:p>
-        </p:txBody>
-      </p:sp>
-      <p:sp>
-        <p:nvSpPr>
-          <p:cNvPr id="3" name="縦書きテキスト プレースホルダー 2"/>
+            <a:endParaRPr lang="en-US" dirty="0"/>
+          </a:p>
+        </p:txBody>
+      </p:sp>
+      <p:sp>
+        <p:nvSpPr>
+          <p:cNvPr id="3" name="Vertical Text Placeholder 2"/>
           <p:cNvSpPr>
             <a:spLocks noGrp="1"/>
           </p:cNvSpPr>
@@ -563,8 +563,8 @@
         </p:nvSpPr>
         <p:spPr>
           <a:xfrm>
-            <a:off x="838200" y="365125"/>
-            <a:ext cx="7734300" cy="5811838"/>
+            <a:off x="838200" y="249164"/>
+            <a:ext cx="7734300" cy="3966041"/>
           </a:xfrm>
         </p:spPr>
         <p:txBody>
@@ -573,76 +573,76 @@
           <a:p>
             <a:pPr lvl="0"/>
             <a:r>
-              <a:rPr kumimoji="1" lang="ja-JP" altLang="en-US" smtClean="0"/>
+              <a:rPr lang="ja-JP" altLang="en-US" smtClean="0"/>
               <a:t>マスター テキストの書式設定</a:t>
             </a:r>
           </a:p>
           <a:p>
             <a:pPr lvl="1"/>
             <a:r>
-              <a:rPr kumimoji="1" lang="ja-JP" altLang="en-US" smtClean="0"/>
+              <a:rPr lang="ja-JP" altLang="en-US" smtClean="0"/>
               <a:t>第 </a:t>
             </a:r>
             <a:r>
-              <a:rPr kumimoji="1" lang="en-US" altLang="ja-JP" smtClean="0"/>
+              <a:rPr lang="en-US" altLang="ja-JP" smtClean="0"/>
               <a:t>2 </a:t>
             </a:r>
             <a:r>
-              <a:rPr kumimoji="1" lang="ja-JP" altLang="en-US" smtClean="0"/>
+              <a:rPr lang="ja-JP" altLang="en-US" smtClean="0"/>
               <a:t>レベル</a:t>
             </a:r>
           </a:p>
           <a:p>
             <a:pPr lvl="2"/>
             <a:r>
-              <a:rPr kumimoji="1" lang="ja-JP" altLang="en-US" smtClean="0"/>
+              <a:rPr lang="ja-JP" altLang="en-US" smtClean="0"/>
               <a:t>第 </a:t>
             </a:r>
             <a:r>
-              <a:rPr kumimoji="1" lang="en-US" altLang="ja-JP" smtClean="0"/>
+              <a:rPr lang="en-US" altLang="ja-JP" smtClean="0"/>
               <a:t>3 </a:t>
             </a:r>
             <a:r>
-              <a:rPr kumimoji="1" lang="ja-JP" altLang="en-US" smtClean="0"/>
+              <a:rPr lang="ja-JP" altLang="en-US" smtClean="0"/>
               <a:t>レベル</a:t>
             </a:r>
           </a:p>
           <a:p>
             <a:pPr lvl="3"/>
             <a:r>
-              <a:rPr kumimoji="1" lang="ja-JP" altLang="en-US" smtClean="0"/>
+              <a:rPr lang="ja-JP" altLang="en-US" smtClean="0"/>
               <a:t>第 </a:t>
             </a:r>
             <a:r>
-              <a:rPr kumimoji="1" lang="en-US" altLang="ja-JP" smtClean="0"/>
+              <a:rPr lang="en-US" altLang="ja-JP" smtClean="0"/>
               <a:t>4 </a:t>
             </a:r>
             <a:r>
-              <a:rPr kumimoji="1" lang="ja-JP" altLang="en-US" smtClean="0"/>
+              <a:rPr lang="ja-JP" altLang="en-US" smtClean="0"/>
               <a:t>レベル</a:t>
             </a:r>
           </a:p>
           <a:p>
             <a:pPr lvl="4"/>
             <a:r>
-              <a:rPr kumimoji="1" lang="ja-JP" altLang="en-US" smtClean="0"/>
+              <a:rPr lang="ja-JP" altLang="en-US" smtClean="0"/>
               <a:t>第 </a:t>
             </a:r>
             <a:r>
-              <a:rPr kumimoji="1" lang="en-US" altLang="ja-JP" smtClean="0"/>
+              <a:rPr lang="en-US" altLang="ja-JP" smtClean="0"/>
               <a:t>5 </a:t>
             </a:r>
             <a:r>
-              <a:rPr kumimoji="1" lang="ja-JP" altLang="en-US" smtClean="0"/>
+              <a:rPr lang="ja-JP" altLang="en-US" smtClean="0"/>
               <a:t>レベル</a:t>
             </a:r>
-            <a:endParaRPr kumimoji="1" lang="ja-JP" altLang="en-US"/>
-          </a:p>
-        </p:txBody>
-      </p:sp>
-      <p:sp>
-        <p:nvSpPr>
-          <p:cNvPr id="4" name="日付プレースホルダー 3"/>
+            <a:endParaRPr lang="en-US" dirty="0"/>
+          </a:p>
+        </p:txBody>
+      </p:sp>
+      <p:sp>
+        <p:nvSpPr>
+          <p:cNvPr id="4" name="Date Placeholder 3"/>
           <p:cNvSpPr>
             <a:spLocks noGrp="1"/>
           </p:cNvSpPr>
@@ -657,7 +657,7 @@
           <a:p>
             <a:fld id="{793083FE-F8B2-4577-9B92-6995EB3820F1}" type="datetimeFigureOut">
               <a:rPr kumimoji="1" lang="ja-JP" altLang="en-US" smtClean="0"/>
-              <a:t>2017/7/11</a:t>
+              <a:t>2017/11/16</a:t>
             </a:fld>
             <a:endParaRPr kumimoji="1" lang="ja-JP" altLang="en-US"/>
           </a:p>
@@ -665,7 +665,7 @@
       </p:sp>
       <p:sp>
         <p:nvSpPr>
-          <p:cNvPr id="5" name="フッター プレースホルダー 4"/>
+          <p:cNvPr id="5" name="Footer Placeholder 4"/>
           <p:cNvSpPr>
             <a:spLocks noGrp="1"/>
           </p:cNvSpPr>
@@ -684,7 +684,7 @@
       </p:sp>
       <p:sp>
         <p:nvSpPr>
-          <p:cNvPr id="6" name="スライド番号プレースホルダー 5"/>
+          <p:cNvPr id="6" name="Slide Number Placeholder 5"/>
           <p:cNvSpPr>
             <a:spLocks noGrp="1"/>
           </p:cNvSpPr>
@@ -708,7 +708,7 @@
     </p:spTree>
     <p:extLst>
       <p:ext uri="{BB962C8B-B14F-4D97-AF65-F5344CB8AC3E}">
-        <p14:creationId xmlns:p14="http://schemas.microsoft.com/office/powerpoint/2010/main" val="2389041137"/>
+        <p14:creationId xmlns:p14="http://schemas.microsoft.com/office/powerpoint/2010/main" val="4136615557"/>
       </p:ext>
     </p:extLst>
   </p:cSld>
@@ -737,7 +737,7 @@
       </p:grpSpPr>
       <p:sp>
         <p:nvSpPr>
-          <p:cNvPr id="2" name="タイトル 1"/>
+          <p:cNvPr id="2" name="Title 1"/>
           <p:cNvSpPr>
             <a:spLocks noGrp="1"/>
           </p:cNvSpPr>
@@ -751,16 +751,16 @@
           <a:lstStyle/>
           <a:p>
             <a:r>
-              <a:rPr kumimoji="1" lang="ja-JP" altLang="en-US" smtClean="0"/>
+              <a:rPr lang="ja-JP" altLang="en-US" smtClean="0"/>
               <a:t>マスター タイトルの書式設定</a:t>
             </a:r>
-            <a:endParaRPr kumimoji="1" lang="ja-JP" altLang="en-US"/>
-          </a:p>
-        </p:txBody>
-      </p:sp>
-      <p:sp>
-        <p:nvSpPr>
-          <p:cNvPr id="3" name="コンテンツ プレースホルダー 2"/>
+            <a:endParaRPr lang="en-US" dirty="0"/>
+          </a:p>
+        </p:txBody>
+      </p:sp>
+      <p:sp>
+        <p:nvSpPr>
+          <p:cNvPr id="3" name="Content Placeholder 2"/>
           <p:cNvSpPr>
             <a:spLocks noGrp="1"/>
           </p:cNvSpPr>
@@ -775,76 +775,76 @@
           <a:p>
             <a:pPr lvl="0"/>
             <a:r>
-              <a:rPr kumimoji="1" lang="ja-JP" altLang="en-US" smtClean="0"/>
+              <a:rPr lang="ja-JP" altLang="en-US" smtClean="0"/>
               <a:t>マスター テキストの書式設定</a:t>
             </a:r>
           </a:p>
           <a:p>
             <a:pPr lvl="1"/>
             <a:r>
-              <a:rPr kumimoji="1" lang="ja-JP" altLang="en-US" smtClean="0"/>
+              <a:rPr lang="ja-JP" altLang="en-US" smtClean="0"/>
               <a:t>第 </a:t>
             </a:r>
             <a:r>
-              <a:rPr kumimoji="1" lang="en-US" altLang="ja-JP" smtClean="0"/>
+              <a:rPr lang="en-US" altLang="ja-JP" smtClean="0"/>
               <a:t>2 </a:t>
             </a:r>
             <a:r>
-              <a:rPr kumimoji="1" lang="ja-JP" altLang="en-US" smtClean="0"/>
+              <a:rPr lang="ja-JP" altLang="en-US" smtClean="0"/>
               <a:t>レベル</a:t>
             </a:r>
           </a:p>
           <a:p>
             <a:pPr lvl="2"/>
             <a:r>
-              <a:rPr kumimoji="1" lang="ja-JP" altLang="en-US" smtClean="0"/>
+              <a:rPr lang="ja-JP" altLang="en-US" smtClean="0"/>
               <a:t>第 </a:t>
             </a:r>
             <a:r>
-              <a:rPr kumimoji="1" lang="en-US" altLang="ja-JP" smtClean="0"/>
+              <a:rPr lang="en-US" altLang="ja-JP" smtClean="0"/>
               <a:t>3 </a:t>
             </a:r>
             <a:r>
-              <a:rPr kumimoji="1" lang="ja-JP" altLang="en-US" smtClean="0"/>
+              <a:rPr lang="ja-JP" altLang="en-US" smtClean="0"/>
               <a:t>レベル</a:t>
             </a:r>
           </a:p>
           <a:p>
             <a:pPr lvl="3"/>
             <a:r>
-              <a:rPr kumimoji="1" lang="ja-JP" altLang="en-US" smtClean="0"/>
+              <a:rPr lang="ja-JP" altLang="en-US" smtClean="0"/>
               <a:t>第 </a:t>
             </a:r>
             <a:r>
-              <a:rPr kumimoji="1" lang="en-US" altLang="ja-JP" smtClean="0"/>
+              <a:rPr lang="en-US" altLang="ja-JP" smtClean="0"/>
               <a:t>4 </a:t>
             </a:r>
             <a:r>
-              <a:rPr kumimoji="1" lang="ja-JP" altLang="en-US" smtClean="0"/>
+              <a:rPr lang="ja-JP" altLang="en-US" smtClean="0"/>
               <a:t>レベル</a:t>
             </a:r>
           </a:p>
           <a:p>
             <a:pPr lvl="4"/>
             <a:r>
-              <a:rPr kumimoji="1" lang="ja-JP" altLang="en-US" smtClean="0"/>
+              <a:rPr lang="ja-JP" altLang="en-US" smtClean="0"/>
               <a:t>第 </a:t>
             </a:r>
             <a:r>
-              <a:rPr kumimoji="1" lang="en-US" altLang="ja-JP" smtClean="0"/>
+              <a:rPr lang="en-US" altLang="ja-JP" smtClean="0"/>
               <a:t>5 </a:t>
             </a:r>
             <a:r>
-              <a:rPr kumimoji="1" lang="ja-JP" altLang="en-US" smtClean="0"/>
+              <a:rPr lang="ja-JP" altLang="en-US" smtClean="0"/>
               <a:t>レベル</a:t>
             </a:r>
-            <a:endParaRPr kumimoji="1" lang="ja-JP" altLang="en-US"/>
-          </a:p>
-        </p:txBody>
-      </p:sp>
-      <p:sp>
-        <p:nvSpPr>
-          <p:cNvPr id="4" name="日付プレースホルダー 3"/>
+            <a:endParaRPr lang="en-US" dirty="0"/>
+          </a:p>
+        </p:txBody>
+      </p:sp>
+      <p:sp>
+        <p:nvSpPr>
+          <p:cNvPr id="4" name="Date Placeholder 3"/>
           <p:cNvSpPr>
             <a:spLocks noGrp="1"/>
           </p:cNvSpPr>
@@ -859,7 +859,7 @@
           <a:p>
             <a:fld id="{793083FE-F8B2-4577-9B92-6995EB3820F1}" type="datetimeFigureOut">
               <a:rPr kumimoji="1" lang="ja-JP" altLang="en-US" smtClean="0"/>
-              <a:t>2017/7/11</a:t>
+              <a:t>2017/11/16</a:t>
             </a:fld>
             <a:endParaRPr kumimoji="1" lang="ja-JP" altLang="en-US"/>
           </a:p>
@@ -867,7 +867,7 @@
       </p:sp>
       <p:sp>
         <p:nvSpPr>
-          <p:cNvPr id="5" name="フッター プレースホルダー 4"/>
+          <p:cNvPr id="5" name="Footer Placeholder 4"/>
           <p:cNvSpPr>
             <a:spLocks noGrp="1"/>
           </p:cNvSpPr>
@@ -886,7 +886,7 @@
       </p:sp>
       <p:sp>
         <p:nvSpPr>
-          <p:cNvPr id="6" name="スライド番号プレースホルダー 5"/>
+          <p:cNvPr id="6" name="Slide Number Placeholder 5"/>
           <p:cNvSpPr>
             <a:spLocks noGrp="1"/>
           </p:cNvSpPr>
@@ -910,7 +910,7 @@
     </p:spTree>
     <p:extLst>
       <p:ext uri="{BB962C8B-B14F-4D97-AF65-F5344CB8AC3E}">
-        <p14:creationId xmlns:p14="http://schemas.microsoft.com/office/powerpoint/2010/main" val="1138132558"/>
+        <p14:creationId xmlns:p14="http://schemas.microsoft.com/office/powerpoint/2010/main" val="744189202"/>
       </p:ext>
     </p:extLst>
   </p:cSld>
@@ -939,7 +939,7 @@
       </p:grpSpPr>
       <p:sp>
         <p:nvSpPr>
-          <p:cNvPr id="2" name="タイトル 1"/>
+          <p:cNvPr id="2" name="Title 1"/>
           <p:cNvSpPr>
             <a:spLocks noGrp="1"/>
           </p:cNvSpPr>
@@ -949,29 +949,29 @@
         </p:nvSpPr>
         <p:spPr>
           <a:xfrm>
-            <a:off x="831850" y="1709738"/>
-            <a:ext cx="10515600" cy="2852737"/>
+            <a:off x="831850" y="1166738"/>
+            <a:ext cx="10515600" cy="1946729"/>
           </a:xfrm>
         </p:spPr>
         <p:txBody>
           <a:bodyPr anchor="b"/>
           <a:lstStyle>
             <a:lvl1pPr>
-              <a:defRPr sz="6000"/>
+              <a:defRPr sz="4094"/>
             </a:lvl1pPr>
           </a:lstStyle>
           <a:p>
             <a:r>
-              <a:rPr kumimoji="1" lang="ja-JP" altLang="en-US" smtClean="0"/>
+              <a:rPr lang="ja-JP" altLang="en-US" smtClean="0"/>
               <a:t>マスター タイトルの書式設定</a:t>
             </a:r>
-            <a:endParaRPr kumimoji="1" lang="ja-JP" altLang="en-US"/>
-          </a:p>
-        </p:txBody>
-      </p:sp>
-      <p:sp>
-        <p:nvSpPr>
-          <p:cNvPr id="3" name="テキスト プレースホルダー 2"/>
+            <a:endParaRPr lang="en-US" dirty="0"/>
+          </a:p>
+        </p:txBody>
+      </p:sp>
+      <p:sp>
+        <p:nvSpPr>
+          <p:cNvPr id="3" name="Text Placeholder 2"/>
           <p:cNvSpPr>
             <a:spLocks noGrp="1"/>
           </p:cNvSpPr>
@@ -981,8 +981,8 @@
         </p:nvSpPr>
         <p:spPr>
           <a:xfrm>
-            <a:off x="831850" y="4589463"/>
-            <a:ext cx="10515600" cy="1500187"/>
+            <a:off x="831850" y="3131884"/>
+            <a:ext cx="10515600" cy="1023739"/>
           </a:xfrm>
         </p:spPr>
         <p:txBody>
@@ -990,7 +990,7 @@
           <a:lstStyle>
             <a:lvl1pPr marL="0" indent="0">
               <a:buNone/>
-              <a:defRPr sz="2400">
+              <a:defRPr sz="1638">
                 <a:solidFill>
                   <a:schemeClr val="tx1">
                     <a:tint val="75000"/>
@@ -998,9 +998,9 @@
                 </a:solidFill>
               </a:defRPr>
             </a:lvl1pPr>
-            <a:lvl2pPr marL="457200" indent="0">
-              <a:buNone/>
-              <a:defRPr sz="2000">
+            <a:lvl2pPr marL="311993" indent="0">
+              <a:buNone/>
+              <a:defRPr sz="1365">
                 <a:solidFill>
                   <a:schemeClr val="tx1">
                     <a:tint val="75000"/>
@@ -1008,9 +1008,9 @@
                 </a:solidFill>
               </a:defRPr>
             </a:lvl2pPr>
-            <a:lvl3pPr marL="914400" indent="0">
-              <a:buNone/>
-              <a:defRPr sz="1800">
+            <a:lvl3pPr marL="623987" indent="0">
+              <a:buNone/>
+              <a:defRPr sz="1228">
                 <a:solidFill>
                   <a:schemeClr val="tx1">
                     <a:tint val="75000"/>
@@ -1018,9 +1018,9 @@
                 </a:solidFill>
               </a:defRPr>
             </a:lvl3pPr>
-            <a:lvl4pPr marL="1371600" indent="0">
-              <a:buNone/>
-              <a:defRPr sz="1600">
+            <a:lvl4pPr marL="935980" indent="0">
+              <a:buNone/>
+              <a:defRPr sz="1092">
                 <a:solidFill>
                   <a:schemeClr val="tx1">
                     <a:tint val="75000"/>
@@ -1028,9 +1028,9 @@
                 </a:solidFill>
               </a:defRPr>
             </a:lvl4pPr>
-            <a:lvl5pPr marL="1828800" indent="0">
-              <a:buNone/>
-              <a:defRPr sz="1600">
+            <a:lvl5pPr marL="1247973" indent="0">
+              <a:buNone/>
+              <a:defRPr sz="1092">
                 <a:solidFill>
                   <a:schemeClr val="tx1">
                     <a:tint val="75000"/>
@@ -1038,9 +1038,9 @@
                 </a:solidFill>
               </a:defRPr>
             </a:lvl5pPr>
-            <a:lvl6pPr marL="2286000" indent="0">
-              <a:buNone/>
-              <a:defRPr sz="1600">
+            <a:lvl6pPr marL="1559966" indent="0">
+              <a:buNone/>
+              <a:defRPr sz="1092">
                 <a:solidFill>
                   <a:schemeClr val="tx1">
                     <a:tint val="75000"/>
@@ -1048,9 +1048,9 @@
                 </a:solidFill>
               </a:defRPr>
             </a:lvl6pPr>
-            <a:lvl7pPr marL="2743200" indent="0">
-              <a:buNone/>
-              <a:defRPr sz="1600">
+            <a:lvl7pPr marL="1871960" indent="0">
+              <a:buNone/>
+              <a:defRPr sz="1092">
                 <a:solidFill>
                   <a:schemeClr val="tx1">
                     <a:tint val="75000"/>
@@ -1058,9 +1058,9 @@
                 </a:solidFill>
               </a:defRPr>
             </a:lvl7pPr>
-            <a:lvl8pPr marL="3200400" indent="0">
-              <a:buNone/>
-              <a:defRPr sz="1600">
+            <a:lvl8pPr marL="2183953" indent="0">
+              <a:buNone/>
+              <a:defRPr sz="1092">
                 <a:solidFill>
                   <a:schemeClr val="tx1">
                     <a:tint val="75000"/>
@@ -1068,9 +1068,9 @@
                 </a:solidFill>
               </a:defRPr>
             </a:lvl8pPr>
-            <a:lvl9pPr marL="3657600" indent="0">
-              <a:buNone/>
-              <a:defRPr sz="1600">
+            <a:lvl9pPr marL="2495946" indent="0">
+              <a:buNone/>
+              <a:defRPr sz="1092">
                 <a:solidFill>
                   <a:schemeClr val="tx1">
                     <a:tint val="75000"/>
@@ -1082,7 +1082,7 @@
           <a:p>
             <a:pPr lvl="0"/>
             <a:r>
-              <a:rPr kumimoji="1" lang="ja-JP" altLang="en-US" smtClean="0"/>
+              <a:rPr lang="ja-JP" altLang="en-US" smtClean="0"/>
               <a:t>マスター テキストの書式設定</a:t>
             </a:r>
           </a:p>
@@ -1090,7 +1090,7 @@
       </p:sp>
       <p:sp>
         <p:nvSpPr>
-          <p:cNvPr id="4" name="日付プレースホルダー 3"/>
+          <p:cNvPr id="4" name="Date Placeholder 3"/>
           <p:cNvSpPr>
             <a:spLocks noGrp="1"/>
           </p:cNvSpPr>
@@ -1105,7 +1105,7 @@
           <a:p>
             <a:fld id="{793083FE-F8B2-4577-9B92-6995EB3820F1}" type="datetimeFigureOut">
               <a:rPr kumimoji="1" lang="ja-JP" altLang="en-US" smtClean="0"/>
-              <a:t>2017/7/11</a:t>
+              <a:t>2017/11/16</a:t>
             </a:fld>
             <a:endParaRPr kumimoji="1" lang="ja-JP" altLang="en-US"/>
           </a:p>
@@ -1113,7 +1113,7 @@
       </p:sp>
       <p:sp>
         <p:nvSpPr>
-          <p:cNvPr id="5" name="フッター プレースホルダー 4"/>
+          <p:cNvPr id="5" name="Footer Placeholder 4"/>
           <p:cNvSpPr>
             <a:spLocks noGrp="1"/>
           </p:cNvSpPr>
@@ -1132,7 +1132,7 @@
       </p:sp>
       <p:sp>
         <p:nvSpPr>
-          <p:cNvPr id="6" name="スライド番号プレースホルダー 5"/>
+          <p:cNvPr id="6" name="Slide Number Placeholder 5"/>
           <p:cNvSpPr>
             <a:spLocks noGrp="1"/>
           </p:cNvSpPr>
@@ -1156,7 +1156,7 @@
     </p:spTree>
     <p:extLst>
       <p:ext uri="{BB962C8B-B14F-4D97-AF65-F5344CB8AC3E}">
-        <p14:creationId xmlns:p14="http://schemas.microsoft.com/office/powerpoint/2010/main" val="609657834"/>
+        <p14:creationId xmlns:p14="http://schemas.microsoft.com/office/powerpoint/2010/main" val="559281122"/>
       </p:ext>
     </p:extLst>
   </p:cSld>
@@ -1185,7 +1185,7 @@
       </p:grpSpPr>
       <p:sp>
         <p:nvSpPr>
-          <p:cNvPr id="2" name="タイトル 1"/>
+          <p:cNvPr id="2" name="Title 1"/>
           <p:cNvSpPr>
             <a:spLocks noGrp="1"/>
           </p:cNvSpPr>
@@ -1199,16 +1199,16 @@
           <a:lstStyle/>
           <a:p>
             <a:r>
-              <a:rPr kumimoji="1" lang="ja-JP" altLang="en-US" smtClean="0"/>
+              <a:rPr lang="ja-JP" altLang="en-US" smtClean="0"/>
               <a:t>マスター タイトルの書式設定</a:t>
             </a:r>
-            <a:endParaRPr kumimoji="1" lang="ja-JP" altLang="en-US"/>
-          </a:p>
-        </p:txBody>
-      </p:sp>
-      <p:sp>
-        <p:nvSpPr>
-          <p:cNvPr id="3" name="コンテンツ プレースホルダー 2"/>
+            <a:endParaRPr lang="en-US" dirty="0"/>
+          </a:p>
+        </p:txBody>
+      </p:sp>
+      <p:sp>
+        <p:nvSpPr>
+          <p:cNvPr id="3" name="Content Placeholder 2"/>
           <p:cNvSpPr>
             <a:spLocks noGrp="1"/>
           </p:cNvSpPr>
@@ -1218,8 +1218,8 @@
         </p:nvSpPr>
         <p:spPr>
           <a:xfrm>
-            <a:off x="838200" y="1825625"/>
-            <a:ext cx="5181600" cy="4351338"/>
+            <a:off x="838200" y="1245820"/>
+            <a:ext cx="5181600" cy="2969385"/>
           </a:xfrm>
         </p:spPr>
         <p:txBody>
@@ -1228,76 +1228,76 @@
           <a:p>
             <a:pPr lvl="0"/>
             <a:r>
-              <a:rPr kumimoji="1" lang="ja-JP" altLang="en-US" smtClean="0"/>
+              <a:rPr lang="ja-JP" altLang="en-US" smtClean="0"/>
               <a:t>マスター テキストの書式設定</a:t>
             </a:r>
           </a:p>
           <a:p>
             <a:pPr lvl="1"/>
             <a:r>
-              <a:rPr kumimoji="1" lang="ja-JP" altLang="en-US" smtClean="0"/>
+              <a:rPr lang="ja-JP" altLang="en-US" smtClean="0"/>
               <a:t>第 </a:t>
             </a:r>
             <a:r>
-              <a:rPr kumimoji="1" lang="en-US" altLang="ja-JP" smtClean="0"/>
+              <a:rPr lang="en-US" altLang="ja-JP" smtClean="0"/>
               <a:t>2 </a:t>
             </a:r>
             <a:r>
-              <a:rPr kumimoji="1" lang="ja-JP" altLang="en-US" smtClean="0"/>
+              <a:rPr lang="ja-JP" altLang="en-US" smtClean="0"/>
               <a:t>レベル</a:t>
             </a:r>
           </a:p>
           <a:p>
             <a:pPr lvl="2"/>
             <a:r>
-              <a:rPr kumimoji="1" lang="ja-JP" altLang="en-US" smtClean="0"/>
+              <a:rPr lang="ja-JP" altLang="en-US" smtClean="0"/>
               <a:t>第 </a:t>
             </a:r>
             <a:r>
-              <a:rPr kumimoji="1" lang="en-US" altLang="ja-JP" smtClean="0"/>
+              <a:rPr lang="en-US" altLang="ja-JP" smtClean="0"/>
               <a:t>3 </a:t>
             </a:r>
             <a:r>
-              <a:rPr kumimoji="1" lang="ja-JP" altLang="en-US" smtClean="0"/>
+              <a:rPr lang="ja-JP" altLang="en-US" smtClean="0"/>
               <a:t>レベル</a:t>
             </a:r>
           </a:p>
           <a:p>
             <a:pPr lvl="3"/>
             <a:r>
-              <a:rPr kumimoji="1" lang="ja-JP" altLang="en-US" smtClean="0"/>
+              <a:rPr lang="ja-JP" altLang="en-US" smtClean="0"/>
               <a:t>第 </a:t>
             </a:r>
             <a:r>
-              <a:rPr kumimoji="1" lang="en-US" altLang="ja-JP" smtClean="0"/>
+              <a:rPr lang="en-US" altLang="ja-JP" smtClean="0"/>
               <a:t>4 </a:t>
             </a:r>
             <a:r>
-              <a:rPr kumimoji="1" lang="ja-JP" altLang="en-US" smtClean="0"/>
+              <a:rPr lang="ja-JP" altLang="en-US" smtClean="0"/>
               <a:t>レベル</a:t>
             </a:r>
           </a:p>
           <a:p>
             <a:pPr lvl="4"/>
             <a:r>
-              <a:rPr kumimoji="1" lang="ja-JP" altLang="en-US" smtClean="0"/>
+              <a:rPr lang="ja-JP" altLang="en-US" smtClean="0"/>
               <a:t>第 </a:t>
             </a:r>
             <a:r>
-              <a:rPr kumimoji="1" lang="en-US" altLang="ja-JP" smtClean="0"/>
+              <a:rPr lang="en-US" altLang="ja-JP" smtClean="0"/>
               <a:t>5 </a:t>
             </a:r>
             <a:r>
-              <a:rPr kumimoji="1" lang="ja-JP" altLang="en-US" smtClean="0"/>
+              <a:rPr lang="ja-JP" altLang="en-US" smtClean="0"/>
               <a:t>レベル</a:t>
             </a:r>
-            <a:endParaRPr kumimoji="1" lang="ja-JP" altLang="en-US"/>
-          </a:p>
-        </p:txBody>
-      </p:sp>
-      <p:sp>
-        <p:nvSpPr>
-          <p:cNvPr id="4" name="コンテンツ プレースホルダー 3"/>
+            <a:endParaRPr lang="en-US" dirty="0"/>
+          </a:p>
+        </p:txBody>
+      </p:sp>
+      <p:sp>
+        <p:nvSpPr>
+          <p:cNvPr id="4" name="Content Placeholder 3"/>
           <p:cNvSpPr>
             <a:spLocks noGrp="1"/>
           </p:cNvSpPr>
@@ -1307,8 +1307,8 @@
         </p:nvSpPr>
         <p:spPr>
           <a:xfrm>
-            <a:off x="6172200" y="1825625"/>
-            <a:ext cx="5181600" cy="4351338"/>
+            <a:off x="6172200" y="1245820"/>
+            <a:ext cx="5181600" cy="2969385"/>
           </a:xfrm>
         </p:spPr>
         <p:txBody>
@@ -1317,76 +1317,76 @@
           <a:p>
             <a:pPr lvl="0"/>
             <a:r>
-              <a:rPr kumimoji="1" lang="ja-JP" altLang="en-US" smtClean="0"/>
+              <a:rPr lang="ja-JP" altLang="en-US" smtClean="0"/>
               <a:t>マスター テキストの書式設定</a:t>
             </a:r>
           </a:p>
           <a:p>
             <a:pPr lvl="1"/>
             <a:r>
-              <a:rPr kumimoji="1" lang="ja-JP" altLang="en-US" smtClean="0"/>
+              <a:rPr lang="ja-JP" altLang="en-US" smtClean="0"/>
               <a:t>第 </a:t>
             </a:r>
             <a:r>
-              <a:rPr kumimoji="1" lang="en-US" altLang="ja-JP" smtClean="0"/>
+              <a:rPr lang="en-US" altLang="ja-JP" smtClean="0"/>
               <a:t>2 </a:t>
             </a:r>
             <a:r>
-              <a:rPr kumimoji="1" lang="ja-JP" altLang="en-US" smtClean="0"/>
+              <a:rPr lang="ja-JP" altLang="en-US" smtClean="0"/>
               <a:t>レベル</a:t>
             </a:r>
           </a:p>
           <a:p>
             <a:pPr lvl="2"/>
             <a:r>
-              <a:rPr kumimoji="1" lang="ja-JP" altLang="en-US" smtClean="0"/>
+              <a:rPr lang="ja-JP" altLang="en-US" smtClean="0"/>
               <a:t>第 </a:t>
             </a:r>
             <a:r>
-              <a:rPr kumimoji="1" lang="en-US" altLang="ja-JP" smtClean="0"/>
+              <a:rPr lang="en-US" altLang="ja-JP" smtClean="0"/>
               <a:t>3 </a:t>
             </a:r>
             <a:r>
-              <a:rPr kumimoji="1" lang="ja-JP" altLang="en-US" smtClean="0"/>
+              <a:rPr lang="ja-JP" altLang="en-US" smtClean="0"/>
               <a:t>レベル</a:t>
             </a:r>
           </a:p>
           <a:p>
             <a:pPr lvl="3"/>
             <a:r>
-              <a:rPr kumimoji="1" lang="ja-JP" altLang="en-US" smtClean="0"/>
+              <a:rPr lang="ja-JP" altLang="en-US" smtClean="0"/>
               <a:t>第 </a:t>
             </a:r>
             <a:r>
-              <a:rPr kumimoji="1" lang="en-US" altLang="ja-JP" smtClean="0"/>
+              <a:rPr lang="en-US" altLang="ja-JP" smtClean="0"/>
               <a:t>4 </a:t>
             </a:r>
             <a:r>
-              <a:rPr kumimoji="1" lang="ja-JP" altLang="en-US" smtClean="0"/>
+              <a:rPr lang="ja-JP" altLang="en-US" smtClean="0"/>
               <a:t>レベル</a:t>
             </a:r>
           </a:p>
           <a:p>
             <a:pPr lvl="4"/>
             <a:r>
-              <a:rPr kumimoji="1" lang="ja-JP" altLang="en-US" smtClean="0"/>
+              <a:rPr lang="ja-JP" altLang="en-US" smtClean="0"/>
               <a:t>第 </a:t>
             </a:r>
             <a:r>
-              <a:rPr kumimoji="1" lang="en-US" altLang="ja-JP" smtClean="0"/>
+              <a:rPr lang="en-US" altLang="ja-JP" smtClean="0"/>
               <a:t>5 </a:t>
             </a:r>
             <a:r>
-              <a:rPr kumimoji="1" lang="ja-JP" altLang="en-US" smtClean="0"/>
+              <a:rPr lang="ja-JP" altLang="en-US" smtClean="0"/>
               <a:t>レベル</a:t>
             </a:r>
-            <a:endParaRPr kumimoji="1" lang="ja-JP" altLang="en-US"/>
-          </a:p>
-        </p:txBody>
-      </p:sp>
-      <p:sp>
-        <p:nvSpPr>
-          <p:cNvPr id="5" name="日付プレースホルダー 4"/>
+            <a:endParaRPr lang="en-US" dirty="0"/>
+          </a:p>
+        </p:txBody>
+      </p:sp>
+      <p:sp>
+        <p:nvSpPr>
+          <p:cNvPr id="5" name="Date Placeholder 4"/>
           <p:cNvSpPr>
             <a:spLocks noGrp="1"/>
           </p:cNvSpPr>
@@ -1401,7 +1401,7 @@
           <a:p>
             <a:fld id="{793083FE-F8B2-4577-9B92-6995EB3820F1}" type="datetimeFigureOut">
               <a:rPr kumimoji="1" lang="ja-JP" altLang="en-US" smtClean="0"/>
-              <a:t>2017/7/11</a:t>
+              <a:t>2017/11/16</a:t>
             </a:fld>
             <a:endParaRPr kumimoji="1" lang="ja-JP" altLang="en-US"/>
           </a:p>
@@ -1409,7 +1409,7 @@
       </p:sp>
       <p:sp>
         <p:nvSpPr>
-          <p:cNvPr id="6" name="フッター プレースホルダー 5"/>
+          <p:cNvPr id="6" name="Footer Placeholder 5"/>
           <p:cNvSpPr>
             <a:spLocks noGrp="1"/>
           </p:cNvSpPr>
@@ -1428,7 +1428,7 @@
       </p:sp>
       <p:sp>
         <p:nvSpPr>
-          <p:cNvPr id="7" name="スライド番号プレースホルダー 6"/>
+          <p:cNvPr id="7" name="Slide Number Placeholder 6"/>
           <p:cNvSpPr>
             <a:spLocks noGrp="1"/>
           </p:cNvSpPr>
@@ -1452,7 +1452,7 @@
     </p:spTree>
     <p:extLst>
       <p:ext uri="{BB962C8B-B14F-4D97-AF65-F5344CB8AC3E}">
-        <p14:creationId xmlns:p14="http://schemas.microsoft.com/office/powerpoint/2010/main" val="2232048626"/>
+        <p14:creationId xmlns:p14="http://schemas.microsoft.com/office/powerpoint/2010/main" val="3996169891"/>
       </p:ext>
     </p:extLst>
   </p:cSld>
@@ -1481,7 +1481,7 @@
       </p:grpSpPr>
       <p:sp>
         <p:nvSpPr>
-          <p:cNvPr id="2" name="タイトル 1"/>
+          <p:cNvPr id="2" name="Title 1"/>
           <p:cNvSpPr>
             <a:spLocks noGrp="1"/>
           </p:cNvSpPr>
@@ -1491,8 +1491,8 @@
         </p:nvSpPr>
         <p:spPr>
           <a:xfrm>
-            <a:off x="839788" y="365125"/>
-            <a:ext cx="10515600" cy="1325563"/>
+            <a:off x="839788" y="249164"/>
+            <a:ext cx="10515600" cy="904574"/>
           </a:xfrm>
         </p:spPr>
         <p:txBody>
@@ -1500,16 +1500,16 @@
           <a:lstStyle/>
           <a:p>
             <a:r>
-              <a:rPr kumimoji="1" lang="ja-JP" altLang="en-US" smtClean="0"/>
+              <a:rPr lang="ja-JP" altLang="en-US" smtClean="0"/>
               <a:t>マスター タイトルの書式設定</a:t>
             </a:r>
-            <a:endParaRPr kumimoji="1" lang="ja-JP" altLang="en-US"/>
-          </a:p>
-        </p:txBody>
-      </p:sp>
-      <p:sp>
-        <p:nvSpPr>
-          <p:cNvPr id="3" name="テキスト プレースホルダー 2"/>
+            <a:endParaRPr lang="en-US" dirty="0"/>
+          </a:p>
+        </p:txBody>
+      </p:sp>
+      <p:sp>
+        <p:nvSpPr>
+          <p:cNvPr id="3" name="Text Placeholder 2"/>
           <p:cNvSpPr>
             <a:spLocks noGrp="1"/>
           </p:cNvSpPr>
@@ -1519,8 +1519,8 @@
         </p:nvSpPr>
         <p:spPr>
           <a:xfrm>
-            <a:off x="839788" y="1681163"/>
-            <a:ext cx="5157787" cy="823912"/>
+            <a:off x="839789" y="1147238"/>
+            <a:ext cx="5157787" cy="562244"/>
           </a:xfrm>
         </p:spPr>
         <p:txBody>
@@ -1528,45 +1528,45 @@
           <a:lstStyle>
             <a:lvl1pPr marL="0" indent="0">
               <a:buNone/>
-              <a:defRPr sz="2400" b="1"/>
+              <a:defRPr sz="1638" b="1"/>
             </a:lvl1pPr>
-            <a:lvl2pPr marL="457200" indent="0">
-              <a:buNone/>
-              <a:defRPr sz="2000" b="1"/>
+            <a:lvl2pPr marL="311993" indent="0">
+              <a:buNone/>
+              <a:defRPr sz="1365" b="1"/>
             </a:lvl2pPr>
-            <a:lvl3pPr marL="914400" indent="0">
-              <a:buNone/>
-              <a:defRPr sz="1800" b="1"/>
+            <a:lvl3pPr marL="623987" indent="0">
+              <a:buNone/>
+              <a:defRPr sz="1228" b="1"/>
             </a:lvl3pPr>
-            <a:lvl4pPr marL="1371600" indent="0">
-              <a:buNone/>
-              <a:defRPr sz="1600" b="1"/>
+            <a:lvl4pPr marL="935980" indent="0">
+              <a:buNone/>
+              <a:defRPr sz="1092" b="1"/>
             </a:lvl4pPr>
-            <a:lvl5pPr marL="1828800" indent="0">
-              <a:buNone/>
-              <a:defRPr sz="1600" b="1"/>
+            <a:lvl5pPr marL="1247973" indent="0">
+              <a:buNone/>
+              <a:defRPr sz="1092" b="1"/>
             </a:lvl5pPr>
-            <a:lvl6pPr marL="2286000" indent="0">
-              <a:buNone/>
-              <a:defRPr sz="1600" b="1"/>
+            <a:lvl6pPr marL="1559966" indent="0">
+              <a:buNone/>
+              <a:defRPr sz="1092" b="1"/>
             </a:lvl6pPr>
-            <a:lvl7pPr marL="2743200" indent="0">
-              <a:buNone/>
-              <a:defRPr sz="1600" b="1"/>
+            <a:lvl7pPr marL="1871960" indent="0">
+              <a:buNone/>
+              <a:defRPr sz="1092" b="1"/>
             </a:lvl7pPr>
-            <a:lvl8pPr marL="3200400" indent="0">
-              <a:buNone/>
-              <a:defRPr sz="1600" b="1"/>
+            <a:lvl8pPr marL="2183953" indent="0">
+              <a:buNone/>
+              <a:defRPr sz="1092" b="1"/>
             </a:lvl8pPr>
-            <a:lvl9pPr marL="3657600" indent="0">
-              <a:buNone/>
-              <a:defRPr sz="1600" b="1"/>
+            <a:lvl9pPr marL="2495946" indent="0">
+              <a:buNone/>
+              <a:defRPr sz="1092" b="1"/>
             </a:lvl9pPr>
           </a:lstStyle>
           <a:p>
             <a:pPr lvl="0"/>
             <a:r>
-              <a:rPr kumimoji="1" lang="ja-JP" altLang="en-US" smtClean="0"/>
+              <a:rPr lang="ja-JP" altLang="en-US" smtClean="0"/>
               <a:t>マスター テキストの書式設定</a:t>
             </a:r>
           </a:p>
@@ -1574,7 +1574,7 @@
       </p:sp>
       <p:sp>
         <p:nvSpPr>
-          <p:cNvPr id="4" name="コンテンツ プレースホルダー 3"/>
+          <p:cNvPr id="4" name="Content Placeholder 3"/>
           <p:cNvSpPr>
             <a:spLocks noGrp="1"/>
           </p:cNvSpPr>
@@ -1584,8 +1584,8 @@
         </p:nvSpPr>
         <p:spPr>
           <a:xfrm>
-            <a:off x="839788" y="2505075"/>
-            <a:ext cx="5157787" cy="3684588"/>
+            <a:off x="839789" y="1709482"/>
+            <a:ext cx="5157787" cy="2514390"/>
           </a:xfrm>
         </p:spPr>
         <p:txBody>
@@ -1594,76 +1594,76 @@
           <a:p>
             <a:pPr lvl="0"/>
             <a:r>
-              <a:rPr kumimoji="1" lang="ja-JP" altLang="en-US" smtClean="0"/>
+              <a:rPr lang="ja-JP" altLang="en-US" smtClean="0"/>
               <a:t>マスター テキストの書式設定</a:t>
             </a:r>
           </a:p>
           <a:p>
             <a:pPr lvl="1"/>
             <a:r>
-              <a:rPr kumimoji="1" lang="ja-JP" altLang="en-US" smtClean="0"/>
+              <a:rPr lang="ja-JP" altLang="en-US" smtClean="0"/>
               <a:t>第 </a:t>
             </a:r>
             <a:r>
-              <a:rPr kumimoji="1" lang="en-US" altLang="ja-JP" smtClean="0"/>
+              <a:rPr lang="en-US" altLang="ja-JP" smtClean="0"/>
               <a:t>2 </a:t>
             </a:r>
             <a:r>
-              <a:rPr kumimoji="1" lang="ja-JP" altLang="en-US" smtClean="0"/>
+              <a:rPr lang="ja-JP" altLang="en-US" smtClean="0"/>
               <a:t>レベル</a:t>
             </a:r>
           </a:p>
           <a:p>
             <a:pPr lvl="2"/>
             <a:r>
-              <a:rPr kumimoji="1" lang="ja-JP" altLang="en-US" smtClean="0"/>
+              <a:rPr lang="ja-JP" altLang="en-US" smtClean="0"/>
               <a:t>第 </a:t>
             </a:r>
             <a:r>
-              <a:rPr kumimoji="1" lang="en-US" altLang="ja-JP" smtClean="0"/>
+              <a:rPr lang="en-US" altLang="ja-JP" smtClean="0"/>
               <a:t>3 </a:t>
             </a:r>
             <a:r>
-              <a:rPr kumimoji="1" lang="ja-JP" altLang="en-US" smtClean="0"/>
+              <a:rPr lang="ja-JP" altLang="en-US" smtClean="0"/>
               <a:t>レベル</a:t>
             </a:r>
           </a:p>
           <a:p>
             <a:pPr lvl="3"/>
             <a:r>
-              <a:rPr kumimoji="1" lang="ja-JP" altLang="en-US" smtClean="0"/>
+              <a:rPr lang="ja-JP" altLang="en-US" smtClean="0"/>
               <a:t>第 </a:t>
             </a:r>
             <a:r>
-              <a:rPr kumimoji="1" lang="en-US" altLang="ja-JP" smtClean="0"/>
+              <a:rPr lang="en-US" altLang="ja-JP" smtClean="0"/>
               <a:t>4 </a:t>
             </a:r>
             <a:r>
-              <a:rPr kumimoji="1" lang="ja-JP" altLang="en-US" smtClean="0"/>
+              <a:rPr lang="ja-JP" altLang="en-US" smtClean="0"/>
               <a:t>レベル</a:t>
             </a:r>
           </a:p>
           <a:p>
             <a:pPr lvl="4"/>
             <a:r>
-              <a:rPr kumimoji="1" lang="ja-JP" altLang="en-US" smtClean="0"/>
+              <a:rPr lang="ja-JP" altLang="en-US" smtClean="0"/>
               <a:t>第 </a:t>
             </a:r>
             <a:r>
-              <a:rPr kumimoji="1" lang="en-US" altLang="ja-JP" smtClean="0"/>
+              <a:rPr lang="en-US" altLang="ja-JP" smtClean="0"/>
               <a:t>5 </a:t>
             </a:r>
             <a:r>
-              <a:rPr kumimoji="1" lang="ja-JP" altLang="en-US" smtClean="0"/>
+              <a:rPr lang="ja-JP" altLang="en-US" smtClean="0"/>
               <a:t>レベル</a:t>
             </a:r>
-            <a:endParaRPr kumimoji="1" lang="ja-JP" altLang="en-US"/>
-          </a:p>
-        </p:txBody>
-      </p:sp>
-      <p:sp>
-        <p:nvSpPr>
-          <p:cNvPr id="5" name="テキスト プレースホルダー 4"/>
+            <a:endParaRPr lang="en-US" dirty="0"/>
+          </a:p>
+        </p:txBody>
+      </p:sp>
+      <p:sp>
+        <p:nvSpPr>
+          <p:cNvPr id="5" name="Text Placeholder 4"/>
           <p:cNvSpPr>
             <a:spLocks noGrp="1"/>
           </p:cNvSpPr>
@@ -1673,8 +1673,8 @@
         </p:nvSpPr>
         <p:spPr>
           <a:xfrm>
-            <a:off x="6172200" y="1681163"/>
-            <a:ext cx="5183188" cy="823912"/>
+            <a:off x="6172200" y="1147238"/>
+            <a:ext cx="5183188" cy="562244"/>
           </a:xfrm>
         </p:spPr>
         <p:txBody>
@@ -1682,45 +1682,45 @@
           <a:lstStyle>
             <a:lvl1pPr marL="0" indent="0">
               <a:buNone/>
-              <a:defRPr sz="2400" b="1"/>
+              <a:defRPr sz="1638" b="1"/>
             </a:lvl1pPr>
-            <a:lvl2pPr marL="457200" indent="0">
-              <a:buNone/>
-              <a:defRPr sz="2000" b="1"/>
+            <a:lvl2pPr marL="311993" indent="0">
+              <a:buNone/>
+              <a:defRPr sz="1365" b="1"/>
             </a:lvl2pPr>
-            <a:lvl3pPr marL="914400" indent="0">
-              <a:buNone/>
-              <a:defRPr sz="1800" b="1"/>
+            <a:lvl3pPr marL="623987" indent="0">
+              <a:buNone/>
+              <a:defRPr sz="1228" b="1"/>
             </a:lvl3pPr>
-            <a:lvl4pPr marL="1371600" indent="0">
-              <a:buNone/>
-              <a:defRPr sz="1600" b="1"/>
+            <a:lvl4pPr marL="935980" indent="0">
+              <a:buNone/>
+              <a:defRPr sz="1092" b="1"/>
             </a:lvl4pPr>
-            <a:lvl5pPr marL="1828800" indent="0">
-              <a:buNone/>
-              <a:defRPr sz="1600" b="1"/>
+            <a:lvl5pPr marL="1247973" indent="0">
+              <a:buNone/>
+              <a:defRPr sz="1092" b="1"/>
             </a:lvl5pPr>
-            <a:lvl6pPr marL="2286000" indent="0">
-              <a:buNone/>
-              <a:defRPr sz="1600" b="1"/>
+            <a:lvl6pPr marL="1559966" indent="0">
+              <a:buNone/>
+              <a:defRPr sz="1092" b="1"/>
             </a:lvl6pPr>
-            <a:lvl7pPr marL="2743200" indent="0">
-              <a:buNone/>
-              <a:defRPr sz="1600" b="1"/>
+            <a:lvl7pPr marL="1871960" indent="0">
+              <a:buNone/>
+              <a:defRPr sz="1092" b="1"/>
             </a:lvl7pPr>
-            <a:lvl8pPr marL="3200400" indent="0">
-              <a:buNone/>
-              <a:defRPr sz="1600" b="1"/>
+            <a:lvl8pPr marL="2183953" indent="0">
+              <a:buNone/>
+              <a:defRPr sz="1092" b="1"/>
             </a:lvl8pPr>
-            <a:lvl9pPr marL="3657600" indent="0">
-              <a:buNone/>
-              <a:defRPr sz="1600" b="1"/>
+            <a:lvl9pPr marL="2495946" indent="0">
+              <a:buNone/>
+              <a:defRPr sz="1092" b="1"/>
             </a:lvl9pPr>
           </a:lstStyle>
           <a:p>
             <a:pPr lvl="0"/>
             <a:r>
-              <a:rPr kumimoji="1" lang="ja-JP" altLang="en-US" smtClean="0"/>
+              <a:rPr lang="ja-JP" altLang="en-US" smtClean="0"/>
               <a:t>マスター テキストの書式設定</a:t>
             </a:r>
           </a:p>
@@ -1728,7 +1728,7 @@
       </p:sp>
       <p:sp>
         <p:nvSpPr>
-          <p:cNvPr id="6" name="コンテンツ プレースホルダー 5"/>
+          <p:cNvPr id="6" name="Content Placeholder 5"/>
           <p:cNvSpPr>
             <a:spLocks noGrp="1"/>
           </p:cNvSpPr>
@@ -1738,8 +1738,8 @@
         </p:nvSpPr>
         <p:spPr>
           <a:xfrm>
-            <a:off x="6172200" y="2505075"/>
-            <a:ext cx="5183188" cy="3684588"/>
+            <a:off x="6172200" y="1709482"/>
+            <a:ext cx="5183188" cy="2514390"/>
           </a:xfrm>
         </p:spPr>
         <p:txBody>
@@ -1748,76 +1748,76 @@
           <a:p>
             <a:pPr lvl="0"/>
             <a:r>
-              <a:rPr kumimoji="1" lang="ja-JP" altLang="en-US" smtClean="0"/>
+              <a:rPr lang="ja-JP" altLang="en-US" smtClean="0"/>
               <a:t>マスター テキストの書式設定</a:t>
             </a:r>
           </a:p>
           <a:p>
             <a:pPr lvl="1"/>
             <a:r>
-              <a:rPr kumimoji="1" lang="ja-JP" altLang="en-US" smtClean="0"/>
+              <a:rPr lang="ja-JP" altLang="en-US" smtClean="0"/>
               <a:t>第 </a:t>
             </a:r>
             <a:r>
-              <a:rPr kumimoji="1" lang="en-US" altLang="ja-JP" smtClean="0"/>
+              <a:rPr lang="en-US" altLang="ja-JP" smtClean="0"/>
               <a:t>2 </a:t>
             </a:r>
             <a:r>
-              <a:rPr kumimoji="1" lang="ja-JP" altLang="en-US" smtClean="0"/>
+              <a:rPr lang="ja-JP" altLang="en-US" smtClean="0"/>
               <a:t>レベル</a:t>
             </a:r>
           </a:p>
           <a:p>
             <a:pPr lvl="2"/>
             <a:r>
-              <a:rPr kumimoji="1" lang="ja-JP" altLang="en-US" smtClean="0"/>
+              <a:rPr lang="ja-JP" altLang="en-US" smtClean="0"/>
               <a:t>第 </a:t>
             </a:r>
             <a:r>
-              <a:rPr kumimoji="1" lang="en-US" altLang="ja-JP" smtClean="0"/>
+              <a:rPr lang="en-US" altLang="ja-JP" smtClean="0"/>
               <a:t>3 </a:t>
             </a:r>
             <a:r>
-              <a:rPr kumimoji="1" lang="ja-JP" altLang="en-US" smtClean="0"/>
+              <a:rPr lang="ja-JP" altLang="en-US" smtClean="0"/>
               <a:t>レベル</a:t>
             </a:r>
           </a:p>
           <a:p>
             <a:pPr lvl="3"/>
             <a:r>
-              <a:rPr kumimoji="1" lang="ja-JP" altLang="en-US" smtClean="0"/>
+              <a:rPr lang="ja-JP" altLang="en-US" smtClean="0"/>
               <a:t>第 </a:t>
             </a:r>
             <a:r>
-              <a:rPr kumimoji="1" lang="en-US" altLang="ja-JP" smtClean="0"/>
+              <a:rPr lang="en-US" altLang="ja-JP" smtClean="0"/>
               <a:t>4 </a:t>
             </a:r>
             <a:r>
-              <a:rPr kumimoji="1" lang="ja-JP" altLang="en-US" smtClean="0"/>
+              <a:rPr lang="ja-JP" altLang="en-US" smtClean="0"/>
               <a:t>レベル</a:t>
             </a:r>
           </a:p>
           <a:p>
             <a:pPr lvl="4"/>
             <a:r>
-              <a:rPr kumimoji="1" lang="ja-JP" altLang="en-US" smtClean="0"/>
+              <a:rPr lang="ja-JP" altLang="en-US" smtClean="0"/>
               <a:t>第 </a:t>
             </a:r>
             <a:r>
-              <a:rPr kumimoji="1" lang="en-US" altLang="ja-JP" smtClean="0"/>
+              <a:rPr lang="en-US" altLang="ja-JP" smtClean="0"/>
               <a:t>5 </a:t>
             </a:r>
             <a:r>
-              <a:rPr kumimoji="1" lang="ja-JP" altLang="en-US" smtClean="0"/>
+              <a:rPr lang="ja-JP" altLang="en-US" smtClean="0"/>
               <a:t>レベル</a:t>
             </a:r>
-            <a:endParaRPr kumimoji="1" lang="ja-JP" altLang="en-US"/>
-          </a:p>
-        </p:txBody>
-      </p:sp>
-      <p:sp>
-        <p:nvSpPr>
-          <p:cNvPr id="7" name="日付プレースホルダー 6"/>
+            <a:endParaRPr lang="en-US" dirty="0"/>
+          </a:p>
+        </p:txBody>
+      </p:sp>
+      <p:sp>
+        <p:nvSpPr>
+          <p:cNvPr id="7" name="Date Placeholder 6"/>
           <p:cNvSpPr>
             <a:spLocks noGrp="1"/>
           </p:cNvSpPr>
@@ -1832,7 +1832,7 @@
           <a:p>
             <a:fld id="{793083FE-F8B2-4577-9B92-6995EB3820F1}" type="datetimeFigureOut">
               <a:rPr kumimoji="1" lang="ja-JP" altLang="en-US" smtClean="0"/>
-              <a:t>2017/7/11</a:t>
+              <a:t>2017/11/16</a:t>
             </a:fld>
             <a:endParaRPr kumimoji="1" lang="ja-JP" altLang="en-US"/>
           </a:p>
@@ -1840,7 +1840,7 @@
       </p:sp>
       <p:sp>
         <p:nvSpPr>
-          <p:cNvPr id="8" name="フッター プレースホルダー 7"/>
+          <p:cNvPr id="8" name="Footer Placeholder 7"/>
           <p:cNvSpPr>
             <a:spLocks noGrp="1"/>
           </p:cNvSpPr>
@@ -1859,7 +1859,7 @@
       </p:sp>
       <p:sp>
         <p:nvSpPr>
-          <p:cNvPr id="9" name="スライド番号プレースホルダー 8"/>
+          <p:cNvPr id="9" name="Slide Number Placeholder 8"/>
           <p:cNvSpPr>
             <a:spLocks noGrp="1"/>
           </p:cNvSpPr>
@@ -1883,7 +1883,7 @@
     </p:spTree>
     <p:extLst>
       <p:ext uri="{BB962C8B-B14F-4D97-AF65-F5344CB8AC3E}">
-        <p14:creationId xmlns:p14="http://schemas.microsoft.com/office/powerpoint/2010/main" val="2293889451"/>
+        <p14:creationId xmlns:p14="http://schemas.microsoft.com/office/powerpoint/2010/main" val="3013041810"/>
       </p:ext>
     </p:extLst>
   </p:cSld>
@@ -1912,7 +1912,7 @@
       </p:grpSpPr>
       <p:sp>
         <p:nvSpPr>
-          <p:cNvPr id="2" name="タイトル 1"/>
+          <p:cNvPr id="2" name="Title 1"/>
           <p:cNvSpPr>
             <a:spLocks noGrp="1"/>
           </p:cNvSpPr>
@@ -1926,16 +1926,16 @@
           <a:lstStyle/>
           <a:p>
             <a:r>
-              <a:rPr kumimoji="1" lang="ja-JP" altLang="en-US" smtClean="0"/>
+              <a:rPr lang="ja-JP" altLang="en-US" smtClean="0"/>
               <a:t>マスター タイトルの書式設定</a:t>
             </a:r>
-            <a:endParaRPr kumimoji="1" lang="ja-JP" altLang="en-US"/>
-          </a:p>
-        </p:txBody>
-      </p:sp>
-      <p:sp>
-        <p:nvSpPr>
-          <p:cNvPr id="3" name="日付プレースホルダー 2"/>
+            <a:endParaRPr lang="en-US" dirty="0"/>
+          </a:p>
+        </p:txBody>
+      </p:sp>
+      <p:sp>
+        <p:nvSpPr>
+          <p:cNvPr id="3" name="Date Placeholder 2"/>
           <p:cNvSpPr>
             <a:spLocks noGrp="1"/>
           </p:cNvSpPr>
@@ -1950,7 +1950,7 @@
           <a:p>
             <a:fld id="{793083FE-F8B2-4577-9B92-6995EB3820F1}" type="datetimeFigureOut">
               <a:rPr kumimoji="1" lang="ja-JP" altLang="en-US" smtClean="0"/>
-              <a:t>2017/7/11</a:t>
+              <a:t>2017/11/16</a:t>
             </a:fld>
             <a:endParaRPr kumimoji="1" lang="ja-JP" altLang="en-US"/>
           </a:p>
@@ -1958,7 +1958,7 @@
       </p:sp>
       <p:sp>
         <p:nvSpPr>
-          <p:cNvPr id="4" name="フッター プレースホルダー 3"/>
+          <p:cNvPr id="4" name="Footer Placeholder 3"/>
           <p:cNvSpPr>
             <a:spLocks noGrp="1"/>
           </p:cNvSpPr>
@@ -1977,7 +1977,7 @@
       </p:sp>
       <p:sp>
         <p:nvSpPr>
-          <p:cNvPr id="5" name="スライド番号プレースホルダー 4"/>
+          <p:cNvPr id="5" name="Slide Number Placeholder 4"/>
           <p:cNvSpPr>
             <a:spLocks noGrp="1"/>
           </p:cNvSpPr>
@@ -2001,7 +2001,7 @@
     </p:spTree>
     <p:extLst>
       <p:ext uri="{BB962C8B-B14F-4D97-AF65-F5344CB8AC3E}">
-        <p14:creationId xmlns:p14="http://schemas.microsoft.com/office/powerpoint/2010/main" val="4061001073"/>
+        <p14:creationId xmlns:p14="http://schemas.microsoft.com/office/powerpoint/2010/main" val="3870406541"/>
       </p:ext>
     </p:extLst>
   </p:cSld>
@@ -2030,7 +2030,7 @@
       </p:grpSpPr>
       <p:sp>
         <p:nvSpPr>
-          <p:cNvPr id="2" name="日付プレースホルダー 1"/>
+          <p:cNvPr id="2" name="Date Placeholder 1"/>
           <p:cNvSpPr>
             <a:spLocks noGrp="1"/>
           </p:cNvSpPr>
@@ -2045,7 +2045,7 @@
           <a:p>
             <a:fld id="{793083FE-F8B2-4577-9B92-6995EB3820F1}" type="datetimeFigureOut">
               <a:rPr kumimoji="1" lang="ja-JP" altLang="en-US" smtClean="0"/>
-              <a:t>2017/7/11</a:t>
+              <a:t>2017/11/16</a:t>
             </a:fld>
             <a:endParaRPr kumimoji="1" lang="ja-JP" altLang="en-US"/>
           </a:p>
@@ -2053,7 +2053,7 @@
       </p:sp>
       <p:sp>
         <p:nvSpPr>
-          <p:cNvPr id="3" name="フッター プレースホルダー 2"/>
+          <p:cNvPr id="3" name="Footer Placeholder 2"/>
           <p:cNvSpPr>
             <a:spLocks noGrp="1"/>
           </p:cNvSpPr>
@@ -2072,7 +2072,7 @@
       </p:sp>
       <p:sp>
         <p:nvSpPr>
-          <p:cNvPr id="4" name="スライド番号プレースホルダー 3"/>
+          <p:cNvPr id="4" name="Slide Number Placeholder 3"/>
           <p:cNvSpPr>
             <a:spLocks noGrp="1"/>
           </p:cNvSpPr>
@@ -2096,7 +2096,7 @@
     </p:spTree>
     <p:extLst>
       <p:ext uri="{BB962C8B-B14F-4D97-AF65-F5344CB8AC3E}">
-        <p14:creationId xmlns:p14="http://schemas.microsoft.com/office/powerpoint/2010/main" val="3503698857"/>
+        <p14:creationId xmlns:p14="http://schemas.microsoft.com/office/powerpoint/2010/main" val="823437847"/>
       </p:ext>
     </p:extLst>
   </p:cSld>
@@ -2125,7 +2125,7 @@
       </p:grpSpPr>
       <p:sp>
         <p:nvSpPr>
-          <p:cNvPr id="2" name="タイトル 1"/>
+          <p:cNvPr id="2" name="Title 1"/>
           <p:cNvSpPr>
             <a:spLocks noGrp="1"/>
           </p:cNvSpPr>
@@ -2135,29 +2135,29 @@
         </p:nvSpPr>
         <p:spPr>
           <a:xfrm>
-            <a:off x="839788" y="457200"/>
-            <a:ext cx="3932237" cy="1600200"/>
+            <a:off x="839789" y="311997"/>
+            <a:ext cx="3932237" cy="1091988"/>
           </a:xfrm>
         </p:spPr>
         <p:txBody>
           <a:bodyPr anchor="b"/>
           <a:lstStyle>
             <a:lvl1pPr>
-              <a:defRPr sz="3200"/>
+              <a:defRPr sz="2184"/>
             </a:lvl1pPr>
           </a:lstStyle>
           <a:p>
             <a:r>
-              <a:rPr kumimoji="1" lang="ja-JP" altLang="en-US" smtClean="0"/>
+              <a:rPr lang="ja-JP" altLang="en-US" smtClean="0"/>
               <a:t>マスター タイトルの書式設定</a:t>
             </a:r>
-            <a:endParaRPr kumimoji="1" lang="ja-JP" altLang="en-US"/>
-          </a:p>
-        </p:txBody>
-      </p:sp>
-      <p:sp>
-        <p:nvSpPr>
-          <p:cNvPr id="3" name="コンテンツ プレースホルダー 2"/>
+            <a:endParaRPr lang="en-US" dirty="0"/>
+          </a:p>
+        </p:txBody>
+      </p:sp>
+      <p:sp>
+        <p:nvSpPr>
+          <p:cNvPr id="3" name="Content Placeholder 2"/>
           <p:cNvSpPr>
             <a:spLocks noGrp="1"/>
           </p:cNvSpPr>
@@ -2167,114 +2167,114 @@
         </p:nvSpPr>
         <p:spPr>
           <a:xfrm>
-            <a:off x="5183188" y="987425"/>
-            <a:ext cx="6172200" cy="4873625"/>
+            <a:off x="5183188" y="673826"/>
+            <a:ext cx="6172200" cy="3325798"/>
           </a:xfrm>
         </p:spPr>
         <p:txBody>
           <a:bodyPr/>
           <a:lstStyle>
             <a:lvl1pPr>
-              <a:defRPr sz="3200"/>
+              <a:defRPr sz="2184"/>
             </a:lvl1pPr>
             <a:lvl2pPr>
-              <a:defRPr sz="2800"/>
+              <a:defRPr sz="1911"/>
             </a:lvl2pPr>
             <a:lvl3pPr>
-              <a:defRPr sz="2400"/>
+              <a:defRPr sz="1638"/>
             </a:lvl3pPr>
             <a:lvl4pPr>
-              <a:defRPr sz="2000"/>
+              <a:defRPr sz="1365"/>
             </a:lvl4pPr>
             <a:lvl5pPr>
-              <a:defRPr sz="2000"/>
+              <a:defRPr sz="1365"/>
             </a:lvl5pPr>
             <a:lvl6pPr>
-              <a:defRPr sz="2000"/>
+              <a:defRPr sz="1365"/>
             </a:lvl6pPr>
             <a:lvl7pPr>
-              <a:defRPr sz="2000"/>
+              <a:defRPr sz="1365"/>
             </a:lvl7pPr>
             <a:lvl8pPr>
-              <a:defRPr sz="2000"/>
+              <a:defRPr sz="1365"/>
             </a:lvl8pPr>
             <a:lvl9pPr>
-              <a:defRPr sz="2000"/>
+              <a:defRPr sz="1365"/>
             </a:lvl9pPr>
           </a:lstStyle>
           <a:p>
             <a:pPr lvl="0"/>
             <a:r>
-              <a:rPr kumimoji="1" lang="ja-JP" altLang="en-US" smtClean="0"/>
+              <a:rPr lang="ja-JP" altLang="en-US" smtClean="0"/>
               <a:t>マスター テキストの書式設定</a:t>
             </a:r>
           </a:p>
           <a:p>
             <a:pPr lvl="1"/>
             <a:r>
-              <a:rPr kumimoji="1" lang="ja-JP" altLang="en-US" smtClean="0"/>
+              <a:rPr lang="ja-JP" altLang="en-US" smtClean="0"/>
               <a:t>第 </a:t>
             </a:r>
             <a:r>
-              <a:rPr kumimoji="1" lang="en-US" altLang="ja-JP" smtClean="0"/>
+              <a:rPr lang="en-US" altLang="ja-JP" smtClean="0"/>
               <a:t>2 </a:t>
             </a:r>
             <a:r>
-              <a:rPr kumimoji="1" lang="ja-JP" altLang="en-US" smtClean="0"/>
+              <a:rPr lang="ja-JP" altLang="en-US" smtClean="0"/>
               <a:t>レベル</a:t>
             </a:r>
           </a:p>
           <a:p>
             <a:pPr lvl="2"/>
             <a:r>
-              <a:rPr kumimoji="1" lang="ja-JP" altLang="en-US" smtClean="0"/>
+              <a:rPr lang="ja-JP" altLang="en-US" smtClean="0"/>
               <a:t>第 </a:t>
             </a:r>
             <a:r>
-              <a:rPr kumimoji="1" lang="en-US" altLang="ja-JP" smtClean="0"/>
+              <a:rPr lang="en-US" altLang="ja-JP" smtClean="0"/>
               <a:t>3 </a:t>
             </a:r>
             <a:r>
-              <a:rPr kumimoji="1" lang="ja-JP" altLang="en-US" smtClean="0"/>
+              <a:rPr lang="ja-JP" altLang="en-US" smtClean="0"/>
               <a:t>レベル</a:t>
             </a:r>
           </a:p>
           <a:p>
             <a:pPr lvl="3"/>
             <a:r>
-              <a:rPr kumimoji="1" lang="ja-JP" altLang="en-US" smtClean="0"/>
+              <a:rPr lang="ja-JP" altLang="en-US" smtClean="0"/>
               <a:t>第 </a:t>
             </a:r>
             <a:r>
-              <a:rPr kumimoji="1" lang="en-US" altLang="ja-JP" smtClean="0"/>
+              <a:rPr lang="en-US" altLang="ja-JP" smtClean="0"/>
               <a:t>4 </a:t>
             </a:r>
             <a:r>
-              <a:rPr kumimoji="1" lang="ja-JP" altLang="en-US" smtClean="0"/>
+              <a:rPr lang="ja-JP" altLang="en-US" smtClean="0"/>
               <a:t>レベル</a:t>
             </a:r>
           </a:p>
           <a:p>
             <a:pPr lvl="4"/>
             <a:r>
-              <a:rPr kumimoji="1" lang="ja-JP" altLang="en-US" smtClean="0"/>
+              <a:rPr lang="ja-JP" altLang="en-US" smtClean="0"/>
               <a:t>第 </a:t>
             </a:r>
             <a:r>
-              <a:rPr kumimoji="1" lang="en-US" altLang="ja-JP" smtClean="0"/>
+              <a:rPr lang="en-US" altLang="ja-JP" smtClean="0"/>
               <a:t>5 </a:t>
             </a:r>
             <a:r>
-              <a:rPr kumimoji="1" lang="ja-JP" altLang="en-US" smtClean="0"/>
+              <a:rPr lang="ja-JP" altLang="en-US" smtClean="0"/>
               <a:t>レベル</a:t>
             </a:r>
-            <a:endParaRPr kumimoji="1" lang="ja-JP" altLang="en-US"/>
-          </a:p>
-        </p:txBody>
-      </p:sp>
-      <p:sp>
-        <p:nvSpPr>
-          <p:cNvPr id="4" name="テキスト プレースホルダー 3"/>
+            <a:endParaRPr lang="en-US" dirty="0"/>
+          </a:p>
+        </p:txBody>
+      </p:sp>
+      <p:sp>
+        <p:nvSpPr>
+          <p:cNvPr id="4" name="Text Placeholder 3"/>
           <p:cNvSpPr>
             <a:spLocks noGrp="1"/>
           </p:cNvSpPr>
@@ -2284,8 +2284,8 @@
         </p:nvSpPr>
         <p:spPr>
           <a:xfrm>
-            <a:off x="839788" y="2057400"/>
-            <a:ext cx="3932237" cy="3811588"/>
+            <a:off x="839789" y="1403985"/>
+            <a:ext cx="3932237" cy="2601056"/>
           </a:xfrm>
         </p:spPr>
         <p:txBody>
@@ -2293,45 +2293,45 @@
           <a:lstStyle>
             <a:lvl1pPr marL="0" indent="0">
               <a:buNone/>
-              <a:defRPr sz="1600"/>
+              <a:defRPr sz="1092"/>
             </a:lvl1pPr>
-            <a:lvl2pPr marL="457200" indent="0">
-              <a:buNone/>
-              <a:defRPr sz="1400"/>
+            <a:lvl2pPr marL="311993" indent="0">
+              <a:buNone/>
+              <a:defRPr sz="955"/>
             </a:lvl2pPr>
-            <a:lvl3pPr marL="914400" indent="0">
-              <a:buNone/>
-              <a:defRPr sz="1200"/>
+            <a:lvl3pPr marL="623987" indent="0">
+              <a:buNone/>
+              <a:defRPr sz="819"/>
             </a:lvl3pPr>
-            <a:lvl4pPr marL="1371600" indent="0">
-              <a:buNone/>
-              <a:defRPr sz="1000"/>
+            <a:lvl4pPr marL="935980" indent="0">
+              <a:buNone/>
+              <a:defRPr sz="682"/>
             </a:lvl4pPr>
-            <a:lvl5pPr marL="1828800" indent="0">
-              <a:buNone/>
-              <a:defRPr sz="1000"/>
+            <a:lvl5pPr marL="1247973" indent="0">
+              <a:buNone/>
+              <a:defRPr sz="682"/>
             </a:lvl5pPr>
-            <a:lvl6pPr marL="2286000" indent="0">
-              <a:buNone/>
-              <a:defRPr sz="1000"/>
+            <a:lvl6pPr marL="1559966" indent="0">
+              <a:buNone/>
+              <a:defRPr sz="682"/>
             </a:lvl6pPr>
-            <a:lvl7pPr marL="2743200" indent="0">
-              <a:buNone/>
-              <a:defRPr sz="1000"/>
+            <a:lvl7pPr marL="1871960" indent="0">
+              <a:buNone/>
+              <a:defRPr sz="682"/>
             </a:lvl7pPr>
-            <a:lvl8pPr marL="3200400" indent="0">
-              <a:buNone/>
-              <a:defRPr sz="1000"/>
+            <a:lvl8pPr marL="2183953" indent="0">
+              <a:buNone/>
+              <a:defRPr sz="682"/>
             </a:lvl8pPr>
-            <a:lvl9pPr marL="3657600" indent="0">
-              <a:buNone/>
-              <a:defRPr sz="1000"/>
+            <a:lvl9pPr marL="2495946" indent="0">
+              <a:buNone/>
+              <a:defRPr sz="682"/>
             </a:lvl9pPr>
           </a:lstStyle>
           <a:p>
             <a:pPr lvl="0"/>
             <a:r>
-              <a:rPr kumimoji="1" lang="ja-JP" altLang="en-US" smtClean="0"/>
+              <a:rPr lang="ja-JP" altLang="en-US" smtClean="0"/>
               <a:t>マスター テキストの書式設定</a:t>
             </a:r>
           </a:p>
@@ -2339,7 +2339,7 @@
       </p:sp>
       <p:sp>
         <p:nvSpPr>
-          <p:cNvPr id="5" name="日付プレースホルダー 4"/>
+          <p:cNvPr id="5" name="Date Placeholder 4"/>
           <p:cNvSpPr>
             <a:spLocks noGrp="1"/>
           </p:cNvSpPr>
@@ -2354,7 +2354,7 @@
           <a:p>
             <a:fld id="{793083FE-F8B2-4577-9B92-6995EB3820F1}" type="datetimeFigureOut">
               <a:rPr kumimoji="1" lang="ja-JP" altLang="en-US" smtClean="0"/>
-              <a:t>2017/7/11</a:t>
+              <a:t>2017/11/16</a:t>
             </a:fld>
             <a:endParaRPr kumimoji="1" lang="ja-JP" altLang="en-US"/>
           </a:p>
@@ -2362,7 +2362,7 @@
       </p:sp>
       <p:sp>
         <p:nvSpPr>
-          <p:cNvPr id="6" name="フッター プレースホルダー 5"/>
+          <p:cNvPr id="6" name="Footer Placeholder 5"/>
           <p:cNvSpPr>
             <a:spLocks noGrp="1"/>
           </p:cNvSpPr>
@@ -2381,7 +2381,7 @@
       </p:sp>
       <p:sp>
         <p:nvSpPr>
-          <p:cNvPr id="7" name="スライド番号プレースホルダー 6"/>
+          <p:cNvPr id="7" name="Slide Number Placeholder 6"/>
           <p:cNvSpPr>
             <a:spLocks noGrp="1"/>
           </p:cNvSpPr>
@@ -2405,7 +2405,7 @@
     </p:spTree>
     <p:extLst>
       <p:ext uri="{BB962C8B-B14F-4D97-AF65-F5344CB8AC3E}">
-        <p14:creationId xmlns:p14="http://schemas.microsoft.com/office/powerpoint/2010/main" val="255069360"/>
+        <p14:creationId xmlns:p14="http://schemas.microsoft.com/office/powerpoint/2010/main" val="3262259720"/>
       </p:ext>
     </p:extLst>
   </p:cSld>
@@ -2434,7 +2434,7 @@
       </p:grpSpPr>
       <p:sp>
         <p:nvSpPr>
-          <p:cNvPr id="2" name="タイトル 1"/>
+          <p:cNvPr id="2" name="Title 1"/>
           <p:cNvSpPr>
             <a:spLocks noGrp="1"/>
           </p:cNvSpPr>
@@ -2444,31 +2444,31 @@
         </p:nvSpPr>
         <p:spPr>
           <a:xfrm>
-            <a:off x="839788" y="457200"/>
-            <a:ext cx="3932237" cy="1600200"/>
+            <a:off x="839789" y="311997"/>
+            <a:ext cx="3932237" cy="1091988"/>
           </a:xfrm>
         </p:spPr>
         <p:txBody>
           <a:bodyPr anchor="b"/>
           <a:lstStyle>
             <a:lvl1pPr>
-              <a:defRPr sz="3200"/>
+              <a:defRPr sz="2184"/>
             </a:lvl1pPr>
           </a:lstStyle>
           <a:p>
             <a:r>
-              <a:rPr kumimoji="1" lang="ja-JP" altLang="en-US" smtClean="0"/>
+              <a:rPr lang="ja-JP" altLang="en-US" smtClean="0"/>
               <a:t>マスター タイトルの書式設定</a:t>
             </a:r>
-            <a:endParaRPr kumimoji="1" lang="ja-JP" altLang="en-US"/>
-          </a:p>
-        </p:txBody>
-      </p:sp>
-      <p:sp>
-        <p:nvSpPr>
-          <p:cNvPr id="3" name="図プレースホルダー 2"/>
-          <p:cNvSpPr>
-            <a:spLocks noGrp="1"/>
+            <a:endParaRPr lang="en-US" dirty="0"/>
+          </a:p>
+        </p:txBody>
+      </p:sp>
+      <p:sp>
+        <p:nvSpPr>
+          <p:cNvPr id="3" name="Picture Placeholder 2"/>
+          <p:cNvSpPr>
+            <a:spLocks noGrp="1" noChangeAspect="1"/>
           </p:cNvSpPr>
           <p:nvPr>
             <p:ph type="pic" idx="1"/>
@@ -2476,8 +2476,73 @@
         </p:nvSpPr>
         <p:spPr>
           <a:xfrm>
-            <a:off x="5183188" y="987425"/>
-            <a:ext cx="6172200" cy="4873625"/>
+            <a:off x="5183188" y="673826"/>
+            <a:ext cx="6172200" cy="3325798"/>
+          </a:xfrm>
+        </p:spPr>
+        <p:txBody>
+          <a:bodyPr anchor="t"/>
+          <a:lstStyle>
+            <a:lvl1pPr marL="0" indent="0">
+              <a:buNone/>
+              <a:defRPr sz="2184"/>
+            </a:lvl1pPr>
+            <a:lvl2pPr marL="311993" indent="0">
+              <a:buNone/>
+              <a:defRPr sz="1911"/>
+            </a:lvl2pPr>
+            <a:lvl3pPr marL="623987" indent="0">
+              <a:buNone/>
+              <a:defRPr sz="1638"/>
+            </a:lvl3pPr>
+            <a:lvl4pPr marL="935980" indent="0">
+              <a:buNone/>
+              <a:defRPr sz="1365"/>
+            </a:lvl4pPr>
+            <a:lvl5pPr marL="1247973" indent="0">
+              <a:buNone/>
+              <a:defRPr sz="1365"/>
+            </a:lvl5pPr>
+            <a:lvl6pPr marL="1559966" indent="0">
+              <a:buNone/>
+              <a:defRPr sz="1365"/>
+            </a:lvl6pPr>
+            <a:lvl7pPr marL="1871960" indent="0">
+              <a:buNone/>
+              <a:defRPr sz="1365"/>
+            </a:lvl7pPr>
+            <a:lvl8pPr marL="2183953" indent="0">
+              <a:buNone/>
+              <a:defRPr sz="1365"/>
+            </a:lvl8pPr>
+            <a:lvl9pPr marL="2495946" indent="0">
+              <a:buNone/>
+              <a:defRPr sz="1365"/>
+            </a:lvl9pPr>
+          </a:lstStyle>
+          <a:p>
+            <a:r>
+              <a:rPr lang="ja-JP" altLang="en-US" smtClean="0"/>
+              <a:t>図を追加</a:t>
+            </a:r>
+            <a:endParaRPr lang="en-US" dirty="0"/>
+          </a:p>
+        </p:txBody>
+      </p:sp>
+      <p:sp>
+        <p:nvSpPr>
+          <p:cNvPr id="4" name="Text Placeholder 3"/>
+          <p:cNvSpPr>
+            <a:spLocks noGrp="1"/>
+          </p:cNvSpPr>
+          <p:nvPr>
+            <p:ph type="body" sz="half" idx="2"/>
+          </p:nvPr>
+        </p:nvSpPr>
+        <p:spPr>
+          <a:xfrm>
+            <a:off x="839789" y="1403985"/>
+            <a:ext cx="3932237" cy="2601056"/>
           </a:xfrm>
         </p:spPr>
         <p:txBody>
@@ -2485,106 +2550,45 @@
           <a:lstStyle>
             <a:lvl1pPr marL="0" indent="0">
               <a:buNone/>
-              <a:defRPr sz="3200"/>
+              <a:defRPr sz="1092"/>
             </a:lvl1pPr>
-            <a:lvl2pPr marL="457200" indent="0">
-              <a:buNone/>
-              <a:defRPr sz="2800"/>
+            <a:lvl2pPr marL="311993" indent="0">
+              <a:buNone/>
+              <a:defRPr sz="955"/>
             </a:lvl2pPr>
-            <a:lvl3pPr marL="914400" indent="0">
-              <a:buNone/>
-              <a:defRPr sz="2400"/>
+            <a:lvl3pPr marL="623987" indent="0">
+              <a:buNone/>
+              <a:defRPr sz="819"/>
             </a:lvl3pPr>
-            <a:lvl4pPr marL="1371600" indent="0">
-              <a:buNone/>
-              <a:defRPr sz="2000"/>
+            <a:lvl4pPr marL="935980" indent="0">
+              <a:buNone/>
+              <a:defRPr sz="682"/>
             </a:lvl4pPr>
-            <a:lvl5pPr marL="1828800" indent="0">
-              <a:buNone/>
-              <a:defRPr sz="2000"/>
+            <a:lvl5pPr marL="1247973" indent="0">
+              <a:buNone/>
+              <a:defRPr sz="682"/>
             </a:lvl5pPr>
-            <a:lvl6pPr marL="2286000" indent="0">
-              <a:buNone/>
-              <a:defRPr sz="2000"/>
+            <a:lvl6pPr marL="1559966" indent="0">
+              <a:buNone/>
+              <a:defRPr sz="682"/>
             </a:lvl6pPr>
-            <a:lvl7pPr marL="2743200" indent="0">
-              <a:buNone/>
-              <a:defRPr sz="2000"/>
+            <a:lvl7pPr marL="1871960" indent="0">
+              <a:buNone/>
+              <a:defRPr sz="682"/>
             </a:lvl7pPr>
-            <a:lvl8pPr marL="3200400" indent="0">
-              <a:buNone/>
-              <a:defRPr sz="2000"/>
+            <a:lvl8pPr marL="2183953" indent="0">
+              <a:buNone/>
+              <a:defRPr sz="682"/>
             </a:lvl8pPr>
-            <a:lvl9pPr marL="3657600" indent="0">
-              <a:buNone/>
-              <a:defRPr sz="2000"/>
+            <a:lvl9pPr marL="2495946" indent="0">
+              <a:buNone/>
+              <a:defRPr sz="682"/>
             </a:lvl9pPr>
           </a:lstStyle>
           <a:p>
-            <a:endParaRPr kumimoji="1" lang="ja-JP" altLang="en-US"/>
-          </a:p>
-        </p:txBody>
-      </p:sp>
-      <p:sp>
-        <p:nvSpPr>
-          <p:cNvPr id="4" name="テキスト プレースホルダー 3"/>
-          <p:cNvSpPr>
-            <a:spLocks noGrp="1"/>
-          </p:cNvSpPr>
-          <p:nvPr>
-            <p:ph type="body" sz="half" idx="2"/>
-          </p:nvPr>
-        </p:nvSpPr>
-        <p:spPr>
-          <a:xfrm>
-            <a:off x="839788" y="2057400"/>
-            <a:ext cx="3932237" cy="3811588"/>
-          </a:xfrm>
-        </p:spPr>
-        <p:txBody>
-          <a:bodyPr/>
-          <a:lstStyle>
-            <a:lvl1pPr marL="0" indent="0">
-              <a:buNone/>
-              <a:defRPr sz="1600"/>
-            </a:lvl1pPr>
-            <a:lvl2pPr marL="457200" indent="0">
-              <a:buNone/>
-              <a:defRPr sz="1400"/>
-            </a:lvl2pPr>
-            <a:lvl3pPr marL="914400" indent="0">
-              <a:buNone/>
-              <a:defRPr sz="1200"/>
-            </a:lvl3pPr>
-            <a:lvl4pPr marL="1371600" indent="0">
-              <a:buNone/>
-              <a:defRPr sz="1000"/>
-            </a:lvl4pPr>
-            <a:lvl5pPr marL="1828800" indent="0">
-              <a:buNone/>
-              <a:defRPr sz="1000"/>
-            </a:lvl5pPr>
-            <a:lvl6pPr marL="2286000" indent="0">
-              <a:buNone/>
-              <a:defRPr sz="1000"/>
-            </a:lvl6pPr>
-            <a:lvl7pPr marL="2743200" indent="0">
-              <a:buNone/>
-              <a:defRPr sz="1000"/>
-            </a:lvl7pPr>
-            <a:lvl8pPr marL="3200400" indent="0">
-              <a:buNone/>
-              <a:defRPr sz="1000"/>
-            </a:lvl8pPr>
-            <a:lvl9pPr marL="3657600" indent="0">
-              <a:buNone/>
-              <a:defRPr sz="1000"/>
-            </a:lvl9pPr>
-          </a:lstStyle>
-          <a:p>
             <a:pPr lvl="0"/>
             <a:r>
-              <a:rPr kumimoji="1" lang="ja-JP" altLang="en-US" smtClean="0"/>
+              <a:rPr lang="ja-JP" altLang="en-US" smtClean="0"/>
               <a:t>マスター テキストの書式設定</a:t>
             </a:r>
           </a:p>
@@ -2592,7 +2596,7 @@
       </p:sp>
       <p:sp>
         <p:nvSpPr>
-          <p:cNvPr id="5" name="日付プレースホルダー 4"/>
+          <p:cNvPr id="5" name="Date Placeholder 4"/>
           <p:cNvSpPr>
             <a:spLocks noGrp="1"/>
           </p:cNvSpPr>
@@ -2607,7 +2611,7 @@
           <a:p>
             <a:fld id="{793083FE-F8B2-4577-9B92-6995EB3820F1}" type="datetimeFigureOut">
               <a:rPr kumimoji="1" lang="ja-JP" altLang="en-US" smtClean="0"/>
-              <a:t>2017/7/11</a:t>
+              <a:t>2017/11/16</a:t>
             </a:fld>
             <a:endParaRPr kumimoji="1" lang="ja-JP" altLang="en-US"/>
           </a:p>
@@ -2615,7 +2619,7 @@
       </p:sp>
       <p:sp>
         <p:nvSpPr>
-          <p:cNvPr id="6" name="フッター プレースホルダー 5"/>
+          <p:cNvPr id="6" name="Footer Placeholder 5"/>
           <p:cNvSpPr>
             <a:spLocks noGrp="1"/>
           </p:cNvSpPr>
@@ -2634,7 +2638,7 @@
       </p:sp>
       <p:sp>
         <p:nvSpPr>
-          <p:cNvPr id="7" name="スライド番号プレースホルダー 6"/>
+          <p:cNvPr id="7" name="Slide Number Placeholder 6"/>
           <p:cNvSpPr>
             <a:spLocks noGrp="1"/>
           </p:cNvSpPr>
@@ -2658,7 +2662,7 @@
     </p:spTree>
     <p:extLst>
       <p:ext uri="{BB962C8B-B14F-4D97-AF65-F5344CB8AC3E}">
-        <p14:creationId xmlns:p14="http://schemas.microsoft.com/office/powerpoint/2010/main" val="178986311"/>
+        <p14:creationId xmlns:p14="http://schemas.microsoft.com/office/powerpoint/2010/main" val="1438791070"/>
       </p:ext>
     </p:extLst>
   </p:cSld>
@@ -2692,7 +2696,7 @@
       </p:grpSpPr>
       <p:sp>
         <p:nvSpPr>
-          <p:cNvPr id="2" name="タイトル プレースホルダー 1"/>
+          <p:cNvPr id="2" name="Title Placeholder 1"/>
           <p:cNvSpPr>
             <a:spLocks noGrp="1"/>
           </p:cNvSpPr>
@@ -2702,8 +2706,8 @@
         </p:nvSpPr>
         <p:spPr>
           <a:xfrm>
-            <a:off x="838200" y="365125"/>
-            <a:ext cx="10515600" cy="1325563"/>
+            <a:off x="838200" y="249164"/>
+            <a:ext cx="10515600" cy="904574"/>
           </a:xfrm>
           <a:prstGeom prst="rect">
             <a:avLst/>
@@ -2716,16 +2720,16 @@
           <a:lstStyle/>
           <a:p>
             <a:r>
-              <a:rPr kumimoji="1" lang="ja-JP" altLang="en-US" smtClean="0"/>
+              <a:rPr lang="ja-JP" altLang="en-US" smtClean="0"/>
               <a:t>マスター タイトルの書式設定</a:t>
             </a:r>
-            <a:endParaRPr kumimoji="1" lang="ja-JP" altLang="en-US"/>
-          </a:p>
-        </p:txBody>
-      </p:sp>
-      <p:sp>
-        <p:nvSpPr>
-          <p:cNvPr id="3" name="テキスト プレースホルダー 2"/>
+            <a:endParaRPr lang="en-US" dirty="0"/>
+          </a:p>
+        </p:txBody>
+      </p:sp>
+      <p:sp>
+        <p:nvSpPr>
+          <p:cNvPr id="3" name="Text Placeholder 2"/>
           <p:cNvSpPr>
             <a:spLocks noGrp="1"/>
           </p:cNvSpPr>
@@ -2735,8 +2739,8 @@
         </p:nvSpPr>
         <p:spPr>
           <a:xfrm>
-            <a:off x="838200" y="1825625"/>
-            <a:ext cx="10515600" cy="4351338"/>
+            <a:off x="838200" y="1245820"/>
+            <a:ext cx="10515600" cy="2969385"/>
           </a:xfrm>
           <a:prstGeom prst="rect">
             <a:avLst/>
@@ -2750,76 +2754,76 @@
           <a:p>
             <a:pPr lvl="0"/>
             <a:r>
-              <a:rPr kumimoji="1" lang="ja-JP" altLang="en-US" smtClean="0"/>
+              <a:rPr lang="ja-JP" altLang="en-US" smtClean="0"/>
               <a:t>マスター テキストの書式設定</a:t>
             </a:r>
           </a:p>
           <a:p>
             <a:pPr lvl="1"/>
             <a:r>
-              <a:rPr kumimoji="1" lang="ja-JP" altLang="en-US" smtClean="0"/>
+              <a:rPr lang="ja-JP" altLang="en-US" smtClean="0"/>
               <a:t>第 </a:t>
             </a:r>
             <a:r>
-              <a:rPr kumimoji="1" lang="en-US" altLang="ja-JP" smtClean="0"/>
+              <a:rPr lang="en-US" altLang="ja-JP" smtClean="0"/>
               <a:t>2 </a:t>
             </a:r>
             <a:r>
-              <a:rPr kumimoji="1" lang="ja-JP" altLang="en-US" smtClean="0"/>
+              <a:rPr lang="ja-JP" altLang="en-US" smtClean="0"/>
               <a:t>レベル</a:t>
             </a:r>
           </a:p>
           <a:p>
             <a:pPr lvl="2"/>
             <a:r>
-              <a:rPr kumimoji="1" lang="ja-JP" altLang="en-US" smtClean="0"/>
+              <a:rPr lang="ja-JP" altLang="en-US" smtClean="0"/>
               <a:t>第 </a:t>
             </a:r>
             <a:r>
-              <a:rPr kumimoji="1" lang="en-US" altLang="ja-JP" smtClean="0"/>
+              <a:rPr lang="en-US" altLang="ja-JP" smtClean="0"/>
               <a:t>3 </a:t>
             </a:r>
             <a:r>
-              <a:rPr kumimoji="1" lang="ja-JP" altLang="en-US" smtClean="0"/>
+              <a:rPr lang="ja-JP" altLang="en-US" smtClean="0"/>
               <a:t>レベル</a:t>
             </a:r>
           </a:p>
           <a:p>
             <a:pPr lvl="3"/>
             <a:r>
-              <a:rPr kumimoji="1" lang="ja-JP" altLang="en-US" smtClean="0"/>
+              <a:rPr lang="ja-JP" altLang="en-US" smtClean="0"/>
               <a:t>第 </a:t>
             </a:r>
             <a:r>
-              <a:rPr kumimoji="1" lang="en-US" altLang="ja-JP" smtClean="0"/>
+              <a:rPr lang="en-US" altLang="ja-JP" smtClean="0"/>
               <a:t>4 </a:t>
             </a:r>
             <a:r>
-              <a:rPr kumimoji="1" lang="ja-JP" altLang="en-US" smtClean="0"/>
+              <a:rPr lang="ja-JP" altLang="en-US" smtClean="0"/>
               <a:t>レベル</a:t>
             </a:r>
           </a:p>
           <a:p>
             <a:pPr lvl="4"/>
             <a:r>
-              <a:rPr kumimoji="1" lang="ja-JP" altLang="en-US" smtClean="0"/>
+              <a:rPr lang="ja-JP" altLang="en-US" smtClean="0"/>
               <a:t>第 </a:t>
             </a:r>
             <a:r>
-              <a:rPr kumimoji="1" lang="en-US" altLang="ja-JP" smtClean="0"/>
+              <a:rPr lang="en-US" altLang="ja-JP" smtClean="0"/>
               <a:t>5 </a:t>
             </a:r>
             <a:r>
-              <a:rPr kumimoji="1" lang="ja-JP" altLang="en-US" smtClean="0"/>
+              <a:rPr lang="ja-JP" altLang="en-US" smtClean="0"/>
               <a:t>レベル</a:t>
             </a:r>
-            <a:endParaRPr kumimoji="1" lang="ja-JP" altLang="en-US"/>
-          </a:p>
-        </p:txBody>
-      </p:sp>
-      <p:sp>
-        <p:nvSpPr>
-          <p:cNvPr id="4" name="日付プレースホルダー 3"/>
+            <a:endParaRPr lang="en-US" dirty="0"/>
+          </a:p>
+        </p:txBody>
+      </p:sp>
+      <p:sp>
+        <p:nvSpPr>
+          <p:cNvPr id="4" name="Date Placeholder 3"/>
           <p:cNvSpPr>
             <a:spLocks noGrp="1"/>
           </p:cNvSpPr>
@@ -2829,8 +2833,8 @@
         </p:nvSpPr>
         <p:spPr>
           <a:xfrm>
-            <a:off x="838200" y="6356350"/>
-            <a:ext cx="2743200" cy="365125"/>
+            <a:off x="838200" y="4337621"/>
+            <a:ext cx="2743200" cy="249164"/>
           </a:xfrm>
           <a:prstGeom prst="rect">
             <a:avLst/>
@@ -2840,7 +2844,7 @@
           <a:bodyPr vert="horz" lIns="91440" tIns="45720" rIns="91440" bIns="45720" rtlCol="0" anchor="ctr"/>
           <a:lstStyle>
             <a:lvl1pPr algn="l">
-              <a:defRPr sz="1200">
+              <a:defRPr sz="819">
                 <a:solidFill>
                   <a:schemeClr val="tx1">
                     <a:tint val="75000"/>
@@ -2852,7 +2856,7 @@
           <a:p>
             <a:fld id="{793083FE-F8B2-4577-9B92-6995EB3820F1}" type="datetimeFigureOut">
               <a:rPr kumimoji="1" lang="ja-JP" altLang="en-US" smtClean="0"/>
-              <a:t>2017/7/11</a:t>
+              <a:t>2017/11/16</a:t>
             </a:fld>
             <a:endParaRPr kumimoji="1" lang="ja-JP" altLang="en-US"/>
           </a:p>
@@ -2860,7 +2864,7 @@
       </p:sp>
       <p:sp>
         <p:nvSpPr>
-          <p:cNvPr id="5" name="フッター プレースホルダー 4"/>
+          <p:cNvPr id="5" name="Footer Placeholder 4"/>
           <p:cNvSpPr>
             <a:spLocks noGrp="1"/>
           </p:cNvSpPr>
@@ -2870,8 +2874,8 @@
         </p:nvSpPr>
         <p:spPr>
           <a:xfrm>
-            <a:off x="4038600" y="6356350"/>
-            <a:ext cx="4114800" cy="365125"/>
+            <a:off x="4038600" y="4337621"/>
+            <a:ext cx="4114800" cy="249164"/>
           </a:xfrm>
           <a:prstGeom prst="rect">
             <a:avLst/>
@@ -2881,7 +2885,7 @@
           <a:bodyPr vert="horz" lIns="91440" tIns="45720" rIns="91440" bIns="45720" rtlCol="0" anchor="ctr"/>
           <a:lstStyle>
             <a:lvl1pPr algn="ctr">
-              <a:defRPr sz="1200">
+              <a:defRPr sz="819">
                 <a:solidFill>
                   <a:schemeClr val="tx1">
                     <a:tint val="75000"/>
@@ -2897,7 +2901,7 @@
       </p:sp>
       <p:sp>
         <p:nvSpPr>
-          <p:cNvPr id="6" name="スライド番号プレースホルダー 5"/>
+          <p:cNvPr id="6" name="Slide Number Placeholder 5"/>
           <p:cNvSpPr>
             <a:spLocks noGrp="1"/>
           </p:cNvSpPr>
@@ -2907,8 +2911,8 @@
         </p:nvSpPr>
         <p:spPr>
           <a:xfrm>
-            <a:off x="8610600" y="6356350"/>
-            <a:ext cx="2743200" cy="365125"/>
+            <a:off x="8610600" y="4337621"/>
+            <a:ext cx="2743200" cy="249164"/>
           </a:xfrm>
           <a:prstGeom prst="rect">
             <a:avLst/>
@@ -2918,7 +2922,7 @@
           <a:bodyPr vert="horz" lIns="91440" tIns="45720" rIns="91440" bIns="45720" rtlCol="0" anchor="ctr"/>
           <a:lstStyle>
             <a:lvl1pPr algn="r">
-              <a:defRPr sz="1200">
+              <a:defRPr sz="819">
                 <a:solidFill>
                   <a:schemeClr val="tx1">
                     <a:tint val="75000"/>
@@ -2939,27 +2943,27 @@
     </p:spTree>
     <p:extLst>
       <p:ext uri="{BB962C8B-B14F-4D97-AF65-F5344CB8AC3E}">
-        <p14:creationId xmlns:p14="http://schemas.microsoft.com/office/powerpoint/2010/main" val="4228023476"/>
+        <p14:creationId xmlns:p14="http://schemas.microsoft.com/office/powerpoint/2010/main" val="1983873375"/>
       </p:ext>
     </p:extLst>
   </p:cSld>
   <p:clrMap bg1="lt1" tx1="dk1" bg2="lt2" tx2="dk2" accent1="accent1" accent2="accent2" accent3="accent3" accent4="accent4" accent5="accent5" accent6="accent6" hlink="hlink" folHlink="folHlink"/>
   <p:sldLayoutIdLst>
-    <p:sldLayoutId id="2147483649" r:id="rId1"/>
-    <p:sldLayoutId id="2147483650" r:id="rId2"/>
-    <p:sldLayoutId id="2147483651" r:id="rId3"/>
-    <p:sldLayoutId id="2147483652" r:id="rId4"/>
-    <p:sldLayoutId id="2147483653" r:id="rId5"/>
-    <p:sldLayoutId id="2147483654" r:id="rId6"/>
-    <p:sldLayoutId id="2147483655" r:id="rId7"/>
-    <p:sldLayoutId id="2147483656" r:id="rId8"/>
-    <p:sldLayoutId id="2147483657" r:id="rId9"/>
-    <p:sldLayoutId id="2147483658" r:id="rId10"/>
-    <p:sldLayoutId id="2147483659" r:id="rId11"/>
+    <p:sldLayoutId id="2147483673" r:id="rId1"/>
+    <p:sldLayoutId id="2147483674" r:id="rId2"/>
+    <p:sldLayoutId id="2147483675" r:id="rId3"/>
+    <p:sldLayoutId id="2147483676" r:id="rId4"/>
+    <p:sldLayoutId id="2147483677" r:id="rId5"/>
+    <p:sldLayoutId id="2147483678" r:id="rId6"/>
+    <p:sldLayoutId id="2147483679" r:id="rId7"/>
+    <p:sldLayoutId id="2147483680" r:id="rId8"/>
+    <p:sldLayoutId id="2147483681" r:id="rId9"/>
+    <p:sldLayoutId id="2147483682" r:id="rId10"/>
+    <p:sldLayoutId id="2147483683" r:id="rId11"/>
   </p:sldLayoutIdLst>
   <p:txStyles>
     <p:titleStyle>
-      <a:lvl1pPr algn="l" defTabSz="914400" rtl="0" eaLnBrk="1" latinLnBrk="0" hangingPunct="1">
+      <a:lvl1pPr algn="l" defTabSz="623987" rtl="0" eaLnBrk="1" latinLnBrk="0" hangingPunct="1">
         <a:lnSpc>
           <a:spcPct val="90000"/>
         </a:lnSpc>
@@ -2967,7 +2971,7 @@
           <a:spcPct val="0"/>
         </a:spcBef>
         <a:buNone/>
-        <a:defRPr kumimoji="1" sz="4400" kern="1200">
+        <a:defRPr kumimoji="1" sz="3003" kern="1200">
           <a:solidFill>
             <a:schemeClr val="tx1"/>
           </a:solidFill>
@@ -2978,16 +2982,16 @@
       </a:lvl1pPr>
     </p:titleStyle>
     <p:bodyStyle>
-      <a:lvl1pPr marL="228600" indent="-228600" algn="l" defTabSz="914400" rtl="0" eaLnBrk="1" latinLnBrk="0" hangingPunct="1">
+      <a:lvl1pPr marL="155997" indent="-155997" algn="l" defTabSz="623987" rtl="0" eaLnBrk="1" latinLnBrk="0" hangingPunct="1">
         <a:lnSpc>
           <a:spcPct val="90000"/>
         </a:lnSpc>
         <a:spcBef>
-          <a:spcPts val="1000"/>
+          <a:spcPts val="682"/>
         </a:spcBef>
         <a:buFont typeface="Arial" panose="020B0604020202020204" pitchFamily="34" charset="0"/>
         <a:buChar char="•"/>
-        <a:defRPr kumimoji="1" sz="2800" kern="1200">
+        <a:defRPr kumimoji="1" sz="1911" kern="1200">
           <a:solidFill>
             <a:schemeClr val="tx1"/>
           </a:solidFill>
@@ -2996,16 +3000,16 @@
           <a:cs typeface="+mn-cs"/>
         </a:defRPr>
       </a:lvl1pPr>
-      <a:lvl2pPr marL="685800" indent="-228600" algn="l" defTabSz="914400" rtl="0" eaLnBrk="1" latinLnBrk="0" hangingPunct="1">
+      <a:lvl2pPr marL="467990" indent="-155997" algn="l" defTabSz="623987" rtl="0" eaLnBrk="1" latinLnBrk="0" hangingPunct="1">
         <a:lnSpc>
           <a:spcPct val="90000"/>
         </a:lnSpc>
         <a:spcBef>
-          <a:spcPts val="500"/>
+          <a:spcPts val="341"/>
         </a:spcBef>
         <a:buFont typeface="Arial" panose="020B0604020202020204" pitchFamily="34" charset="0"/>
         <a:buChar char="•"/>
-        <a:defRPr kumimoji="1" sz="2400" kern="1200">
+        <a:defRPr kumimoji="1" sz="1638" kern="1200">
           <a:solidFill>
             <a:schemeClr val="tx1"/>
           </a:solidFill>
@@ -3014,16 +3018,16 @@
           <a:cs typeface="+mn-cs"/>
         </a:defRPr>
       </a:lvl2pPr>
-      <a:lvl3pPr marL="1143000" indent="-228600" algn="l" defTabSz="914400" rtl="0" eaLnBrk="1" latinLnBrk="0" hangingPunct="1">
+      <a:lvl3pPr marL="779983" indent="-155997" algn="l" defTabSz="623987" rtl="0" eaLnBrk="1" latinLnBrk="0" hangingPunct="1">
         <a:lnSpc>
           <a:spcPct val="90000"/>
         </a:lnSpc>
         <a:spcBef>
-          <a:spcPts val="500"/>
+          <a:spcPts val="341"/>
         </a:spcBef>
         <a:buFont typeface="Arial" panose="020B0604020202020204" pitchFamily="34" charset="0"/>
         <a:buChar char="•"/>
-        <a:defRPr kumimoji="1" sz="2000" kern="1200">
+        <a:defRPr kumimoji="1" sz="1365" kern="1200">
           <a:solidFill>
             <a:schemeClr val="tx1"/>
           </a:solidFill>
@@ -3032,16 +3036,16 @@
           <a:cs typeface="+mn-cs"/>
         </a:defRPr>
       </a:lvl3pPr>
-      <a:lvl4pPr marL="1600200" indent="-228600" algn="l" defTabSz="914400" rtl="0" eaLnBrk="1" latinLnBrk="0" hangingPunct="1">
+      <a:lvl4pPr marL="1091976" indent="-155997" algn="l" defTabSz="623987" rtl="0" eaLnBrk="1" latinLnBrk="0" hangingPunct="1">
         <a:lnSpc>
           <a:spcPct val="90000"/>
         </a:lnSpc>
         <a:spcBef>
-          <a:spcPts val="500"/>
+          <a:spcPts val="341"/>
         </a:spcBef>
         <a:buFont typeface="Arial" panose="020B0604020202020204" pitchFamily="34" charset="0"/>
         <a:buChar char="•"/>
-        <a:defRPr kumimoji="1" sz="1800" kern="1200">
+        <a:defRPr kumimoji="1" sz="1228" kern="1200">
           <a:solidFill>
             <a:schemeClr val="tx1"/>
           </a:solidFill>
@@ -3050,16 +3054,16 @@
           <a:cs typeface="+mn-cs"/>
         </a:defRPr>
       </a:lvl4pPr>
-      <a:lvl5pPr marL="2057400" indent="-228600" algn="l" defTabSz="914400" rtl="0" eaLnBrk="1" latinLnBrk="0" hangingPunct="1">
+      <a:lvl5pPr marL="1403970" indent="-155997" algn="l" defTabSz="623987" rtl="0" eaLnBrk="1" latinLnBrk="0" hangingPunct="1">
         <a:lnSpc>
           <a:spcPct val="90000"/>
         </a:lnSpc>
         <a:spcBef>
-          <a:spcPts val="500"/>
+          <a:spcPts val="341"/>
         </a:spcBef>
         <a:buFont typeface="Arial" panose="020B0604020202020204" pitchFamily="34" charset="0"/>
         <a:buChar char="•"/>
-        <a:defRPr kumimoji="1" sz="1800" kern="1200">
+        <a:defRPr kumimoji="1" sz="1228" kern="1200">
           <a:solidFill>
             <a:schemeClr val="tx1"/>
           </a:solidFill>
@@ -3068,16 +3072,16 @@
           <a:cs typeface="+mn-cs"/>
         </a:defRPr>
       </a:lvl5pPr>
-      <a:lvl6pPr marL="2514600" indent="-228600" algn="l" defTabSz="914400" rtl="0" eaLnBrk="1" latinLnBrk="0" hangingPunct="1">
+      <a:lvl6pPr marL="1715963" indent="-155997" algn="l" defTabSz="623987" rtl="0" eaLnBrk="1" latinLnBrk="0" hangingPunct="1">
         <a:lnSpc>
           <a:spcPct val="90000"/>
         </a:lnSpc>
         <a:spcBef>
-          <a:spcPts val="500"/>
+          <a:spcPts val="341"/>
         </a:spcBef>
         <a:buFont typeface="Arial" panose="020B0604020202020204" pitchFamily="34" charset="0"/>
         <a:buChar char="•"/>
-        <a:defRPr kumimoji="1" sz="1800" kern="1200">
+        <a:defRPr kumimoji="1" sz="1228" kern="1200">
           <a:solidFill>
             <a:schemeClr val="tx1"/>
           </a:solidFill>
@@ -3086,16 +3090,16 @@
           <a:cs typeface="+mn-cs"/>
         </a:defRPr>
       </a:lvl6pPr>
-      <a:lvl7pPr marL="2971800" indent="-228600" algn="l" defTabSz="914400" rtl="0" eaLnBrk="1" latinLnBrk="0" hangingPunct="1">
+      <a:lvl7pPr marL="2027956" indent="-155997" algn="l" defTabSz="623987" rtl="0" eaLnBrk="1" latinLnBrk="0" hangingPunct="1">
         <a:lnSpc>
           <a:spcPct val="90000"/>
         </a:lnSpc>
         <a:spcBef>
-          <a:spcPts val="500"/>
+          <a:spcPts val="341"/>
         </a:spcBef>
         <a:buFont typeface="Arial" panose="020B0604020202020204" pitchFamily="34" charset="0"/>
         <a:buChar char="•"/>
-        <a:defRPr kumimoji="1" sz="1800" kern="1200">
+        <a:defRPr kumimoji="1" sz="1228" kern="1200">
           <a:solidFill>
             <a:schemeClr val="tx1"/>
           </a:solidFill>
@@ -3104,16 +3108,16 @@
           <a:cs typeface="+mn-cs"/>
         </a:defRPr>
       </a:lvl7pPr>
-      <a:lvl8pPr marL="3429000" indent="-228600" algn="l" defTabSz="914400" rtl="0" eaLnBrk="1" latinLnBrk="0" hangingPunct="1">
+      <a:lvl8pPr marL="2339950" indent="-155997" algn="l" defTabSz="623987" rtl="0" eaLnBrk="1" latinLnBrk="0" hangingPunct="1">
         <a:lnSpc>
           <a:spcPct val="90000"/>
         </a:lnSpc>
         <a:spcBef>
-          <a:spcPts val="500"/>
+          <a:spcPts val="341"/>
         </a:spcBef>
         <a:buFont typeface="Arial" panose="020B0604020202020204" pitchFamily="34" charset="0"/>
         <a:buChar char="•"/>
-        <a:defRPr kumimoji="1" sz="1800" kern="1200">
+        <a:defRPr kumimoji="1" sz="1228" kern="1200">
           <a:solidFill>
             <a:schemeClr val="tx1"/>
           </a:solidFill>
@@ -3122,16 +3126,16 @@
           <a:cs typeface="+mn-cs"/>
         </a:defRPr>
       </a:lvl8pPr>
-      <a:lvl9pPr marL="3886200" indent="-228600" algn="l" defTabSz="914400" rtl="0" eaLnBrk="1" latinLnBrk="0" hangingPunct="1">
+      <a:lvl9pPr marL="2651943" indent="-155997" algn="l" defTabSz="623987" rtl="0" eaLnBrk="1" latinLnBrk="0" hangingPunct="1">
         <a:lnSpc>
           <a:spcPct val="90000"/>
         </a:lnSpc>
         <a:spcBef>
-          <a:spcPts val="500"/>
+          <a:spcPts val="341"/>
         </a:spcBef>
         <a:buFont typeface="Arial" panose="020B0604020202020204" pitchFamily="34" charset="0"/>
         <a:buChar char="•"/>
-        <a:defRPr kumimoji="1" sz="1800" kern="1200">
+        <a:defRPr kumimoji="1" sz="1228" kern="1200">
           <a:solidFill>
             <a:schemeClr val="tx1"/>
           </a:solidFill>
@@ -3143,10 +3147,10 @@
     </p:bodyStyle>
     <p:otherStyle>
       <a:defPPr>
-        <a:defRPr lang="ja-JP"/>
+        <a:defRPr lang="en-US"/>
       </a:defPPr>
-      <a:lvl1pPr marL="0" algn="l" defTabSz="914400" rtl="0" eaLnBrk="1" latinLnBrk="0" hangingPunct="1">
-        <a:defRPr kumimoji="1" sz="1800" kern="1200">
+      <a:lvl1pPr marL="0" algn="l" defTabSz="623987" rtl="0" eaLnBrk="1" latinLnBrk="0" hangingPunct="1">
+        <a:defRPr kumimoji="1" sz="1228" kern="1200">
           <a:solidFill>
             <a:schemeClr val="tx1"/>
           </a:solidFill>
@@ -3155,8 +3159,8 @@
           <a:cs typeface="+mn-cs"/>
         </a:defRPr>
       </a:lvl1pPr>
-      <a:lvl2pPr marL="457200" algn="l" defTabSz="914400" rtl="0" eaLnBrk="1" latinLnBrk="0" hangingPunct="1">
-        <a:defRPr kumimoji="1" sz="1800" kern="1200">
+      <a:lvl2pPr marL="311993" algn="l" defTabSz="623987" rtl="0" eaLnBrk="1" latinLnBrk="0" hangingPunct="1">
+        <a:defRPr kumimoji="1" sz="1228" kern="1200">
           <a:solidFill>
             <a:schemeClr val="tx1"/>
           </a:solidFill>
@@ -3165,8 +3169,8 @@
           <a:cs typeface="+mn-cs"/>
         </a:defRPr>
       </a:lvl2pPr>
-      <a:lvl3pPr marL="914400" algn="l" defTabSz="914400" rtl="0" eaLnBrk="1" latinLnBrk="0" hangingPunct="1">
-        <a:defRPr kumimoji="1" sz="1800" kern="1200">
+      <a:lvl3pPr marL="623987" algn="l" defTabSz="623987" rtl="0" eaLnBrk="1" latinLnBrk="0" hangingPunct="1">
+        <a:defRPr kumimoji="1" sz="1228" kern="1200">
           <a:solidFill>
             <a:schemeClr val="tx1"/>
           </a:solidFill>
@@ -3175,8 +3179,8 @@
           <a:cs typeface="+mn-cs"/>
         </a:defRPr>
       </a:lvl3pPr>
-      <a:lvl4pPr marL="1371600" algn="l" defTabSz="914400" rtl="0" eaLnBrk="1" latinLnBrk="0" hangingPunct="1">
-        <a:defRPr kumimoji="1" sz="1800" kern="1200">
+      <a:lvl4pPr marL="935980" algn="l" defTabSz="623987" rtl="0" eaLnBrk="1" latinLnBrk="0" hangingPunct="1">
+        <a:defRPr kumimoji="1" sz="1228" kern="1200">
           <a:solidFill>
             <a:schemeClr val="tx1"/>
           </a:solidFill>
@@ -3185,8 +3189,8 @@
           <a:cs typeface="+mn-cs"/>
         </a:defRPr>
       </a:lvl4pPr>
-      <a:lvl5pPr marL="1828800" algn="l" defTabSz="914400" rtl="0" eaLnBrk="1" latinLnBrk="0" hangingPunct="1">
-        <a:defRPr kumimoji="1" sz="1800" kern="1200">
+      <a:lvl5pPr marL="1247973" algn="l" defTabSz="623987" rtl="0" eaLnBrk="1" latinLnBrk="0" hangingPunct="1">
+        <a:defRPr kumimoji="1" sz="1228" kern="1200">
           <a:solidFill>
             <a:schemeClr val="tx1"/>
           </a:solidFill>
@@ -3195,8 +3199,8 @@
           <a:cs typeface="+mn-cs"/>
         </a:defRPr>
       </a:lvl5pPr>
-      <a:lvl6pPr marL="2286000" algn="l" defTabSz="914400" rtl="0" eaLnBrk="1" latinLnBrk="0" hangingPunct="1">
-        <a:defRPr kumimoji="1" sz="1800" kern="1200">
+      <a:lvl6pPr marL="1559966" algn="l" defTabSz="623987" rtl="0" eaLnBrk="1" latinLnBrk="0" hangingPunct="1">
+        <a:defRPr kumimoji="1" sz="1228" kern="1200">
           <a:solidFill>
             <a:schemeClr val="tx1"/>
           </a:solidFill>
@@ -3205,8 +3209,8 @@
           <a:cs typeface="+mn-cs"/>
         </a:defRPr>
       </a:lvl6pPr>
-      <a:lvl7pPr marL="2743200" algn="l" defTabSz="914400" rtl="0" eaLnBrk="1" latinLnBrk="0" hangingPunct="1">
-        <a:defRPr kumimoji="1" sz="1800" kern="1200">
+      <a:lvl7pPr marL="1871960" algn="l" defTabSz="623987" rtl="0" eaLnBrk="1" latinLnBrk="0" hangingPunct="1">
+        <a:defRPr kumimoji="1" sz="1228" kern="1200">
           <a:solidFill>
             <a:schemeClr val="tx1"/>
           </a:solidFill>
@@ -3215,8 +3219,8 @@
           <a:cs typeface="+mn-cs"/>
         </a:defRPr>
       </a:lvl7pPr>
-      <a:lvl8pPr marL="3200400" algn="l" defTabSz="914400" rtl="0" eaLnBrk="1" latinLnBrk="0" hangingPunct="1">
-        <a:defRPr kumimoji="1" sz="1800" kern="1200">
+      <a:lvl8pPr marL="2183953" algn="l" defTabSz="623987" rtl="0" eaLnBrk="1" latinLnBrk="0" hangingPunct="1">
+        <a:defRPr kumimoji="1" sz="1228" kern="1200">
           <a:solidFill>
             <a:schemeClr val="tx1"/>
           </a:solidFill>
@@ -3225,8 +3229,8 @@
           <a:cs typeface="+mn-cs"/>
         </a:defRPr>
       </a:lvl8pPr>
-      <a:lvl9pPr marL="3657600" algn="l" defTabSz="914400" rtl="0" eaLnBrk="1" latinLnBrk="0" hangingPunct="1">
-        <a:defRPr kumimoji="1" sz="1800" kern="1200">
+      <a:lvl9pPr marL="2495946" algn="l" defTabSz="623987" rtl="0" eaLnBrk="1" latinLnBrk="0" hangingPunct="1">
+        <a:defRPr kumimoji="1" sz="1228" kern="1200">
           <a:solidFill>
             <a:schemeClr val="tx1"/>
           </a:solidFill>
@@ -3257,1411 +3261,1396 @@
           <a:chExt cx="0" cy="0"/>
         </a:xfrm>
       </p:grpSpPr>
-      <p:sp>
-        <p:nvSpPr>
-          <p:cNvPr id="90" name="正方形/長方形 89"/>
-          <p:cNvSpPr/>
+      <p:grpSp>
+        <p:nvGrpSpPr>
+          <p:cNvPr id="4" name="グループ化 3"/>
+          <p:cNvGrpSpPr/>
           <p:nvPr/>
-        </p:nvSpPr>
-        <p:spPr bwMode="auto">
+        </p:nvGrpSpPr>
+        <p:grpSpPr>
           <a:xfrm>
-            <a:off x="7977412" y="4253916"/>
-            <a:ext cx="3880099" cy="2415819"/>
+            <a:off x="172352" y="108488"/>
+            <a:ext cx="11685160" cy="2185292"/>
+            <a:chOff x="172352" y="108488"/>
+            <a:chExt cx="11685160" cy="1930649"/>
           </a:xfrm>
-          <a:prstGeom prst="rect">
-            <a:avLst/>
-          </a:prstGeom>
-          <a:ln>
-            <a:headEnd type="none" w="med" len="med"/>
-            <a:tailEnd type="triangle" w="med" len="med"/>
-          </a:ln>
-          <a:extLst/>
-        </p:spPr>
-        <p:style>
-          <a:lnRef idx="2">
-            <a:schemeClr val="dk1"/>
-          </a:lnRef>
-          <a:fillRef idx="1">
-            <a:schemeClr val="lt1"/>
-          </a:fillRef>
-          <a:effectRef idx="0">
-            <a:schemeClr val="dk1"/>
-          </a:effectRef>
-          <a:fontRef idx="minor">
-            <a:schemeClr val="dk1"/>
-          </a:fontRef>
-        </p:style>
-        <p:txBody>
-          <a:bodyPr vert="horz" wrap="square" lIns="90000" tIns="46800" rIns="90000" bIns="46800" numCol="1" rtlCol="0" anchor="ctr" anchorCtr="0" compatLnSpc="1">
-            <a:prstTxWarp prst="textNoShape">
+        </p:grpSpPr>
+        <p:sp>
+          <p:nvSpPr>
+            <p:cNvPr id="29" name="正方形/長方形 28"/>
+            <p:cNvSpPr/>
+            <p:nvPr/>
+          </p:nvSpPr>
+          <p:spPr bwMode="auto">
+            <a:xfrm>
+              <a:off x="7977415" y="248321"/>
+              <a:ext cx="3880097" cy="1718541"/>
+            </a:xfrm>
+            <a:prstGeom prst="rect">
               <a:avLst/>
-            </a:prstTxWarp>
-            <a:noAutofit/>
-          </a:bodyPr>
-          <a:lstStyle/>
-          <a:p>
-            <a:pPr algn="ctr" defTabSz="914342" fontAlgn="base">
-              <a:lnSpc>
-                <a:spcPct val="90000"/>
-              </a:lnSpc>
-              <a:spcBef>
-                <a:spcPct val="20000"/>
-              </a:spcBef>
-              <a:spcAft>
-                <a:spcPct val="0"/>
-              </a:spcAft>
-            </a:pPr>
-            <a:r>
-              <a:rPr lang="en-US" altLang="ja-JP" sz="2400" dirty="0" err="1" smtClean="0">
+            </a:prstGeom>
+            <a:ln>
+              <a:headEnd type="none" w="med" len="med"/>
+              <a:tailEnd type="triangle" w="med" len="med"/>
+            </a:ln>
+            <a:extLst/>
+          </p:spPr>
+          <p:style>
+            <a:lnRef idx="2">
+              <a:schemeClr val="dk1"/>
+            </a:lnRef>
+            <a:fillRef idx="1">
+              <a:schemeClr val="lt1"/>
+            </a:fillRef>
+            <a:effectRef idx="0">
+              <a:schemeClr val="dk1"/>
+            </a:effectRef>
+            <a:fontRef idx="minor">
+              <a:schemeClr val="dk1"/>
+            </a:fontRef>
+          </p:style>
+          <p:txBody>
+            <a:bodyPr vert="horz" wrap="square" lIns="90000" tIns="46800" rIns="90000" bIns="46800" numCol="1" rtlCol="0" anchor="ctr" anchorCtr="0" compatLnSpc="1">
+              <a:prstTxWarp prst="textNoShape">
+                <a:avLst/>
+              </a:prstTxWarp>
+              <a:noAutofit/>
+            </a:bodyPr>
+            <a:lstStyle/>
+            <a:p>
+              <a:pPr algn="ctr" defTabSz="914342" fontAlgn="base">
+                <a:lnSpc>
+                  <a:spcPct val="90000"/>
+                </a:lnSpc>
+                <a:spcBef>
+                  <a:spcPct val="20000"/>
+                </a:spcBef>
+                <a:spcAft>
+                  <a:spcPct val="0"/>
+                </a:spcAft>
+              </a:pPr>
+              <a:r>
+                <a:rPr lang="en-US" altLang="ja-JP" sz="2400" dirty="0" err="1">
+                  <a:solidFill>
+                    <a:schemeClr val="tx1"/>
+                  </a:solidFill>
+                  <a:latin typeface="メイリオ" panose="020B0604030504040204" pitchFamily="50" charset="-128"/>
+                  <a:ea typeface="メイリオ" panose="020B0604030504040204" pitchFamily="50" charset="-128"/>
+                  <a:cs typeface="メイリオ" pitchFamily="50" charset="-128"/>
+                </a:rPr>
+                <a:t>tTLSFMalloc</a:t>
+              </a:r>
+              <a:endParaRPr lang="en-US" altLang="ja-JP" sz="2400" dirty="0">
                 <a:solidFill>
                   <a:schemeClr val="tx1"/>
                 </a:solidFill>
                 <a:latin typeface="メイリオ" panose="020B0604030504040204" pitchFamily="50" charset="-128"/>
                 <a:ea typeface="メイリオ" panose="020B0604030504040204" pitchFamily="50" charset="-128"/>
                 <a:cs typeface="メイリオ" pitchFamily="50" charset="-128"/>
-              </a:rPr>
-              <a:t>tTLSFMalloc</a:t>
-            </a:r>
-            <a:endParaRPr lang="en-US" altLang="ja-JP" sz="2400" dirty="0" smtClean="0">
-              <a:solidFill>
-                <a:schemeClr val="tx1"/>
-              </a:solidFill>
-              <a:latin typeface="メイリオ" panose="020B0604030504040204" pitchFamily="50" charset="-128"/>
-              <a:ea typeface="メイリオ" panose="020B0604030504040204" pitchFamily="50" charset="-128"/>
-              <a:cs typeface="メイリオ" pitchFamily="50" charset="-128"/>
-            </a:endParaRPr>
-          </a:p>
-          <a:p>
-            <a:pPr algn="ctr" defTabSz="914342" fontAlgn="base">
-              <a:lnSpc>
-                <a:spcPct val="90000"/>
-              </a:lnSpc>
-              <a:spcBef>
-                <a:spcPct val="20000"/>
-              </a:spcBef>
-              <a:spcAft>
-                <a:spcPct val="0"/>
-              </a:spcAft>
-            </a:pPr>
-            <a:r>
-              <a:rPr lang="en-US" altLang="ja-JP" sz="2400" dirty="0" smtClean="0">
+              </a:endParaRPr>
+            </a:p>
+            <a:p>
+              <a:pPr algn="ctr" defTabSz="914342" fontAlgn="base">
+                <a:lnSpc>
+                  <a:spcPct val="90000"/>
+                </a:lnSpc>
+                <a:spcBef>
+                  <a:spcPct val="20000"/>
+                </a:spcBef>
+                <a:spcAft>
+                  <a:spcPct val="0"/>
+                </a:spcAft>
+              </a:pPr>
+              <a:r>
+                <a:rPr lang="en-US" altLang="ja-JP" sz="2400" dirty="0">
+                  <a:solidFill>
+                    <a:schemeClr val="tx1"/>
+                  </a:solidFill>
+                  <a:latin typeface="メイリオ" panose="020B0604030504040204" pitchFamily="50" charset="-128"/>
+                  <a:ea typeface="メイリオ" panose="020B0604030504040204" pitchFamily="50" charset="-128"/>
+                  <a:cs typeface="メイリオ" pitchFamily="50" charset="-128"/>
+                </a:rPr>
+                <a:t>TLSFMalloc_001</a:t>
+              </a:r>
+            </a:p>
+          </p:txBody>
+        </p:sp>
+        <p:sp>
+          <p:nvSpPr>
+            <p:cNvPr id="30" name="正方形/長方形 29"/>
+            <p:cNvSpPr/>
+            <p:nvPr/>
+          </p:nvSpPr>
+          <p:spPr bwMode="auto">
+            <a:xfrm>
+              <a:off x="4169732" y="661895"/>
+              <a:ext cx="2750357" cy="891393"/>
+            </a:xfrm>
+            <a:prstGeom prst="rect">
+              <a:avLst/>
+            </a:prstGeom>
+            <a:ln>
+              <a:headEnd type="none" w="med" len="med"/>
+              <a:tailEnd type="triangle" w="med" len="med"/>
+            </a:ln>
+            <a:extLst/>
+          </p:spPr>
+          <p:style>
+            <a:lnRef idx="2">
+              <a:schemeClr val="dk1"/>
+            </a:lnRef>
+            <a:fillRef idx="1">
+              <a:schemeClr val="lt1"/>
+            </a:fillRef>
+            <a:effectRef idx="0">
+              <a:schemeClr val="dk1"/>
+            </a:effectRef>
+            <a:fontRef idx="minor">
+              <a:schemeClr val="dk1"/>
+            </a:fontRef>
+          </p:style>
+          <p:txBody>
+            <a:bodyPr vert="horz" wrap="square" lIns="90000" tIns="46800" rIns="90000" bIns="46800" numCol="1" rtlCol="0" anchor="ctr" anchorCtr="0" compatLnSpc="1">
+              <a:prstTxWarp prst="textNoShape">
+                <a:avLst/>
+              </a:prstTxWarp>
+              <a:noAutofit/>
+            </a:bodyPr>
+            <a:lstStyle/>
+            <a:p>
+              <a:pPr algn="ctr" defTabSz="914342" fontAlgn="base">
+                <a:lnSpc>
+                  <a:spcPct val="90000"/>
+                </a:lnSpc>
+                <a:spcBef>
+                  <a:spcPct val="20000"/>
+                </a:spcBef>
+                <a:spcAft>
+                  <a:spcPct val="0"/>
+                </a:spcAft>
+              </a:pPr>
+              <a:r>
+                <a:rPr lang="en-US" altLang="ja-JP" sz="2400" dirty="0">
+                  <a:solidFill>
+                    <a:schemeClr val="tx1"/>
+                  </a:solidFill>
+                  <a:latin typeface="メイリオ" panose="020B0604030504040204" pitchFamily="50" charset="-128"/>
+                  <a:ea typeface="メイリオ" panose="020B0604030504040204" pitchFamily="50" charset="-128"/>
+                  <a:cs typeface="メイリオ" pitchFamily="50" charset="-128"/>
+                </a:rPr>
+                <a:t>  </a:t>
+              </a:r>
+              <a:r>
+                <a:rPr lang="en-US" altLang="ja-JP" sz="2400" dirty="0" err="1">
+                  <a:solidFill>
+                    <a:schemeClr val="tx1"/>
+                  </a:solidFill>
+                  <a:latin typeface="メイリオ" panose="020B0604030504040204" pitchFamily="50" charset="-128"/>
+                  <a:ea typeface="メイリオ" panose="020B0604030504040204" pitchFamily="50" charset="-128"/>
+                  <a:cs typeface="メイリオ" pitchFamily="50" charset="-128"/>
+                </a:rPr>
+                <a:t>tMrubyVM</a:t>
+              </a:r>
+              <a:endParaRPr lang="en-US" altLang="ja-JP" sz="2400" dirty="0">
                 <a:solidFill>
                   <a:schemeClr val="tx1"/>
                 </a:solidFill>
                 <a:latin typeface="メイリオ" panose="020B0604030504040204" pitchFamily="50" charset="-128"/>
                 <a:ea typeface="メイリオ" panose="020B0604030504040204" pitchFamily="50" charset="-128"/>
                 <a:cs typeface="メイリオ" pitchFamily="50" charset="-128"/>
-              </a:rPr>
-              <a:t>TLSFMalloc_002</a:t>
-            </a:r>
-          </a:p>
-        </p:txBody>
-      </p:sp>
-      <p:sp>
-        <p:nvSpPr>
-          <p:cNvPr id="29" name="正方形/長方形 28"/>
-          <p:cNvSpPr/>
-          <p:nvPr/>
-        </p:nvSpPr>
-        <p:spPr bwMode="auto">
-          <a:xfrm>
-            <a:off x="7977414" y="699914"/>
-            <a:ext cx="3880097" cy="2415819"/>
-          </a:xfrm>
-          <a:prstGeom prst="rect">
-            <a:avLst/>
-          </a:prstGeom>
-          <a:ln>
-            <a:headEnd type="none" w="med" len="med"/>
-            <a:tailEnd type="triangle" w="med" len="med"/>
-          </a:ln>
-          <a:extLst/>
-        </p:spPr>
-        <p:style>
-          <a:lnRef idx="2">
-            <a:schemeClr val="dk1"/>
-          </a:lnRef>
-          <a:fillRef idx="1">
-            <a:schemeClr val="lt1"/>
-          </a:fillRef>
-          <a:effectRef idx="0">
-            <a:schemeClr val="dk1"/>
-          </a:effectRef>
-          <a:fontRef idx="minor">
-            <a:schemeClr val="dk1"/>
-          </a:fontRef>
-        </p:style>
-        <p:txBody>
-          <a:bodyPr vert="horz" wrap="square" lIns="90000" tIns="46800" rIns="90000" bIns="46800" numCol="1" rtlCol="0" anchor="ctr" anchorCtr="0" compatLnSpc="1">
-            <a:prstTxWarp prst="textNoShape">
+              </a:endParaRPr>
+            </a:p>
+            <a:p>
+              <a:pPr algn="ctr" defTabSz="914342" fontAlgn="base">
+                <a:lnSpc>
+                  <a:spcPct val="90000"/>
+                </a:lnSpc>
+                <a:spcBef>
+                  <a:spcPct val="20000"/>
+                </a:spcBef>
+                <a:spcAft>
+                  <a:spcPct val="0"/>
+                </a:spcAft>
+              </a:pPr>
+              <a:r>
+                <a:rPr lang="en-US" altLang="ja-JP" sz="2400" dirty="0">
+                  <a:solidFill>
+                    <a:schemeClr val="tx1"/>
+                  </a:solidFill>
+                  <a:latin typeface="メイリオ" panose="020B0604030504040204" pitchFamily="50" charset="-128"/>
+                  <a:ea typeface="メイリオ" panose="020B0604030504040204" pitchFamily="50" charset="-128"/>
+                  <a:cs typeface="メイリオ" pitchFamily="50" charset="-128"/>
+                </a:rPr>
+                <a:t>MrubyVM_001</a:t>
+              </a:r>
+            </a:p>
+          </p:txBody>
+        </p:sp>
+        <p:sp>
+          <p:nvSpPr>
+            <p:cNvPr id="31" name="二等辺三角形 30"/>
+            <p:cNvSpPr/>
+            <p:nvPr/>
+          </p:nvSpPr>
+          <p:spPr bwMode="auto">
+            <a:xfrm rot="5400000" flipH="1">
+              <a:off x="7987941" y="975186"/>
+              <a:ext cx="277626" cy="298682"/>
+            </a:xfrm>
+            <a:prstGeom prst="triangle">
               <a:avLst/>
-            </a:prstTxWarp>
-            <a:noAutofit/>
-          </a:bodyPr>
-          <a:lstStyle/>
-          <a:p>
-            <a:pPr algn="ctr" defTabSz="914342" fontAlgn="base">
-              <a:lnSpc>
-                <a:spcPct val="90000"/>
-              </a:lnSpc>
-              <a:spcBef>
-                <a:spcPct val="20000"/>
-              </a:spcBef>
-              <a:spcAft>
-                <a:spcPct val="0"/>
-              </a:spcAft>
-            </a:pPr>
-            <a:r>
-              <a:rPr lang="en-US" altLang="ja-JP" sz="2400" dirty="0" err="1" smtClean="0">
+            </a:prstGeom>
+            <a:solidFill>
+              <a:schemeClr val="tx1"/>
+            </a:solidFill>
+            <a:ln w="9525" cap="flat" cmpd="sng" algn="ctr">
+              <a:solidFill>
+                <a:schemeClr val="tx1"/>
+              </a:solidFill>
+              <a:prstDash val="solid"/>
+              <a:round/>
+              <a:headEnd type="none" w="med" len="med"/>
+              <a:tailEnd type="triangle" w="med" len="med"/>
+            </a:ln>
+            <a:effectLst/>
+            <a:extLst/>
+          </p:spPr>
+          <p:txBody>
+            <a:bodyPr vert="horz" wrap="square" lIns="90000" tIns="46800" rIns="90000" bIns="46800" numCol="1" rtlCol="0" anchor="t" anchorCtr="0" compatLnSpc="1">
+              <a:prstTxWarp prst="textNoShape">
+                <a:avLst/>
+              </a:prstTxWarp>
+              <a:spAutoFit/>
+            </a:bodyPr>
+            <a:lstStyle/>
+            <a:p>
+              <a:pPr defTabSz="914342" fontAlgn="base">
+                <a:lnSpc>
+                  <a:spcPct val="90000"/>
+                </a:lnSpc>
+                <a:spcBef>
+                  <a:spcPct val="20000"/>
+                </a:spcBef>
+                <a:spcAft>
+                  <a:spcPct val="0"/>
+                </a:spcAft>
+              </a:pPr>
+              <a:endParaRPr lang="ja-JP" altLang="en-US">
+                <a:latin typeface="Times New Roman" pitchFamily="18" charset="0"/>
+                <a:ea typeface="メイリオ" pitchFamily="50" charset="-128"/>
+                <a:cs typeface="メイリオ" pitchFamily="50" charset="-128"/>
+              </a:endParaRPr>
+            </a:p>
+          </p:txBody>
+        </p:sp>
+        <p:cxnSp>
+          <p:nvCxnSpPr>
+            <p:cNvPr id="33" name="直線コネクタ 32"/>
+            <p:cNvCxnSpPr>
+              <a:stCxn id="29" idx="1"/>
+              <a:endCxn id="30" idx="3"/>
+            </p:cNvCxnSpPr>
+            <p:nvPr/>
+          </p:nvCxnSpPr>
+          <p:spPr bwMode="auto">
+            <a:xfrm flipH="1" flipV="1">
+              <a:off x="6920088" y="1107592"/>
+              <a:ext cx="1057326" cy="1"/>
+            </a:xfrm>
+            <a:prstGeom prst="line">
+              <a:avLst/>
+            </a:prstGeom>
+            <a:solidFill>
+              <a:schemeClr val="accent1"/>
+            </a:solidFill>
+            <a:ln w="9525" cap="flat" cmpd="sng" algn="ctr">
+              <a:solidFill>
+                <a:schemeClr val="tx1"/>
+              </a:solidFill>
+              <a:prstDash val="solid"/>
+              <a:round/>
+              <a:headEnd type="none" w="med" len="med"/>
+              <a:tailEnd type="none" w="med" len="med"/>
+            </a:ln>
+            <a:effectLst/>
+            <a:extLst>
+              <a:ext uri="{AF507438-7753-43E0-B8FC-AC1667EBCBE1}">
+                <a14:hiddenEffects xmlns:a14="http://schemas.microsoft.com/office/drawing/2010/main">
+                  <a:effectLst>
+                    <a:outerShdw dist="35921" dir="2700000" algn="ctr" rotWithShape="0">
+                      <a:schemeClr val="bg2"/>
+                    </a:outerShdw>
+                  </a:effectLst>
+                </a14:hiddenEffects>
+              </a:ext>
+            </a:extLst>
+          </p:spPr>
+        </p:cxnSp>
+        <p:sp>
+          <p:nvSpPr>
+            <p:cNvPr id="62" name="正方形/長方形 61"/>
+            <p:cNvSpPr/>
+            <p:nvPr/>
+          </p:nvSpPr>
+          <p:spPr bwMode="auto">
+            <a:xfrm>
+              <a:off x="282223" y="661895"/>
+              <a:ext cx="2573866" cy="891393"/>
+            </a:xfrm>
+            <a:prstGeom prst="rect">
+              <a:avLst/>
+            </a:prstGeom>
+            <a:ln>
+              <a:headEnd type="none" w="med" len="med"/>
+              <a:tailEnd type="triangle" w="med" len="med"/>
+            </a:ln>
+            <a:extLst/>
+          </p:spPr>
+          <p:style>
+            <a:lnRef idx="2">
+              <a:schemeClr val="dk1"/>
+            </a:lnRef>
+            <a:fillRef idx="1">
+              <a:schemeClr val="lt1"/>
+            </a:fillRef>
+            <a:effectRef idx="0">
+              <a:schemeClr val="dk1"/>
+            </a:effectRef>
+            <a:fontRef idx="minor">
+              <a:schemeClr val="dk1"/>
+            </a:fontRef>
+          </p:style>
+          <p:txBody>
+            <a:bodyPr vert="horz" wrap="square" lIns="90000" tIns="46800" rIns="90000" bIns="46800" numCol="1" rtlCol="0" anchor="ctr" anchorCtr="0" compatLnSpc="1">
+              <a:prstTxWarp prst="textNoShape">
+                <a:avLst/>
+              </a:prstTxWarp>
+              <a:noAutofit/>
+            </a:bodyPr>
+            <a:lstStyle/>
+            <a:p>
+              <a:pPr algn="ctr" defTabSz="914342" fontAlgn="base">
+                <a:lnSpc>
+                  <a:spcPct val="90000"/>
+                </a:lnSpc>
+                <a:spcBef>
+                  <a:spcPct val="20000"/>
+                </a:spcBef>
+                <a:spcAft>
+                  <a:spcPct val="0"/>
+                </a:spcAft>
+              </a:pPr>
+              <a:r>
+                <a:rPr lang="en-US" altLang="ja-JP" sz="2400" dirty="0">
+                  <a:solidFill>
+                    <a:schemeClr val="tx1"/>
+                  </a:solidFill>
+                  <a:latin typeface="メイリオ" panose="020B0604030504040204" pitchFamily="50" charset="-128"/>
+                  <a:ea typeface="メイリオ" panose="020B0604030504040204" pitchFamily="50" charset="-128"/>
+                  <a:cs typeface="メイリオ" pitchFamily="50" charset="-128"/>
+                </a:rPr>
+                <a:t>  </a:t>
+              </a:r>
+              <a:r>
+                <a:rPr lang="en-US" altLang="ja-JP" sz="2400" dirty="0" err="1">
+                  <a:solidFill>
+                    <a:schemeClr val="tx1"/>
+                  </a:solidFill>
+                  <a:latin typeface="メイリオ" panose="020B0604030504040204" pitchFamily="50" charset="-128"/>
+                  <a:ea typeface="メイリオ" panose="020B0604030504040204" pitchFamily="50" charset="-128"/>
+                  <a:cs typeface="メイリオ" pitchFamily="50" charset="-128"/>
+                </a:rPr>
+                <a:t>tTask</a:t>
+              </a:r>
+              <a:endParaRPr lang="en-US" altLang="ja-JP" sz="2400" dirty="0">
                 <a:solidFill>
                   <a:schemeClr val="tx1"/>
                 </a:solidFill>
                 <a:latin typeface="メイリオ" panose="020B0604030504040204" pitchFamily="50" charset="-128"/>
                 <a:ea typeface="メイリオ" panose="020B0604030504040204" pitchFamily="50" charset="-128"/>
                 <a:cs typeface="メイリオ" pitchFamily="50" charset="-128"/>
-              </a:rPr>
-              <a:t>tTLSFMalloc</a:t>
-            </a:r>
-            <a:endParaRPr lang="en-US" altLang="ja-JP" sz="2400" dirty="0" smtClean="0">
+              </a:endParaRPr>
+            </a:p>
+            <a:p>
+              <a:pPr algn="ctr" defTabSz="914342" fontAlgn="base">
+                <a:lnSpc>
+                  <a:spcPct val="90000"/>
+                </a:lnSpc>
+                <a:spcBef>
+                  <a:spcPct val="20000"/>
+                </a:spcBef>
+                <a:spcAft>
+                  <a:spcPct val="0"/>
+                </a:spcAft>
+              </a:pPr>
+              <a:r>
+                <a:rPr lang="en-US" altLang="ja-JP" sz="2400" dirty="0">
+                  <a:solidFill>
+                    <a:schemeClr val="tx1"/>
+                  </a:solidFill>
+                  <a:latin typeface="メイリオ" panose="020B0604030504040204" pitchFamily="50" charset="-128"/>
+                  <a:ea typeface="メイリオ" panose="020B0604030504040204" pitchFamily="50" charset="-128"/>
+                  <a:cs typeface="メイリオ" pitchFamily="50" charset="-128"/>
+                </a:rPr>
+                <a:t>MrubyTask_001</a:t>
+              </a:r>
+            </a:p>
+          </p:txBody>
+        </p:sp>
+        <p:sp>
+          <p:nvSpPr>
+            <p:cNvPr id="63" name="二等辺三角形 62"/>
+            <p:cNvSpPr/>
+            <p:nvPr/>
+          </p:nvSpPr>
+          <p:spPr bwMode="auto">
+            <a:xfrm rot="5400000" flipH="1">
+              <a:off x="4165296" y="971434"/>
+              <a:ext cx="277626" cy="272310"/>
+            </a:xfrm>
+            <a:prstGeom prst="triangle">
+              <a:avLst/>
+            </a:prstGeom>
+            <a:solidFill>
+              <a:schemeClr val="tx1"/>
+            </a:solidFill>
+            <a:ln w="9525" cap="flat" cmpd="sng" algn="ctr">
               <a:solidFill>
                 <a:schemeClr val="tx1"/>
               </a:solidFill>
-              <a:latin typeface="メイリオ" panose="020B0604030504040204" pitchFamily="50" charset="-128"/>
-              <a:ea typeface="メイリオ" panose="020B0604030504040204" pitchFamily="50" charset="-128"/>
-              <a:cs typeface="メイリオ" pitchFamily="50" charset="-128"/>
-            </a:endParaRPr>
-          </a:p>
-          <a:p>
-            <a:pPr algn="ctr" defTabSz="914342" fontAlgn="base">
-              <a:lnSpc>
-                <a:spcPct val="90000"/>
-              </a:lnSpc>
-              <a:spcBef>
-                <a:spcPct val="20000"/>
-              </a:spcBef>
-              <a:spcAft>
-                <a:spcPct val="0"/>
-              </a:spcAft>
-            </a:pPr>
-            <a:r>
-              <a:rPr lang="en-US" altLang="ja-JP" sz="2400" dirty="0" smtClean="0">
+              <a:prstDash val="solid"/>
+              <a:round/>
+              <a:headEnd type="none" w="med" len="med"/>
+              <a:tailEnd type="triangle" w="med" len="med"/>
+            </a:ln>
+            <a:effectLst/>
+            <a:extLst/>
+          </p:spPr>
+          <p:txBody>
+            <a:bodyPr vert="horz" wrap="square" lIns="90000" tIns="46800" rIns="90000" bIns="46800" numCol="1" rtlCol="0" anchor="t" anchorCtr="0" compatLnSpc="1">
+              <a:prstTxWarp prst="textNoShape">
+                <a:avLst/>
+              </a:prstTxWarp>
+              <a:spAutoFit/>
+            </a:bodyPr>
+            <a:lstStyle/>
+            <a:p>
+              <a:pPr defTabSz="914342" fontAlgn="base">
+                <a:lnSpc>
+                  <a:spcPct val="90000"/>
+                </a:lnSpc>
+                <a:spcBef>
+                  <a:spcPct val="20000"/>
+                </a:spcBef>
+                <a:spcAft>
+                  <a:spcPct val="0"/>
+                </a:spcAft>
+              </a:pPr>
+              <a:endParaRPr lang="ja-JP" altLang="en-US">
+                <a:latin typeface="Times New Roman" pitchFamily="18" charset="0"/>
+                <a:ea typeface="メイリオ" pitchFamily="50" charset="-128"/>
+                <a:cs typeface="メイリオ" pitchFamily="50" charset="-128"/>
+              </a:endParaRPr>
+            </a:p>
+          </p:txBody>
+        </p:sp>
+        <p:cxnSp>
+          <p:nvCxnSpPr>
+            <p:cNvPr id="65" name="直線コネクタ 64"/>
+            <p:cNvCxnSpPr>
+              <a:stCxn id="30" idx="1"/>
+              <a:endCxn id="62" idx="3"/>
+            </p:cNvCxnSpPr>
+            <p:nvPr/>
+          </p:nvCxnSpPr>
+          <p:spPr bwMode="auto">
+            <a:xfrm flipH="1" flipV="1">
+              <a:off x="2856089" y="1107592"/>
+              <a:ext cx="1313642" cy="1"/>
+            </a:xfrm>
+            <a:prstGeom prst="line">
+              <a:avLst/>
+            </a:prstGeom>
+            <a:solidFill>
+              <a:schemeClr val="accent1"/>
+            </a:solidFill>
+            <a:ln w="9525" cap="flat" cmpd="sng" algn="ctr">
+              <a:solidFill>
+                <a:schemeClr val="tx1"/>
+              </a:solidFill>
+              <a:prstDash val="solid"/>
+              <a:round/>
+              <a:headEnd type="none" w="med" len="med"/>
+              <a:tailEnd type="none" w="med" len="med"/>
+            </a:ln>
+            <a:effectLst/>
+            <a:extLst>
+              <a:ext uri="{AF507438-7753-43E0-B8FC-AC1667EBCBE1}">
+                <a14:hiddenEffects xmlns:a14="http://schemas.microsoft.com/office/drawing/2010/main">
+                  <a:effectLst>
+                    <a:outerShdw dist="35921" dir="2700000" algn="ctr" rotWithShape="0">
+                      <a:schemeClr val="bg2"/>
+                    </a:outerShdw>
+                  </a:effectLst>
+                </a14:hiddenEffects>
+              </a:ext>
+            </a:extLst>
+          </p:spPr>
+        </p:cxnSp>
+        <p:sp>
+          <p:nvSpPr>
+            <p:cNvPr id="83" name="正方形/長方形 82"/>
+            <p:cNvSpPr/>
+            <p:nvPr/>
+          </p:nvSpPr>
+          <p:spPr>
+            <a:xfrm>
+              <a:off x="172353" y="108488"/>
+              <a:ext cx="7007381" cy="1930649"/>
+            </a:xfrm>
+            <a:prstGeom prst="rect">
+              <a:avLst/>
+            </a:prstGeom>
+            <a:noFill/>
+            <a:ln w="38100">
+              <a:solidFill>
+                <a:schemeClr val="tx1"/>
+              </a:solidFill>
+              <a:prstDash val="sysDash"/>
+            </a:ln>
+          </p:spPr>
+          <p:style>
+            <a:lnRef idx="2">
+              <a:schemeClr val="accent1">
+                <a:shade val="50000"/>
+              </a:schemeClr>
+            </a:lnRef>
+            <a:fillRef idx="1">
+              <a:schemeClr val="accent1"/>
+            </a:fillRef>
+            <a:effectRef idx="0">
+              <a:schemeClr val="accent1"/>
+            </a:effectRef>
+            <a:fontRef idx="minor">
+              <a:schemeClr val="lt1"/>
+            </a:fontRef>
+          </p:style>
+          <p:txBody>
+            <a:bodyPr rtlCol="0" anchor="ctr"/>
+            <a:lstStyle/>
+            <a:p>
+              <a:pPr algn="ctr"/>
+              <a:endParaRPr lang="ja-JP" altLang="en-US"/>
+            </a:p>
+          </p:txBody>
+        </p:sp>
+        <p:sp>
+          <p:nvSpPr>
+            <p:cNvPr id="84" name="正方形/長方形 83"/>
+            <p:cNvSpPr/>
+            <p:nvPr/>
+          </p:nvSpPr>
+          <p:spPr>
+            <a:xfrm>
+              <a:off x="172352" y="108488"/>
+              <a:ext cx="2668250" cy="492468"/>
+            </a:xfrm>
+            <a:prstGeom prst="rect">
+              <a:avLst/>
+            </a:prstGeom>
+            <a:noFill/>
+            <a:ln>
+              <a:noFill/>
+            </a:ln>
+          </p:spPr>
+          <p:style>
+            <a:lnRef idx="2">
+              <a:schemeClr val="accent1">
+                <a:shade val="50000"/>
+              </a:schemeClr>
+            </a:lnRef>
+            <a:fillRef idx="1">
+              <a:schemeClr val="accent1"/>
+            </a:fillRef>
+            <a:effectRef idx="0">
+              <a:schemeClr val="accent1"/>
+            </a:effectRef>
+            <a:fontRef idx="minor">
+              <a:schemeClr val="lt1"/>
+            </a:fontRef>
+          </p:style>
+          <p:txBody>
+            <a:bodyPr rtlCol="0" anchor="ctr"/>
+            <a:lstStyle/>
+            <a:p>
+              <a:pPr algn="ctr"/>
+              <a:r>
+                <a:rPr lang="en-US" altLang="ja-JP" sz="2800" dirty="0">
+                  <a:solidFill>
+                    <a:schemeClr val="tx1"/>
+                  </a:solidFill>
+                  <a:latin typeface="メイリオ" panose="020B0604030504040204" pitchFamily="50" charset="-128"/>
+                  <a:ea typeface="メイリオ" panose="020B0604030504040204" pitchFamily="50" charset="-128"/>
+                </a:rPr>
+                <a:t>RiteVM_001</a:t>
+              </a:r>
+              <a:endParaRPr lang="ja-JP" altLang="en-US" sz="2800" dirty="0">
+                <a:solidFill>
+                  <a:schemeClr val="tx1"/>
+                </a:solidFill>
+                <a:latin typeface="メイリオ" panose="020B0604030504040204" pitchFamily="50" charset="-128"/>
+                <a:ea typeface="メイリオ" panose="020B0604030504040204" pitchFamily="50" charset="-128"/>
+              </a:endParaRPr>
+            </a:p>
+          </p:txBody>
+        </p:sp>
+        <p:sp>
+          <p:nvSpPr>
+            <p:cNvPr id="88" name="正方形/長方形 87"/>
+            <p:cNvSpPr/>
+            <p:nvPr/>
+          </p:nvSpPr>
+          <p:spPr>
+            <a:xfrm>
+              <a:off x="8040633" y="1638461"/>
+              <a:ext cx="3674211" cy="301124"/>
+            </a:xfrm>
+            <a:prstGeom prst="rect">
+              <a:avLst/>
+            </a:prstGeom>
+          </p:spPr>
+          <p:txBody>
+            <a:bodyPr wrap="none">
+              <a:spAutoFit/>
+            </a:bodyPr>
+            <a:lstStyle/>
+            <a:p>
+              <a:pPr algn="ctr" defTabSz="914342" fontAlgn="base">
+                <a:lnSpc>
+                  <a:spcPct val="90000"/>
+                </a:lnSpc>
+                <a:spcBef>
+                  <a:spcPct val="20000"/>
+                </a:spcBef>
+                <a:spcAft>
+                  <a:spcPct val="0"/>
+                </a:spcAft>
+              </a:pPr>
+              <a:r>
+                <a:rPr lang="en-US" altLang="ja-JP" dirty="0" err="1">
+                  <a:latin typeface="メイリオ" panose="020B0604030504040204" pitchFamily="50" charset="-128"/>
+                  <a:ea typeface="メイリオ" panose="020B0604030504040204" pitchFamily="50" charset="-128"/>
+                  <a:cs typeface="メイリオ" pitchFamily="50" charset="-128"/>
+                </a:rPr>
+                <a:t>memoryPoolSize</a:t>
+              </a:r>
+              <a:r>
+                <a:rPr lang="en-US" altLang="ja-JP" dirty="0">
+                  <a:latin typeface="メイリオ" panose="020B0604030504040204" pitchFamily="50" charset="-128"/>
+                  <a:ea typeface="メイリオ" panose="020B0604030504040204" pitchFamily="50" charset="-128"/>
+                  <a:cs typeface="メイリオ" pitchFamily="50" charset="-128"/>
+                </a:rPr>
+                <a:t> = 1024*1024</a:t>
+              </a:r>
+            </a:p>
+          </p:txBody>
+        </p:sp>
+      </p:grpSp>
+      <p:grpSp>
+        <p:nvGrpSpPr>
+          <p:cNvPr id="3" name="グループ化 2"/>
+          <p:cNvGrpSpPr/>
+          <p:nvPr/>
+        </p:nvGrpSpPr>
+        <p:grpSpPr>
+          <a:xfrm>
+            <a:off x="165136" y="2362758"/>
+            <a:ext cx="11749796" cy="2201494"/>
+            <a:chOff x="165136" y="2653482"/>
+            <a:chExt cx="11749796" cy="1910769"/>
+          </a:xfrm>
+        </p:grpSpPr>
+        <p:sp>
+          <p:nvSpPr>
+            <p:cNvPr id="90" name="正方形/長方形 89"/>
+            <p:cNvSpPr/>
+            <p:nvPr/>
+          </p:nvSpPr>
+          <p:spPr bwMode="auto">
+            <a:xfrm>
+              <a:off x="7977413" y="2776533"/>
+              <a:ext cx="3880099" cy="1718541"/>
+            </a:xfrm>
+            <a:prstGeom prst="rect">
+              <a:avLst/>
+            </a:prstGeom>
+            <a:ln>
+              <a:headEnd type="none" w="med" len="med"/>
+              <a:tailEnd type="triangle" w="med" len="med"/>
+            </a:ln>
+            <a:extLst/>
+          </p:spPr>
+          <p:style>
+            <a:lnRef idx="2">
+              <a:schemeClr val="dk1"/>
+            </a:lnRef>
+            <a:fillRef idx="1">
+              <a:schemeClr val="lt1"/>
+            </a:fillRef>
+            <a:effectRef idx="0">
+              <a:schemeClr val="dk1"/>
+            </a:effectRef>
+            <a:fontRef idx="minor">
+              <a:schemeClr val="dk1"/>
+            </a:fontRef>
+          </p:style>
+          <p:txBody>
+            <a:bodyPr vert="horz" wrap="square" lIns="90000" tIns="46800" rIns="90000" bIns="46800" numCol="1" rtlCol="0" anchor="ctr" anchorCtr="0" compatLnSpc="1">
+              <a:prstTxWarp prst="textNoShape">
+                <a:avLst/>
+              </a:prstTxWarp>
+              <a:noAutofit/>
+            </a:bodyPr>
+            <a:lstStyle/>
+            <a:p>
+              <a:pPr algn="ctr" defTabSz="914342" fontAlgn="base">
+                <a:lnSpc>
+                  <a:spcPct val="90000"/>
+                </a:lnSpc>
+                <a:spcBef>
+                  <a:spcPct val="20000"/>
+                </a:spcBef>
+                <a:spcAft>
+                  <a:spcPct val="0"/>
+                </a:spcAft>
+              </a:pPr>
+              <a:r>
+                <a:rPr lang="en-US" altLang="ja-JP" sz="2400" dirty="0" err="1">
+                  <a:solidFill>
+                    <a:schemeClr val="tx1"/>
+                  </a:solidFill>
+                  <a:latin typeface="メイリオ" panose="020B0604030504040204" pitchFamily="50" charset="-128"/>
+                  <a:ea typeface="メイリオ" panose="020B0604030504040204" pitchFamily="50" charset="-128"/>
+                  <a:cs typeface="メイリオ" pitchFamily="50" charset="-128"/>
+                </a:rPr>
+                <a:t>tTLSFMalloc</a:t>
+              </a:r>
+              <a:endParaRPr lang="en-US" altLang="ja-JP" sz="2400" dirty="0">
                 <a:solidFill>
                   <a:schemeClr val="tx1"/>
                 </a:solidFill>
                 <a:latin typeface="メイリオ" panose="020B0604030504040204" pitchFamily="50" charset="-128"/>
                 <a:ea typeface="メイリオ" panose="020B0604030504040204" pitchFamily="50" charset="-128"/>
                 <a:cs typeface="メイリオ" pitchFamily="50" charset="-128"/>
-              </a:rPr>
-              <a:t>TLSFMalloc_001</a:t>
-            </a:r>
-          </a:p>
-        </p:txBody>
-      </p:sp>
-      <p:sp>
-        <p:nvSpPr>
-          <p:cNvPr id="30" name="正方形/長方形 29"/>
-          <p:cNvSpPr/>
-          <p:nvPr/>
-        </p:nvSpPr>
-        <p:spPr bwMode="auto">
-          <a:xfrm>
-            <a:off x="4169731" y="1281290"/>
-            <a:ext cx="2750357" cy="1253065"/>
-          </a:xfrm>
-          <a:prstGeom prst="rect">
-            <a:avLst/>
-          </a:prstGeom>
-          <a:ln>
-            <a:headEnd type="none" w="med" len="med"/>
-            <a:tailEnd type="triangle" w="med" len="med"/>
-          </a:ln>
-          <a:extLst/>
-        </p:spPr>
-        <p:style>
-          <a:lnRef idx="2">
-            <a:schemeClr val="dk1"/>
-          </a:lnRef>
-          <a:fillRef idx="1">
-            <a:schemeClr val="lt1"/>
-          </a:fillRef>
-          <a:effectRef idx="0">
-            <a:schemeClr val="dk1"/>
-          </a:effectRef>
-          <a:fontRef idx="minor">
-            <a:schemeClr val="dk1"/>
-          </a:fontRef>
-        </p:style>
-        <p:txBody>
-          <a:bodyPr vert="horz" wrap="square" lIns="90000" tIns="46800" rIns="90000" bIns="46800" numCol="1" rtlCol="0" anchor="ctr" anchorCtr="0" compatLnSpc="1">
-            <a:prstTxWarp prst="textNoShape">
+              </a:endParaRPr>
+            </a:p>
+            <a:p>
+              <a:pPr algn="ctr" defTabSz="914342" fontAlgn="base">
+                <a:lnSpc>
+                  <a:spcPct val="90000"/>
+                </a:lnSpc>
+                <a:spcBef>
+                  <a:spcPct val="20000"/>
+                </a:spcBef>
+                <a:spcAft>
+                  <a:spcPct val="0"/>
+                </a:spcAft>
+              </a:pPr>
+              <a:r>
+                <a:rPr lang="en-US" altLang="ja-JP" sz="2400" dirty="0">
+                  <a:solidFill>
+                    <a:schemeClr val="tx1"/>
+                  </a:solidFill>
+                  <a:latin typeface="メイリオ" panose="020B0604030504040204" pitchFamily="50" charset="-128"/>
+                  <a:ea typeface="メイリオ" panose="020B0604030504040204" pitchFamily="50" charset="-128"/>
+                  <a:cs typeface="メイリオ" pitchFamily="50" charset="-128"/>
+                </a:rPr>
+                <a:t>TLSFMalloc_002</a:t>
+              </a:r>
+            </a:p>
+          </p:txBody>
+        </p:sp>
+        <p:sp>
+          <p:nvSpPr>
+            <p:cNvPr id="69" name="正方形/長方形 68"/>
+            <p:cNvSpPr/>
+            <p:nvPr/>
+          </p:nvSpPr>
+          <p:spPr bwMode="auto">
+            <a:xfrm>
+              <a:off x="4167955" y="3190106"/>
+              <a:ext cx="2750357" cy="891393"/>
+            </a:xfrm>
+            <a:prstGeom prst="rect">
               <a:avLst/>
-            </a:prstTxWarp>
-            <a:noAutofit/>
-          </a:bodyPr>
-          <a:lstStyle/>
-          <a:p>
-            <a:pPr algn="ctr" defTabSz="914342" fontAlgn="base">
-              <a:lnSpc>
-                <a:spcPct val="90000"/>
-              </a:lnSpc>
-              <a:spcBef>
-                <a:spcPct val="20000"/>
-              </a:spcBef>
-              <a:spcAft>
-                <a:spcPct val="0"/>
-              </a:spcAft>
-            </a:pPr>
-            <a:r>
-              <a:rPr lang="en-US" altLang="ja-JP" sz="2400" dirty="0" smtClean="0">
+            </a:prstGeom>
+            <a:ln>
+              <a:headEnd type="none" w="med" len="med"/>
+              <a:tailEnd type="triangle" w="med" len="med"/>
+            </a:ln>
+            <a:extLst/>
+          </p:spPr>
+          <p:style>
+            <a:lnRef idx="2">
+              <a:schemeClr val="dk1"/>
+            </a:lnRef>
+            <a:fillRef idx="1">
+              <a:schemeClr val="lt1"/>
+            </a:fillRef>
+            <a:effectRef idx="0">
+              <a:schemeClr val="dk1"/>
+            </a:effectRef>
+            <a:fontRef idx="minor">
+              <a:schemeClr val="dk1"/>
+            </a:fontRef>
+          </p:style>
+          <p:txBody>
+            <a:bodyPr vert="horz" wrap="square" lIns="90000" tIns="46800" rIns="90000" bIns="46800" numCol="1" rtlCol="0" anchor="ctr" anchorCtr="0" compatLnSpc="1">
+              <a:prstTxWarp prst="textNoShape">
+                <a:avLst/>
+              </a:prstTxWarp>
+              <a:noAutofit/>
+            </a:bodyPr>
+            <a:lstStyle/>
+            <a:p>
+              <a:pPr algn="ctr" defTabSz="914342" fontAlgn="base">
+                <a:lnSpc>
+                  <a:spcPct val="90000"/>
+                </a:lnSpc>
+                <a:spcBef>
+                  <a:spcPct val="20000"/>
+                </a:spcBef>
+                <a:spcAft>
+                  <a:spcPct val="0"/>
+                </a:spcAft>
+              </a:pPr>
+              <a:r>
+                <a:rPr lang="en-US" altLang="ja-JP" sz="2400" dirty="0">
+                  <a:solidFill>
+                    <a:schemeClr val="tx1"/>
+                  </a:solidFill>
+                  <a:latin typeface="メイリオ" panose="020B0604030504040204" pitchFamily="50" charset="-128"/>
+                  <a:ea typeface="メイリオ" panose="020B0604030504040204" pitchFamily="50" charset="-128"/>
+                  <a:cs typeface="メイリオ" pitchFamily="50" charset="-128"/>
+                </a:rPr>
+                <a:t>  </a:t>
+              </a:r>
+              <a:r>
+                <a:rPr lang="en-US" altLang="ja-JP" sz="2400" dirty="0" err="1">
+                  <a:solidFill>
+                    <a:schemeClr val="tx1"/>
+                  </a:solidFill>
+                  <a:latin typeface="メイリオ" panose="020B0604030504040204" pitchFamily="50" charset="-128"/>
+                  <a:ea typeface="メイリオ" panose="020B0604030504040204" pitchFamily="50" charset="-128"/>
+                  <a:cs typeface="メイリオ" pitchFamily="50" charset="-128"/>
+                </a:rPr>
+                <a:t>tMrubyVM</a:t>
+              </a:r>
+              <a:endParaRPr lang="en-US" altLang="ja-JP" sz="2400" dirty="0">
                 <a:solidFill>
                   <a:schemeClr val="tx1"/>
                 </a:solidFill>
                 <a:latin typeface="メイリオ" panose="020B0604030504040204" pitchFamily="50" charset="-128"/>
                 <a:ea typeface="メイリオ" panose="020B0604030504040204" pitchFamily="50" charset="-128"/>
                 <a:cs typeface="メイリオ" pitchFamily="50" charset="-128"/>
-              </a:rPr>
-              <a:t>  </a:t>
-            </a:r>
-            <a:r>
-              <a:rPr lang="en-US" altLang="ja-JP" sz="2400" dirty="0" err="1" smtClean="0">
+              </a:endParaRPr>
+            </a:p>
+            <a:p>
+              <a:pPr algn="ctr" defTabSz="914342" fontAlgn="base">
+                <a:lnSpc>
+                  <a:spcPct val="90000"/>
+                </a:lnSpc>
+                <a:spcBef>
+                  <a:spcPct val="20000"/>
+                </a:spcBef>
+                <a:spcAft>
+                  <a:spcPct val="0"/>
+                </a:spcAft>
+              </a:pPr>
+              <a:r>
+                <a:rPr lang="en-US" altLang="ja-JP" sz="2400" dirty="0">
+                  <a:solidFill>
+                    <a:schemeClr val="tx1"/>
+                  </a:solidFill>
+                  <a:latin typeface="メイリオ" panose="020B0604030504040204" pitchFamily="50" charset="-128"/>
+                  <a:ea typeface="メイリオ" panose="020B0604030504040204" pitchFamily="50" charset="-128"/>
+                  <a:cs typeface="メイリオ" pitchFamily="50" charset="-128"/>
+                </a:rPr>
+                <a:t>MrubyVM_002</a:t>
+              </a:r>
+            </a:p>
+          </p:txBody>
+        </p:sp>
+        <p:sp>
+          <p:nvSpPr>
+            <p:cNvPr id="70" name="二等辺三角形 69"/>
+            <p:cNvSpPr/>
+            <p:nvPr/>
+          </p:nvSpPr>
+          <p:spPr bwMode="auto">
+            <a:xfrm rot="5400000" flipH="1">
+              <a:off x="7987940" y="3488067"/>
+              <a:ext cx="277626" cy="298683"/>
+            </a:xfrm>
+            <a:prstGeom prst="triangle">
+              <a:avLst/>
+            </a:prstGeom>
+            <a:solidFill>
+              <a:schemeClr val="tx1"/>
+            </a:solidFill>
+            <a:ln w="9525" cap="flat" cmpd="sng" algn="ctr">
+              <a:solidFill>
+                <a:schemeClr val="tx1"/>
+              </a:solidFill>
+              <a:prstDash val="solid"/>
+              <a:round/>
+              <a:headEnd type="none" w="med" len="med"/>
+              <a:tailEnd type="triangle" w="med" len="med"/>
+            </a:ln>
+            <a:effectLst/>
+            <a:extLst/>
+          </p:spPr>
+          <p:txBody>
+            <a:bodyPr vert="horz" wrap="square" lIns="90000" tIns="46800" rIns="90000" bIns="46800" numCol="1" rtlCol="0" anchor="t" anchorCtr="0" compatLnSpc="1">
+              <a:prstTxWarp prst="textNoShape">
+                <a:avLst/>
+              </a:prstTxWarp>
+              <a:spAutoFit/>
+            </a:bodyPr>
+            <a:lstStyle/>
+            <a:p>
+              <a:pPr defTabSz="914342" fontAlgn="base">
+                <a:lnSpc>
+                  <a:spcPct val="90000"/>
+                </a:lnSpc>
+                <a:spcBef>
+                  <a:spcPct val="20000"/>
+                </a:spcBef>
+                <a:spcAft>
+                  <a:spcPct val="0"/>
+                </a:spcAft>
+              </a:pPr>
+              <a:endParaRPr lang="ja-JP" altLang="en-US">
+                <a:latin typeface="Times New Roman" pitchFamily="18" charset="0"/>
+                <a:ea typeface="メイリオ" pitchFamily="50" charset="-128"/>
+                <a:cs typeface="メイリオ" pitchFamily="50" charset="-128"/>
+              </a:endParaRPr>
+            </a:p>
+          </p:txBody>
+        </p:sp>
+        <p:cxnSp>
+          <p:nvCxnSpPr>
+            <p:cNvPr id="71" name="直線コネクタ 70"/>
+            <p:cNvCxnSpPr>
+              <a:stCxn id="90" idx="1"/>
+              <a:endCxn id="69" idx="3"/>
+            </p:cNvCxnSpPr>
+            <p:nvPr/>
+          </p:nvCxnSpPr>
+          <p:spPr bwMode="auto">
+            <a:xfrm flipH="1" flipV="1">
+              <a:off x="6918312" y="3635803"/>
+              <a:ext cx="1059101" cy="1"/>
+            </a:xfrm>
+            <a:prstGeom prst="line">
+              <a:avLst/>
+            </a:prstGeom>
+            <a:solidFill>
+              <a:schemeClr val="accent1"/>
+            </a:solidFill>
+            <a:ln w="9525" cap="flat" cmpd="sng" algn="ctr">
+              <a:solidFill>
+                <a:schemeClr val="tx1"/>
+              </a:solidFill>
+              <a:prstDash val="solid"/>
+              <a:round/>
+              <a:headEnd type="none" w="med" len="med"/>
+              <a:tailEnd type="none" w="med" len="med"/>
+            </a:ln>
+            <a:effectLst/>
+            <a:extLst>
+              <a:ext uri="{AF507438-7753-43E0-B8FC-AC1667EBCBE1}">
+                <a14:hiddenEffects xmlns:a14="http://schemas.microsoft.com/office/drawing/2010/main">
+                  <a:effectLst>
+                    <a:outerShdw dist="35921" dir="2700000" algn="ctr" rotWithShape="0">
+                      <a:schemeClr val="bg2"/>
+                    </a:outerShdw>
+                  </a:effectLst>
+                </a14:hiddenEffects>
+              </a:ext>
+            </a:extLst>
+          </p:spPr>
+        </p:cxnSp>
+        <p:sp>
+          <p:nvSpPr>
+            <p:cNvPr id="72" name="正方形/長方形 71"/>
+            <p:cNvSpPr/>
+            <p:nvPr/>
+          </p:nvSpPr>
+          <p:spPr bwMode="auto">
+            <a:xfrm>
+              <a:off x="282223" y="3190105"/>
+              <a:ext cx="2573866" cy="891393"/>
+            </a:xfrm>
+            <a:prstGeom prst="rect">
+              <a:avLst/>
+            </a:prstGeom>
+            <a:ln>
+              <a:headEnd type="none" w="med" len="med"/>
+              <a:tailEnd type="triangle" w="med" len="med"/>
+            </a:ln>
+            <a:extLst/>
+          </p:spPr>
+          <p:style>
+            <a:lnRef idx="2">
+              <a:schemeClr val="dk1"/>
+            </a:lnRef>
+            <a:fillRef idx="1">
+              <a:schemeClr val="lt1"/>
+            </a:fillRef>
+            <a:effectRef idx="0">
+              <a:schemeClr val="dk1"/>
+            </a:effectRef>
+            <a:fontRef idx="minor">
+              <a:schemeClr val="dk1"/>
+            </a:fontRef>
+          </p:style>
+          <p:txBody>
+            <a:bodyPr vert="horz" wrap="square" lIns="90000" tIns="46800" rIns="90000" bIns="46800" numCol="1" rtlCol="0" anchor="ctr" anchorCtr="0" compatLnSpc="1">
+              <a:prstTxWarp prst="textNoShape">
+                <a:avLst/>
+              </a:prstTxWarp>
+              <a:noAutofit/>
+            </a:bodyPr>
+            <a:lstStyle/>
+            <a:p>
+              <a:pPr algn="ctr" defTabSz="914342" fontAlgn="base">
+                <a:lnSpc>
+                  <a:spcPct val="90000"/>
+                </a:lnSpc>
+                <a:spcBef>
+                  <a:spcPct val="20000"/>
+                </a:spcBef>
+                <a:spcAft>
+                  <a:spcPct val="0"/>
+                </a:spcAft>
+              </a:pPr>
+              <a:r>
+                <a:rPr lang="en-US" altLang="ja-JP" sz="2400" dirty="0">
+                  <a:solidFill>
+                    <a:schemeClr val="tx1"/>
+                  </a:solidFill>
+                  <a:latin typeface="メイリオ" panose="020B0604030504040204" pitchFamily="50" charset="-128"/>
+                  <a:ea typeface="メイリオ" panose="020B0604030504040204" pitchFamily="50" charset="-128"/>
+                  <a:cs typeface="メイリオ" pitchFamily="50" charset="-128"/>
+                </a:rPr>
+                <a:t>  </a:t>
+              </a:r>
+              <a:r>
+                <a:rPr lang="en-US" altLang="ja-JP" sz="2400" dirty="0" err="1">
+                  <a:solidFill>
+                    <a:schemeClr val="tx1"/>
+                  </a:solidFill>
+                  <a:latin typeface="メイリオ" panose="020B0604030504040204" pitchFamily="50" charset="-128"/>
+                  <a:ea typeface="メイリオ" panose="020B0604030504040204" pitchFamily="50" charset="-128"/>
+                  <a:cs typeface="メイリオ" pitchFamily="50" charset="-128"/>
+                </a:rPr>
+                <a:t>tTask</a:t>
+              </a:r>
+              <a:endParaRPr lang="en-US" altLang="ja-JP" sz="2400" dirty="0">
                 <a:solidFill>
                   <a:schemeClr val="tx1"/>
                 </a:solidFill>
                 <a:latin typeface="メイリオ" panose="020B0604030504040204" pitchFamily="50" charset="-128"/>
                 <a:ea typeface="メイリオ" panose="020B0604030504040204" pitchFamily="50" charset="-128"/>
                 <a:cs typeface="メイリオ" pitchFamily="50" charset="-128"/>
-              </a:rPr>
-              <a:t>tMrubyVM</a:t>
-            </a:r>
-            <a:endParaRPr lang="en-US" altLang="ja-JP" sz="2400" dirty="0" smtClean="0">
+              </a:endParaRPr>
+            </a:p>
+            <a:p>
+              <a:pPr algn="ctr" defTabSz="914342" fontAlgn="base">
+                <a:lnSpc>
+                  <a:spcPct val="90000"/>
+                </a:lnSpc>
+                <a:spcBef>
+                  <a:spcPct val="20000"/>
+                </a:spcBef>
+                <a:spcAft>
+                  <a:spcPct val="0"/>
+                </a:spcAft>
+              </a:pPr>
+              <a:r>
+                <a:rPr lang="en-US" altLang="ja-JP" sz="2400" dirty="0">
+                  <a:solidFill>
+                    <a:schemeClr val="tx1"/>
+                  </a:solidFill>
+                  <a:latin typeface="メイリオ" panose="020B0604030504040204" pitchFamily="50" charset="-128"/>
+                  <a:ea typeface="メイリオ" panose="020B0604030504040204" pitchFamily="50" charset="-128"/>
+                  <a:cs typeface="メイリオ" pitchFamily="50" charset="-128"/>
+                </a:rPr>
+                <a:t>MrubyTask_002</a:t>
+              </a:r>
+            </a:p>
+          </p:txBody>
+        </p:sp>
+        <p:sp>
+          <p:nvSpPr>
+            <p:cNvPr id="73" name="二等辺三角形 72"/>
+            <p:cNvSpPr/>
+            <p:nvPr/>
+          </p:nvSpPr>
+          <p:spPr bwMode="auto">
+            <a:xfrm rot="5400000" flipH="1">
+              <a:off x="4165295" y="3499645"/>
+              <a:ext cx="277626" cy="272312"/>
+            </a:xfrm>
+            <a:prstGeom prst="triangle">
+              <a:avLst/>
+            </a:prstGeom>
+            <a:solidFill>
+              <a:schemeClr val="tx1"/>
+            </a:solidFill>
+            <a:ln w="9525" cap="flat" cmpd="sng" algn="ctr">
               <a:solidFill>
                 <a:schemeClr val="tx1"/>
               </a:solidFill>
-              <a:latin typeface="メイリオ" panose="020B0604030504040204" pitchFamily="50" charset="-128"/>
-              <a:ea typeface="メイリオ" panose="020B0604030504040204" pitchFamily="50" charset="-128"/>
-              <a:cs typeface="メイリオ" pitchFamily="50" charset="-128"/>
-            </a:endParaRPr>
-          </a:p>
-          <a:p>
-            <a:pPr algn="ctr" defTabSz="914342" fontAlgn="base">
-              <a:lnSpc>
-                <a:spcPct val="90000"/>
-              </a:lnSpc>
-              <a:spcBef>
-                <a:spcPct val="20000"/>
-              </a:spcBef>
-              <a:spcAft>
-                <a:spcPct val="0"/>
-              </a:spcAft>
-            </a:pPr>
-            <a:r>
-              <a:rPr lang="en-US" altLang="ja-JP" sz="2400" dirty="0" smtClean="0">
+              <a:prstDash val="solid"/>
+              <a:round/>
+              <a:headEnd type="none" w="med" len="med"/>
+              <a:tailEnd type="triangle" w="med" len="med"/>
+            </a:ln>
+            <a:effectLst/>
+            <a:extLst/>
+          </p:spPr>
+          <p:txBody>
+            <a:bodyPr vert="horz" wrap="square" lIns="90000" tIns="46800" rIns="90000" bIns="46800" numCol="1" rtlCol="0" anchor="t" anchorCtr="0" compatLnSpc="1">
+              <a:prstTxWarp prst="textNoShape">
+                <a:avLst/>
+              </a:prstTxWarp>
+              <a:spAutoFit/>
+            </a:bodyPr>
+            <a:lstStyle/>
+            <a:p>
+              <a:pPr defTabSz="914342" fontAlgn="base">
+                <a:lnSpc>
+                  <a:spcPct val="90000"/>
+                </a:lnSpc>
+                <a:spcBef>
+                  <a:spcPct val="20000"/>
+                </a:spcBef>
+                <a:spcAft>
+                  <a:spcPct val="0"/>
+                </a:spcAft>
+              </a:pPr>
+              <a:endParaRPr lang="ja-JP" altLang="en-US">
+                <a:latin typeface="Times New Roman" pitchFamily="18" charset="0"/>
+                <a:ea typeface="メイリオ" pitchFamily="50" charset="-128"/>
+                <a:cs typeface="メイリオ" pitchFamily="50" charset="-128"/>
+              </a:endParaRPr>
+            </a:p>
+          </p:txBody>
+        </p:sp>
+        <p:cxnSp>
+          <p:nvCxnSpPr>
+            <p:cNvPr id="74" name="直線コネクタ 73"/>
+            <p:cNvCxnSpPr>
+              <a:stCxn id="69" idx="1"/>
+              <a:endCxn id="72" idx="3"/>
+            </p:cNvCxnSpPr>
+            <p:nvPr/>
+          </p:nvCxnSpPr>
+          <p:spPr bwMode="auto">
+            <a:xfrm flipH="1" flipV="1">
+              <a:off x="2856090" y="3635801"/>
+              <a:ext cx="1311865" cy="1"/>
+            </a:xfrm>
+            <a:prstGeom prst="line">
+              <a:avLst/>
+            </a:prstGeom>
+            <a:solidFill>
+              <a:schemeClr val="accent1"/>
+            </a:solidFill>
+            <a:ln w="9525" cap="flat" cmpd="sng" algn="ctr">
+              <a:solidFill>
+                <a:schemeClr val="tx1"/>
+              </a:solidFill>
+              <a:prstDash val="solid"/>
+              <a:round/>
+              <a:headEnd type="none" w="med" len="med"/>
+              <a:tailEnd type="none" w="med" len="med"/>
+            </a:ln>
+            <a:effectLst/>
+            <a:extLst>
+              <a:ext uri="{AF507438-7753-43E0-B8FC-AC1667EBCBE1}">
+                <a14:hiddenEffects xmlns:a14="http://schemas.microsoft.com/office/drawing/2010/main">
+                  <a:effectLst>
+                    <a:outerShdw dist="35921" dir="2700000" algn="ctr" rotWithShape="0">
+                      <a:schemeClr val="bg2"/>
+                    </a:outerShdw>
+                  </a:effectLst>
+                </a14:hiddenEffects>
+              </a:ext>
+            </a:extLst>
+          </p:spPr>
+        </p:cxnSp>
+        <p:sp>
+          <p:nvSpPr>
+            <p:cNvPr id="89" name="正方形/長方形 88"/>
+            <p:cNvSpPr/>
+            <p:nvPr/>
+          </p:nvSpPr>
+          <p:spPr>
+            <a:xfrm>
+              <a:off x="172353" y="2653482"/>
+              <a:ext cx="7007381" cy="1910769"/>
+            </a:xfrm>
+            <a:prstGeom prst="rect">
+              <a:avLst/>
+            </a:prstGeom>
+            <a:noFill/>
+            <a:ln w="38100">
+              <a:solidFill>
+                <a:schemeClr val="tx1"/>
+              </a:solidFill>
+              <a:prstDash val="sysDash"/>
+            </a:ln>
+          </p:spPr>
+          <p:style>
+            <a:lnRef idx="2">
+              <a:schemeClr val="accent1">
+                <a:shade val="50000"/>
+              </a:schemeClr>
+            </a:lnRef>
+            <a:fillRef idx="1">
+              <a:schemeClr val="accent1"/>
+            </a:fillRef>
+            <a:effectRef idx="0">
+              <a:schemeClr val="accent1"/>
+            </a:effectRef>
+            <a:fontRef idx="minor">
+              <a:schemeClr val="lt1"/>
+            </a:fontRef>
+          </p:style>
+          <p:txBody>
+            <a:bodyPr rtlCol="0" anchor="ctr"/>
+            <a:lstStyle/>
+            <a:p>
+              <a:pPr algn="ctr"/>
+              <a:endParaRPr lang="ja-JP" altLang="en-US"/>
+            </a:p>
+          </p:txBody>
+        </p:sp>
+        <p:sp>
+          <p:nvSpPr>
+            <p:cNvPr id="91" name="正方形/長方形 90"/>
+            <p:cNvSpPr/>
+            <p:nvPr/>
+          </p:nvSpPr>
+          <p:spPr>
+            <a:xfrm>
+              <a:off x="7955387" y="4185215"/>
+              <a:ext cx="3959545" cy="301124"/>
+            </a:xfrm>
+            <a:prstGeom prst="rect">
+              <a:avLst/>
+            </a:prstGeom>
+          </p:spPr>
+          <p:txBody>
+            <a:bodyPr wrap="none">
+              <a:spAutoFit/>
+            </a:bodyPr>
+            <a:lstStyle/>
+            <a:p>
+              <a:pPr algn="ctr" defTabSz="914342" fontAlgn="base">
+                <a:lnSpc>
+                  <a:spcPct val="90000"/>
+                </a:lnSpc>
+                <a:spcBef>
+                  <a:spcPct val="20000"/>
+                </a:spcBef>
+                <a:spcAft>
+                  <a:spcPct val="0"/>
+                </a:spcAft>
+              </a:pPr>
+              <a:r>
+                <a:rPr lang="en-US" altLang="ja-JP" dirty="0" err="1">
+                  <a:latin typeface="メイリオ" panose="020B0604030504040204" pitchFamily="50" charset="-128"/>
+                  <a:ea typeface="メイリオ" panose="020B0604030504040204" pitchFamily="50" charset="-128"/>
+                  <a:cs typeface="メイリオ" pitchFamily="50" charset="-128"/>
+                </a:rPr>
+                <a:t>memoryPoolSize</a:t>
+              </a:r>
+              <a:r>
+                <a:rPr lang="en-US" altLang="ja-JP" dirty="0">
+                  <a:latin typeface="メイリオ" panose="020B0604030504040204" pitchFamily="50" charset="-128"/>
+                  <a:ea typeface="メイリオ" panose="020B0604030504040204" pitchFamily="50" charset="-128"/>
+                  <a:cs typeface="メイリオ" pitchFamily="50" charset="-128"/>
+                </a:rPr>
+                <a:t> = 2*1024*1024</a:t>
+              </a:r>
+            </a:p>
+          </p:txBody>
+        </p:sp>
+        <p:sp>
+          <p:nvSpPr>
+            <p:cNvPr id="100" name="正方形/長方形 99"/>
+            <p:cNvSpPr/>
+            <p:nvPr/>
+          </p:nvSpPr>
+          <p:spPr>
+            <a:xfrm>
+              <a:off x="165136" y="2694124"/>
+              <a:ext cx="2668250" cy="492468"/>
+            </a:xfrm>
+            <a:prstGeom prst="rect">
+              <a:avLst/>
+            </a:prstGeom>
+            <a:noFill/>
+            <a:ln>
+              <a:noFill/>
+            </a:ln>
+          </p:spPr>
+          <p:style>
+            <a:lnRef idx="2">
+              <a:schemeClr val="accent1">
+                <a:shade val="50000"/>
+              </a:schemeClr>
+            </a:lnRef>
+            <a:fillRef idx="1">
+              <a:schemeClr val="accent1"/>
+            </a:fillRef>
+            <a:effectRef idx="0">
+              <a:schemeClr val="accent1"/>
+            </a:effectRef>
+            <a:fontRef idx="minor">
+              <a:schemeClr val="lt1"/>
+            </a:fontRef>
+          </p:style>
+          <p:txBody>
+            <a:bodyPr rtlCol="0" anchor="ctr"/>
+            <a:lstStyle/>
+            <a:p>
+              <a:pPr algn="ctr"/>
+              <a:r>
+                <a:rPr lang="en-US" altLang="ja-JP" sz="2800" dirty="0">
+                  <a:solidFill>
+                    <a:schemeClr val="tx1"/>
+                  </a:solidFill>
+                  <a:latin typeface="メイリオ" panose="020B0604030504040204" pitchFamily="50" charset="-128"/>
+                  <a:ea typeface="メイリオ" panose="020B0604030504040204" pitchFamily="50" charset="-128"/>
+                </a:rPr>
+                <a:t>RiteVM_002</a:t>
+              </a:r>
+              <a:endParaRPr lang="ja-JP" altLang="en-US" sz="2800" dirty="0">
                 <a:solidFill>
                   <a:schemeClr val="tx1"/>
                 </a:solidFill>
                 <a:latin typeface="メイリオ" panose="020B0604030504040204" pitchFamily="50" charset="-128"/>
                 <a:ea typeface="メイリオ" panose="020B0604030504040204" pitchFamily="50" charset="-128"/>
-                <a:cs typeface="メイリオ" pitchFamily="50" charset="-128"/>
-              </a:rPr>
-              <a:t>MrubyVM_001</a:t>
-            </a:r>
-            <a:endParaRPr lang="en-US" altLang="ja-JP" sz="2400" dirty="0">
-              <a:solidFill>
-                <a:schemeClr val="tx1"/>
-              </a:solidFill>
-              <a:latin typeface="メイリオ" panose="020B0604030504040204" pitchFamily="50" charset="-128"/>
-              <a:ea typeface="メイリオ" panose="020B0604030504040204" pitchFamily="50" charset="-128"/>
-              <a:cs typeface="メイリオ" pitchFamily="50" charset="-128"/>
-            </a:endParaRPr>
-          </a:p>
-        </p:txBody>
-      </p:sp>
-      <p:sp>
-        <p:nvSpPr>
-          <p:cNvPr id="31" name="二等辺三角形 30"/>
-          <p:cNvSpPr/>
-          <p:nvPr/>
-        </p:nvSpPr>
-        <p:spPr bwMode="auto">
-          <a:xfrm rot="5400000" flipH="1">
-            <a:off x="7910149" y="1803763"/>
-            <a:ext cx="390269" cy="255740"/>
-          </a:xfrm>
-          <a:prstGeom prst="triangle">
-            <a:avLst/>
-          </a:prstGeom>
-          <a:solidFill>
-            <a:schemeClr val="tx1"/>
-          </a:solidFill>
-          <a:ln w="9525" cap="flat" cmpd="sng" algn="ctr">
-            <a:solidFill>
-              <a:schemeClr val="tx1"/>
-            </a:solidFill>
-            <a:prstDash val="solid"/>
-            <a:round/>
-            <a:headEnd type="none" w="med" len="med"/>
-            <a:tailEnd type="triangle" w="med" len="med"/>
-          </a:ln>
-          <a:effectLst/>
-          <a:extLst/>
-        </p:spPr>
-        <p:txBody>
-          <a:bodyPr vert="horz" wrap="square" lIns="90000" tIns="46800" rIns="90000" bIns="46800" numCol="1" rtlCol="0" anchor="t" anchorCtr="0" compatLnSpc="1">
-            <a:prstTxWarp prst="textNoShape">
-              <a:avLst/>
-            </a:prstTxWarp>
-            <a:spAutoFit/>
-          </a:bodyPr>
-          <a:lstStyle/>
-          <a:p>
-            <a:pPr defTabSz="914342" fontAlgn="base">
-              <a:lnSpc>
-                <a:spcPct val="90000"/>
-              </a:lnSpc>
-              <a:spcBef>
-                <a:spcPct val="20000"/>
-              </a:spcBef>
-              <a:spcAft>
-                <a:spcPct val="0"/>
-              </a:spcAft>
-            </a:pPr>
-            <a:endParaRPr lang="ja-JP" altLang="en-US">
-              <a:latin typeface="Times New Roman" pitchFamily="18" charset="0"/>
-              <a:ea typeface="メイリオ" pitchFamily="50" charset="-128"/>
-              <a:cs typeface="メイリオ" pitchFamily="50" charset="-128"/>
-            </a:endParaRPr>
-          </a:p>
-        </p:txBody>
-      </p:sp>
-      <p:cxnSp>
-        <p:nvCxnSpPr>
-          <p:cNvPr id="33" name="直線コネクタ 32"/>
-          <p:cNvCxnSpPr>
-            <a:stCxn id="29" idx="1"/>
-            <a:endCxn id="30" idx="3"/>
-          </p:cNvCxnSpPr>
-          <p:nvPr/>
-        </p:nvCxnSpPr>
-        <p:spPr bwMode="auto">
-          <a:xfrm flipH="1" flipV="1">
-            <a:off x="6920088" y="1907823"/>
-            <a:ext cx="1057326" cy="1"/>
-          </a:xfrm>
-          <a:prstGeom prst="line">
-            <a:avLst/>
-          </a:prstGeom>
-          <a:solidFill>
-            <a:schemeClr val="accent1"/>
-          </a:solidFill>
-          <a:ln w="9525" cap="flat" cmpd="sng" algn="ctr">
-            <a:solidFill>
-              <a:schemeClr val="tx1"/>
-            </a:solidFill>
-            <a:prstDash val="solid"/>
-            <a:round/>
-            <a:headEnd type="none" w="med" len="med"/>
-            <a:tailEnd type="none" w="med" len="med"/>
-          </a:ln>
-          <a:effectLst/>
-          <a:extLst>
-            <a:ext uri="{AF507438-7753-43E0-B8FC-AC1667EBCBE1}">
-              <a14:hiddenEffects xmlns:a14="http://schemas.microsoft.com/office/drawing/2010/main">
-                <a:effectLst>
-                  <a:outerShdw dist="35921" dir="2700000" algn="ctr" rotWithShape="0">
-                    <a:schemeClr val="bg2"/>
-                  </a:outerShdw>
-                </a:effectLst>
-              </a14:hiddenEffects>
-            </a:ext>
-          </a:extLst>
-        </p:spPr>
-      </p:cxnSp>
-      <p:sp>
-        <p:nvSpPr>
-          <p:cNvPr id="62" name="正方形/長方形 61"/>
-          <p:cNvSpPr/>
-          <p:nvPr/>
-        </p:nvSpPr>
-        <p:spPr bwMode="auto">
-          <a:xfrm>
-            <a:off x="282223" y="1281289"/>
-            <a:ext cx="2573866" cy="1253065"/>
-          </a:xfrm>
-          <a:prstGeom prst="rect">
-            <a:avLst/>
-          </a:prstGeom>
-          <a:ln>
-            <a:headEnd type="none" w="med" len="med"/>
-            <a:tailEnd type="triangle" w="med" len="med"/>
-          </a:ln>
-          <a:extLst/>
-        </p:spPr>
-        <p:style>
-          <a:lnRef idx="2">
-            <a:schemeClr val="dk1"/>
-          </a:lnRef>
-          <a:fillRef idx="1">
-            <a:schemeClr val="lt1"/>
-          </a:fillRef>
-          <a:effectRef idx="0">
-            <a:schemeClr val="dk1"/>
-          </a:effectRef>
-          <a:fontRef idx="minor">
-            <a:schemeClr val="dk1"/>
-          </a:fontRef>
-        </p:style>
-        <p:txBody>
-          <a:bodyPr vert="horz" wrap="square" lIns="90000" tIns="46800" rIns="90000" bIns="46800" numCol="1" rtlCol="0" anchor="ctr" anchorCtr="0" compatLnSpc="1">
-            <a:prstTxWarp prst="textNoShape">
-              <a:avLst/>
-            </a:prstTxWarp>
-            <a:noAutofit/>
-          </a:bodyPr>
-          <a:lstStyle/>
-          <a:p>
-            <a:pPr algn="ctr" defTabSz="914342" fontAlgn="base">
-              <a:lnSpc>
-                <a:spcPct val="90000"/>
-              </a:lnSpc>
-              <a:spcBef>
-                <a:spcPct val="20000"/>
-              </a:spcBef>
-              <a:spcAft>
-                <a:spcPct val="0"/>
-              </a:spcAft>
-            </a:pPr>
-            <a:r>
-              <a:rPr lang="en-US" altLang="ja-JP" sz="2400" dirty="0" smtClean="0">
-                <a:solidFill>
-                  <a:schemeClr val="tx1"/>
-                </a:solidFill>
-                <a:latin typeface="メイリオ" panose="020B0604030504040204" pitchFamily="50" charset="-128"/>
-                <a:ea typeface="メイリオ" panose="020B0604030504040204" pitchFamily="50" charset="-128"/>
-                <a:cs typeface="メイリオ" pitchFamily="50" charset="-128"/>
-              </a:rPr>
-              <a:t>  </a:t>
-            </a:r>
-            <a:r>
-              <a:rPr lang="en-US" altLang="ja-JP" sz="2400" dirty="0" err="1" smtClean="0">
-                <a:solidFill>
-                  <a:schemeClr val="tx1"/>
-                </a:solidFill>
-                <a:latin typeface="メイリオ" panose="020B0604030504040204" pitchFamily="50" charset="-128"/>
-                <a:ea typeface="メイリオ" panose="020B0604030504040204" pitchFamily="50" charset="-128"/>
-                <a:cs typeface="メイリオ" pitchFamily="50" charset="-128"/>
-              </a:rPr>
-              <a:t>tTask</a:t>
-            </a:r>
-            <a:endParaRPr lang="en-US" altLang="ja-JP" sz="2400" dirty="0" smtClean="0">
-              <a:solidFill>
-                <a:schemeClr val="tx1"/>
-              </a:solidFill>
-              <a:latin typeface="メイリオ" panose="020B0604030504040204" pitchFamily="50" charset="-128"/>
-              <a:ea typeface="メイリオ" panose="020B0604030504040204" pitchFamily="50" charset="-128"/>
-              <a:cs typeface="メイリオ" pitchFamily="50" charset="-128"/>
-            </a:endParaRPr>
-          </a:p>
-          <a:p>
-            <a:pPr algn="ctr" defTabSz="914342" fontAlgn="base">
-              <a:lnSpc>
-                <a:spcPct val="90000"/>
-              </a:lnSpc>
-              <a:spcBef>
-                <a:spcPct val="20000"/>
-              </a:spcBef>
-              <a:spcAft>
-                <a:spcPct val="0"/>
-              </a:spcAft>
-            </a:pPr>
-            <a:r>
-              <a:rPr lang="en-US" altLang="ja-JP" sz="2400" dirty="0" smtClean="0">
-                <a:solidFill>
-                  <a:schemeClr val="tx1"/>
-                </a:solidFill>
-                <a:latin typeface="メイリオ" panose="020B0604030504040204" pitchFamily="50" charset="-128"/>
-                <a:ea typeface="メイリオ" panose="020B0604030504040204" pitchFamily="50" charset="-128"/>
-                <a:cs typeface="メイリオ" pitchFamily="50" charset="-128"/>
-              </a:rPr>
-              <a:t>MrubyTask_001</a:t>
-            </a:r>
-            <a:endParaRPr lang="en-US" altLang="ja-JP" sz="2400" dirty="0">
-              <a:solidFill>
-                <a:schemeClr val="tx1"/>
-              </a:solidFill>
-              <a:latin typeface="メイリオ" panose="020B0604030504040204" pitchFamily="50" charset="-128"/>
-              <a:ea typeface="メイリオ" panose="020B0604030504040204" pitchFamily="50" charset="-128"/>
-              <a:cs typeface="メイリオ" pitchFamily="50" charset="-128"/>
-            </a:endParaRPr>
-          </a:p>
-        </p:txBody>
-      </p:sp>
-      <p:sp>
-        <p:nvSpPr>
-          <p:cNvPr id="63" name="二等辺三角形 62"/>
-          <p:cNvSpPr/>
-          <p:nvPr/>
-        </p:nvSpPr>
-        <p:spPr bwMode="auto">
-          <a:xfrm rot="5400000" flipH="1">
-            <a:off x="4107959" y="1779950"/>
-            <a:ext cx="390269" cy="255740"/>
-          </a:xfrm>
-          <a:prstGeom prst="triangle">
-            <a:avLst/>
-          </a:prstGeom>
-          <a:solidFill>
-            <a:schemeClr val="tx1"/>
-          </a:solidFill>
-          <a:ln w="9525" cap="flat" cmpd="sng" algn="ctr">
-            <a:solidFill>
-              <a:schemeClr val="tx1"/>
-            </a:solidFill>
-            <a:prstDash val="solid"/>
-            <a:round/>
-            <a:headEnd type="none" w="med" len="med"/>
-            <a:tailEnd type="triangle" w="med" len="med"/>
-          </a:ln>
-          <a:effectLst/>
-          <a:extLst/>
-        </p:spPr>
-        <p:txBody>
-          <a:bodyPr vert="horz" wrap="square" lIns="90000" tIns="46800" rIns="90000" bIns="46800" numCol="1" rtlCol="0" anchor="t" anchorCtr="0" compatLnSpc="1">
-            <a:prstTxWarp prst="textNoShape">
-              <a:avLst/>
-            </a:prstTxWarp>
-            <a:spAutoFit/>
-          </a:bodyPr>
-          <a:lstStyle/>
-          <a:p>
-            <a:pPr defTabSz="914342" fontAlgn="base">
-              <a:lnSpc>
-                <a:spcPct val="90000"/>
-              </a:lnSpc>
-              <a:spcBef>
-                <a:spcPct val="20000"/>
-              </a:spcBef>
-              <a:spcAft>
-                <a:spcPct val="0"/>
-              </a:spcAft>
-            </a:pPr>
-            <a:endParaRPr lang="ja-JP" altLang="en-US">
-              <a:latin typeface="Times New Roman" pitchFamily="18" charset="0"/>
-              <a:ea typeface="メイリオ" pitchFamily="50" charset="-128"/>
-              <a:cs typeface="メイリオ" pitchFamily="50" charset="-128"/>
-            </a:endParaRPr>
-          </a:p>
-        </p:txBody>
-      </p:sp>
-      <p:cxnSp>
-        <p:nvCxnSpPr>
-          <p:cNvPr id="65" name="直線コネクタ 64"/>
-          <p:cNvCxnSpPr>
-            <a:stCxn id="30" idx="1"/>
-            <a:endCxn id="62" idx="3"/>
-          </p:cNvCxnSpPr>
-          <p:nvPr/>
-        </p:nvCxnSpPr>
-        <p:spPr bwMode="auto">
-          <a:xfrm flipH="1" flipV="1">
-            <a:off x="2856089" y="1907822"/>
-            <a:ext cx="1313642" cy="1"/>
-          </a:xfrm>
-          <a:prstGeom prst="line">
-            <a:avLst/>
-          </a:prstGeom>
-          <a:solidFill>
-            <a:schemeClr val="accent1"/>
-          </a:solidFill>
-          <a:ln w="9525" cap="flat" cmpd="sng" algn="ctr">
-            <a:solidFill>
-              <a:schemeClr val="tx1"/>
-            </a:solidFill>
-            <a:prstDash val="solid"/>
-            <a:round/>
-            <a:headEnd type="none" w="med" len="med"/>
-            <a:tailEnd type="none" w="med" len="med"/>
-          </a:ln>
-          <a:effectLst/>
-          <a:extLst>
-            <a:ext uri="{AF507438-7753-43E0-B8FC-AC1667EBCBE1}">
-              <a14:hiddenEffects xmlns:a14="http://schemas.microsoft.com/office/drawing/2010/main">
-                <a:effectLst>
-                  <a:outerShdw dist="35921" dir="2700000" algn="ctr" rotWithShape="0">
-                    <a:schemeClr val="bg2"/>
-                  </a:outerShdw>
-                </a:effectLst>
-              </a14:hiddenEffects>
-            </a:ext>
-          </a:extLst>
-        </p:spPr>
-      </p:cxnSp>
-      <p:sp>
-        <p:nvSpPr>
-          <p:cNvPr id="69" name="正方形/長方形 68"/>
-          <p:cNvSpPr/>
-          <p:nvPr/>
-        </p:nvSpPr>
-        <p:spPr bwMode="auto">
-          <a:xfrm>
-            <a:off x="4167954" y="4835292"/>
-            <a:ext cx="2750357" cy="1253065"/>
-          </a:xfrm>
-          <a:prstGeom prst="rect">
-            <a:avLst/>
-          </a:prstGeom>
-          <a:ln>
-            <a:headEnd type="none" w="med" len="med"/>
-            <a:tailEnd type="triangle" w="med" len="med"/>
-          </a:ln>
-          <a:extLst/>
-        </p:spPr>
-        <p:style>
-          <a:lnRef idx="2">
-            <a:schemeClr val="dk1"/>
-          </a:lnRef>
-          <a:fillRef idx="1">
-            <a:schemeClr val="lt1"/>
-          </a:fillRef>
-          <a:effectRef idx="0">
-            <a:schemeClr val="dk1"/>
-          </a:effectRef>
-          <a:fontRef idx="minor">
-            <a:schemeClr val="dk1"/>
-          </a:fontRef>
-        </p:style>
-        <p:txBody>
-          <a:bodyPr vert="horz" wrap="square" lIns="90000" tIns="46800" rIns="90000" bIns="46800" numCol="1" rtlCol="0" anchor="ctr" anchorCtr="0" compatLnSpc="1">
-            <a:prstTxWarp prst="textNoShape">
-              <a:avLst/>
-            </a:prstTxWarp>
-            <a:noAutofit/>
-          </a:bodyPr>
-          <a:lstStyle/>
-          <a:p>
-            <a:pPr algn="ctr" defTabSz="914342" fontAlgn="base">
-              <a:lnSpc>
-                <a:spcPct val="90000"/>
-              </a:lnSpc>
-              <a:spcBef>
-                <a:spcPct val="20000"/>
-              </a:spcBef>
-              <a:spcAft>
-                <a:spcPct val="0"/>
-              </a:spcAft>
-            </a:pPr>
-            <a:r>
-              <a:rPr lang="en-US" altLang="ja-JP" sz="2400" dirty="0" smtClean="0">
-                <a:solidFill>
-                  <a:schemeClr val="tx1"/>
-                </a:solidFill>
-                <a:latin typeface="メイリオ" panose="020B0604030504040204" pitchFamily="50" charset="-128"/>
-                <a:ea typeface="メイリオ" panose="020B0604030504040204" pitchFamily="50" charset="-128"/>
-                <a:cs typeface="メイリオ" pitchFamily="50" charset="-128"/>
-              </a:rPr>
-              <a:t>  </a:t>
-            </a:r>
-            <a:r>
-              <a:rPr lang="en-US" altLang="ja-JP" sz="2400" dirty="0" err="1" smtClean="0">
-                <a:solidFill>
-                  <a:schemeClr val="tx1"/>
-                </a:solidFill>
-                <a:latin typeface="メイリオ" panose="020B0604030504040204" pitchFamily="50" charset="-128"/>
-                <a:ea typeface="メイリオ" panose="020B0604030504040204" pitchFamily="50" charset="-128"/>
-                <a:cs typeface="メイリオ" pitchFamily="50" charset="-128"/>
-              </a:rPr>
-              <a:t>tMrubyVM</a:t>
-            </a:r>
-            <a:endParaRPr lang="en-US" altLang="ja-JP" sz="2400" dirty="0" smtClean="0">
-              <a:solidFill>
-                <a:schemeClr val="tx1"/>
-              </a:solidFill>
-              <a:latin typeface="メイリオ" panose="020B0604030504040204" pitchFamily="50" charset="-128"/>
-              <a:ea typeface="メイリオ" panose="020B0604030504040204" pitchFamily="50" charset="-128"/>
-              <a:cs typeface="メイリオ" pitchFamily="50" charset="-128"/>
-            </a:endParaRPr>
-          </a:p>
-          <a:p>
-            <a:pPr algn="ctr" defTabSz="914342" fontAlgn="base">
-              <a:lnSpc>
-                <a:spcPct val="90000"/>
-              </a:lnSpc>
-              <a:spcBef>
-                <a:spcPct val="20000"/>
-              </a:spcBef>
-              <a:spcAft>
-                <a:spcPct val="0"/>
-              </a:spcAft>
-            </a:pPr>
-            <a:r>
-              <a:rPr lang="en-US" altLang="ja-JP" sz="2400" dirty="0" smtClean="0">
-                <a:solidFill>
-                  <a:schemeClr val="tx1"/>
-                </a:solidFill>
-                <a:latin typeface="メイリオ" panose="020B0604030504040204" pitchFamily="50" charset="-128"/>
-                <a:ea typeface="メイリオ" panose="020B0604030504040204" pitchFamily="50" charset="-128"/>
-                <a:cs typeface="メイリオ" pitchFamily="50" charset="-128"/>
-              </a:rPr>
-              <a:t>MrubyVM_002</a:t>
-            </a:r>
-            <a:endParaRPr lang="en-US" altLang="ja-JP" sz="2400" dirty="0">
-              <a:solidFill>
-                <a:schemeClr val="tx1"/>
-              </a:solidFill>
-              <a:latin typeface="メイリオ" panose="020B0604030504040204" pitchFamily="50" charset="-128"/>
-              <a:ea typeface="メイリオ" panose="020B0604030504040204" pitchFamily="50" charset="-128"/>
-              <a:cs typeface="メイリオ" pitchFamily="50" charset="-128"/>
-            </a:endParaRPr>
-          </a:p>
-        </p:txBody>
-      </p:sp>
-      <p:sp>
-        <p:nvSpPr>
-          <p:cNvPr id="70" name="二等辺三角形 69"/>
-          <p:cNvSpPr/>
-          <p:nvPr/>
-        </p:nvSpPr>
-        <p:spPr bwMode="auto">
-          <a:xfrm rot="5400000" flipH="1">
-            <a:off x="7910149" y="5336213"/>
-            <a:ext cx="390269" cy="255740"/>
-          </a:xfrm>
-          <a:prstGeom prst="triangle">
-            <a:avLst/>
-          </a:prstGeom>
-          <a:solidFill>
-            <a:schemeClr val="tx1"/>
-          </a:solidFill>
-          <a:ln w="9525" cap="flat" cmpd="sng" algn="ctr">
-            <a:solidFill>
-              <a:schemeClr val="tx1"/>
-            </a:solidFill>
-            <a:prstDash val="solid"/>
-            <a:round/>
-            <a:headEnd type="none" w="med" len="med"/>
-            <a:tailEnd type="triangle" w="med" len="med"/>
-          </a:ln>
-          <a:effectLst/>
-          <a:extLst/>
-        </p:spPr>
-        <p:txBody>
-          <a:bodyPr vert="horz" wrap="square" lIns="90000" tIns="46800" rIns="90000" bIns="46800" numCol="1" rtlCol="0" anchor="t" anchorCtr="0" compatLnSpc="1">
-            <a:prstTxWarp prst="textNoShape">
-              <a:avLst/>
-            </a:prstTxWarp>
-            <a:spAutoFit/>
-          </a:bodyPr>
-          <a:lstStyle/>
-          <a:p>
-            <a:pPr defTabSz="914342" fontAlgn="base">
-              <a:lnSpc>
-                <a:spcPct val="90000"/>
-              </a:lnSpc>
-              <a:spcBef>
-                <a:spcPct val="20000"/>
-              </a:spcBef>
-              <a:spcAft>
-                <a:spcPct val="0"/>
-              </a:spcAft>
-            </a:pPr>
-            <a:endParaRPr lang="ja-JP" altLang="en-US">
-              <a:latin typeface="Times New Roman" pitchFamily="18" charset="0"/>
-              <a:ea typeface="メイリオ" pitchFamily="50" charset="-128"/>
-              <a:cs typeface="メイリオ" pitchFamily="50" charset="-128"/>
-            </a:endParaRPr>
-          </a:p>
-        </p:txBody>
-      </p:sp>
-      <p:cxnSp>
-        <p:nvCxnSpPr>
-          <p:cNvPr id="71" name="直線コネクタ 70"/>
-          <p:cNvCxnSpPr>
-            <a:stCxn id="90" idx="1"/>
-            <a:endCxn id="69" idx="3"/>
-          </p:cNvCxnSpPr>
-          <p:nvPr/>
-        </p:nvCxnSpPr>
-        <p:spPr bwMode="auto">
-          <a:xfrm flipH="1" flipV="1">
-            <a:off x="6918311" y="5461825"/>
-            <a:ext cx="1059101" cy="1"/>
-          </a:xfrm>
-          <a:prstGeom prst="line">
-            <a:avLst/>
-          </a:prstGeom>
-          <a:solidFill>
-            <a:schemeClr val="accent1"/>
-          </a:solidFill>
-          <a:ln w="9525" cap="flat" cmpd="sng" algn="ctr">
-            <a:solidFill>
-              <a:schemeClr val="tx1"/>
-            </a:solidFill>
-            <a:prstDash val="solid"/>
-            <a:round/>
-            <a:headEnd type="none" w="med" len="med"/>
-            <a:tailEnd type="none" w="med" len="med"/>
-          </a:ln>
-          <a:effectLst/>
-          <a:extLst>
-            <a:ext uri="{AF507438-7753-43E0-B8FC-AC1667EBCBE1}">
-              <a14:hiddenEffects xmlns:a14="http://schemas.microsoft.com/office/drawing/2010/main">
-                <a:effectLst>
-                  <a:outerShdw dist="35921" dir="2700000" algn="ctr" rotWithShape="0">
-                    <a:schemeClr val="bg2"/>
-                  </a:outerShdw>
-                </a:effectLst>
-              </a14:hiddenEffects>
-            </a:ext>
-          </a:extLst>
-        </p:spPr>
-      </p:cxnSp>
-      <p:sp>
-        <p:nvSpPr>
-          <p:cNvPr id="72" name="正方形/長方形 71"/>
-          <p:cNvSpPr/>
-          <p:nvPr/>
-        </p:nvSpPr>
-        <p:spPr bwMode="auto">
-          <a:xfrm>
-            <a:off x="282223" y="4835290"/>
-            <a:ext cx="2573866" cy="1253065"/>
-          </a:xfrm>
-          <a:prstGeom prst="rect">
-            <a:avLst/>
-          </a:prstGeom>
-          <a:ln>
-            <a:headEnd type="none" w="med" len="med"/>
-            <a:tailEnd type="triangle" w="med" len="med"/>
-          </a:ln>
-          <a:extLst/>
-        </p:spPr>
-        <p:style>
-          <a:lnRef idx="2">
-            <a:schemeClr val="dk1"/>
-          </a:lnRef>
-          <a:fillRef idx="1">
-            <a:schemeClr val="lt1"/>
-          </a:fillRef>
-          <a:effectRef idx="0">
-            <a:schemeClr val="dk1"/>
-          </a:effectRef>
-          <a:fontRef idx="minor">
-            <a:schemeClr val="dk1"/>
-          </a:fontRef>
-        </p:style>
-        <p:txBody>
-          <a:bodyPr vert="horz" wrap="square" lIns="90000" tIns="46800" rIns="90000" bIns="46800" numCol="1" rtlCol="0" anchor="ctr" anchorCtr="0" compatLnSpc="1">
-            <a:prstTxWarp prst="textNoShape">
-              <a:avLst/>
-            </a:prstTxWarp>
-            <a:noAutofit/>
-          </a:bodyPr>
-          <a:lstStyle/>
-          <a:p>
-            <a:pPr algn="ctr" defTabSz="914342" fontAlgn="base">
-              <a:lnSpc>
-                <a:spcPct val="90000"/>
-              </a:lnSpc>
-              <a:spcBef>
-                <a:spcPct val="20000"/>
-              </a:spcBef>
-              <a:spcAft>
-                <a:spcPct val="0"/>
-              </a:spcAft>
-            </a:pPr>
-            <a:r>
-              <a:rPr lang="en-US" altLang="ja-JP" sz="2400" dirty="0" smtClean="0">
-                <a:solidFill>
-                  <a:schemeClr val="tx1"/>
-                </a:solidFill>
-                <a:latin typeface="メイリオ" panose="020B0604030504040204" pitchFamily="50" charset="-128"/>
-                <a:ea typeface="メイリオ" panose="020B0604030504040204" pitchFamily="50" charset="-128"/>
-                <a:cs typeface="メイリオ" pitchFamily="50" charset="-128"/>
-              </a:rPr>
-              <a:t>  </a:t>
-            </a:r>
-            <a:r>
-              <a:rPr lang="en-US" altLang="ja-JP" sz="2400" dirty="0" err="1" smtClean="0">
-                <a:solidFill>
-                  <a:schemeClr val="tx1"/>
-                </a:solidFill>
-                <a:latin typeface="メイリオ" panose="020B0604030504040204" pitchFamily="50" charset="-128"/>
-                <a:ea typeface="メイリオ" panose="020B0604030504040204" pitchFamily="50" charset="-128"/>
-                <a:cs typeface="メイリオ" pitchFamily="50" charset="-128"/>
-              </a:rPr>
-              <a:t>tTask</a:t>
-            </a:r>
-            <a:endParaRPr lang="en-US" altLang="ja-JP" sz="2400" dirty="0" smtClean="0">
-              <a:solidFill>
-                <a:schemeClr val="tx1"/>
-              </a:solidFill>
-              <a:latin typeface="メイリオ" panose="020B0604030504040204" pitchFamily="50" charset="-128"/>
-              <a:ea typeface="メイリオ" panose="020B0604030504040204" pitchFamily="50" charset="-128"/>
-              <a:cs typeface="メイリオ" pitchFamily="50" charset="-128"/>
-            </a:endParaRPr>
-          </a:p>
-          <a:p>
-            <a:pPr algn="ctr" defTabSz="914342" fontAlgn="base">
-              <a:lnSpc>
-                <a:spcPct val="90000"/>
-              </a:lnSpc>
-              <a:spcBef>
-                <a:spcPct val="20000"/>
-              </a:spcBef>
-              <a:spcAft>
-                <a:spcPct val="0"/>
-              </a:spcAft>
-            </a:pPr>
-            <a:r>
-              <a:rPr lang="en-US" altLang="ja-JP" sz="2400" dirty="0" smtClean="0">
-                <a:solidFill>
-                  <a:schemeClr val="tx1"/>
-                </a:solidFill>
-                <a:latin typeface="メイリオ" panose="020B0604030504040204" pitchFamily="50" charset="-128"/>
-                <a:ea typeface="メイリオ" panose="020B0604030504040204" pitchFamily="50" charset="-128"/>
-                <a:cs typeface="メイリオ" pitchFamily="50" charset="-128"/>
-              </a:rPr>
-              <a:t>MrubyTask_002</a:t>
-            </a:r>
-            <a:endParaRPr lang="en-US" altLang="ja-JP" sz="2400" dirty="0">
-              <a:solidFill>
-                <a:schemeClr val="tx1"/>
-              </a:solidFill>
-              <a:latin typeface="メイリオ" panose="020B0604030504040204" pitchFamily="50" charset="-128"/>
-              <a:ea typeface="メイリオ" panose="020B0604030504040204" pitchFamily="50" charset="-128"/>
-              <a:cs typeface="メイリオ" pitchFamily="50" charset="-128"/>
-            </a:endParaRPr>
-          </a:p>
-        </p:txBody>
-      </p:sp>
-      <p:sp>
-        <p:nvSpPr>
-          <p:cNvPr id="73" name="二等辺三角形 72"/>
-          <p:cNvSpPr/>
-          <p:nvPr/>
-        </p:nvSpPr>
-        <p:spPr bwMode="auto">
-          <a:xfrm rot="5400000" flipH="1">
-            <a:off x="4107959" y="5333953"/>
-            <a:ext cx="390269" cy="255740"/>
-          </a:xfrm>
-          <a:prstGeom prst="triangle">
-            <a:avLst/>
-          </a:prstGeom>
-          <a:solidFill>
-            <a:schemeClr val="tx1"/>
-          </a:solidFill>
-          <a:ln w="9525" cap="flat" cmpd="sng" algn="ctr">
-            <a:solidFill>
-              <a:schemeClr val="tx1"/>
-            </a:solidFill>
-            <a:prstDash val="solid"/>
-            <a:round/>
-            <a:headEnd type="none" w="med" len="med"/>
-            <a:tailEnd type="triangle" w="med" len="med"/>
-          </a:ln>
-          <a:effectLst/>
-          <a:extLst/>
-        </p:spPr>
-        <p:txBody>
-          <a:bodyPr vert="horz" wrap="square" lIns="90000" tIns="46800" rIns="90000" bIns="46800" numCol="1" rtlCol="0" anchor="t" anchorCtr="0" compatLnSpc="1">
-            <a:prstTxWarp prst="textNoShape">
-              <a:avLst/>
-            </a:prstTxWarp>
-            <a:spAutoFit/>
-          </a:bodyPr>
-          <a:lstStyle/>
-          <a:p>
-            <a:pPr defTabSz="914342" fontAlgn="base">
-              <a:lnSpc>
-                <a:spcPct val="90000"/>
-              </a:lnSpc>
-              <a:spcBef>
-                <a:spcPct val="20000"/>
-              </a:spcBef>
-              <a:spcAft>
-                <a:spcPct val="0"/>
-              </a:spcAft>
-            </a:pPr>
-            <a:endParaRPr lang="ja-JP" altLang="en-US">
-              <a:latin typeface="Times New Roman" pitchFamily="18" charset="0"/>
-              <a:ea typeface="メイリオ" pitchFamily="50" charset="-128"/>
-              <a:cs typeface="メイリオ" pitchFamily="50" charset="-128"/>
-            </a:endParaRPr>
-          </a:p>
-        </p:txBody>
-      </p:sp>
-      <p:cxnSp>
-        <p:nvCxnSpPr>
-          <p:cNvPr id="74" name="直線コネクタ 73"/>
-          <p:cNvCxnSpPr>
-            <a:stCxn id="69" idx="1"/>
-            <a:endCxn id="72" idx="3"/>
-          </p:cNvCxnSpPr>
-          <p:nvPr/>
-        </p:nvCxnSpPr>
-        <p:spPr bwMode="auto">
-          <a:xfrm flipH="1" flipV="1">
-            <a:off x="2856089" y="5461823"/>
-            <a:ext cx="1311865" cy="2"/>
-          </a:xfrm>
-          <a:prstGeom prst="line">
-            <a:avLst/>
-          </a:prstGeom>
-          <a:solidFill>
-            <a:schemeClr val="accent1"/>
-          </a:solidFill>
-          <a:ln w="9525" cap="flat" cmpd="sng" algn="ctr">
-            <a:solidFill>
-              <a:schemeClr val="tx1"/>
-            </a:solidFill>
-            <a:prstDash val="solid"/>
-            <a:round/>
-            <a:headEnd type="none" w="med" len="med"/>
-            <a:tailEnd type="none" w="med" len="med"/>
-          </a:ln>
-          <a:effectLst/>
-          <a:extLst>
-            <a:ext uri="{AF507438-7753-43E0-B8FC-AC1667EBCBE1}">
-              <a14:hiddenEffects xmlns:a14="http://schemas.microsoft.com/office/drawing/2010/main">
-                <a:effectLst>
-                  <a:outerShdw dist="35921" dir="2700000" algn="ctr" rotWithShape="0">
-                    <a:schemeClr val="bg2"/>
-                  </a:outerShdw>
-                </a:effectLst>
-              </a14:hiddenEffects>
-            </a:ext>
-          </a:extLst>
-        </p:spPr>
-      </p:cxnSp>
-      <p:sp>
-        <p:nvSpPr>
-          <p:cNvPr id="83" name="正方形/長方形 82"/>
-          <p:cNvSpPr/>
-          <p:nvPr/>
-        </p:nvSpPr>
-        <p:spPr>
-          <a:xfrm>
-            <a:off x="172352" y="531291"/>
-            <a:ext cx="7007381" cy="2686041"/>
-          </a:xfrm>
-          <a:prstGeom prst="rect">
-            <a:avLst/>
-          </a:prstGeom>
-          <a:noFill/>
-          <a:ln w="38100">
-            <a:solidFill>
-              <a:schemeClr val="tx1"/>
-            </a:solidFill>
-            <a:prstDash val="sysDash"/>
-          </a:ln>
-        </p:spPr>
-        <p:style>
-          <a:lnRef idx="2">
-            <a:schemeClr val="accent1">
-              <a:shade val="50000"/>
-            </a:schemeClr>
-          </a:lnRef>
-          <a:fillRef idx="1">
-            <a:schemeClr val="accent1"/>
-          </a:fillRef>
-          <a:effectRef idx="0">
-            <a:schemeClr val="accent1"/>
-          </a:effectRef>
-          <a:fontRef idx="minor">
-            <a:schemeClr val="lt1"/>
-          </a:fontRef>
-        </p:style>
-        <p:txBody>
-          <a:bodyPr rtlCol="0" anchor="ctr"/>
-          <a:lstStyle/>
-          <a:p>
-            <a:pPr algn="ctr"/>
-            <a:endParaRPr kumimoji="1" lang="ja-JP" altLang="en-US"/>
-          </a:p>
-        </p:txBody>
-      </p:sp>
-      <p:sp>
-        <p:nvSpPr>
-          <p:cNvPr id="84" name="正方形/長方形 83"/>
-          <p:cNvSpPr/>
-          <p:nvPr/>
-        </p:nvSpPr>
-        <p:spPr>
-          <a:xfrm>
-            <a:off x="172352" y="503345"/>
-            <a:ext cx="2668250" cy="692281"/>
-          </a:xfrm>
-          <a:prstGeom prst="rect">
-            <a:avLst/>
-          </a:prstGeom>
-          <a:noFill/>
-          <a:ln>
-            <a:noFill/>
-          </a:ln>
-        </p:spPr>
-        <p:style>
-          <a:lnRef idx="2">
-            <a:schemeClr val="accent1">
-              <a:shade val="50000"/>
-            </a:schemeClr>
-          </a:lnRef>
-          <a:fillRef idx="1">
-            <a:schemeClr val="accent1"/>
-          </a:fillRef>
-          <a:effectRef idx="0">
-            <a:schemeClr val="accent1"/>
-          </a:effectRef>
-          <a:fontRef idx="minor">
-            <a:schemeClr val="lt1"/>
-          </a:fontRef>
-        </p:style>
-        <p:txBody>
-          <a:bodyPr rtlCol="0" anchor="ctr"/>
-          <a:lstStyle/>
-          <a:p>
-            <a:pPr algn="ctr"/>
-            <a:r>
-              <a:rPr kumimoji="1" lang="en-US" altLang="ja-JP" sz="2800" dirty="0" smtClean="0">
-                <a:solidFill>
-                  <a:schemeClr val="tx1"/>
-                </a:solidFill>
-                <a:latin typeface="メイリオ" panose="020B0604030504040204" pitchFamily="50" charset="-128"/>
-                <a:ea typeface="メイリオ" panose="020B0604030504040204" pitchFamily="50" charset="-128"/>
-              </a:rPr>
-              <a:t>RiteVM_001</a:t>
-            </a:r>
-            <a:endParaRPr kumimoji="1" lang="ja-JP" altLang="en-US" sz="2800" dirty="0">
-              <a:solidFill>
-                <a:schemeClr val="tx1"/>
-              </a:solidFill>
-              <a:latin typeface="メイリオ" panose="020B0604030504040204" pitchFamily="50" charset="-128"/>
-              <a:ea typeface="メイリオ" panose="020B0604030504040204" pitchFamily="50" charset="-128"/>
-            </a:endParaRPr>
-          </a:p>
-        </p:txBody>
-      </p:sp>
-      <p:sp>
-        <p:nvSpPr>
-          <p:cNvPr id="88" name="正方形/長方形 87"/>
-          <p:cNvSpPr/>
-          <p:nvPr/>
-        </p:nvSpPr>
-        <p:spPr>
-          <a:xfrm>
-            <a:off x="8040632" y="2654085"/>
-            <a:ext cx="3674211" cy="341632"/>
-          </a:xfrm>
-          <a:prstGeom prst="rect">
-            <a:avLst/>
-          </a:prstGeom>
-        </p:spPr>
-        <p:txBody>
-          <a:bodyPr wrap="none">
-            <a:spAutoFit/>
-          </a:bodyPr>
-          <a:lstStyle/>
-          <a:p>
-            <a:pPr algn="ctr" defTabSz="914342" fontAlgn="base">
-              <a:lnSpc>
-                <a:spcPct val="90000"/>
-              </a:lnSpc>
-              <a:spcBef>
-                <a:spcPct val="20000"/>
-              </a:spcBef>
-              <a:spcAft>
-                <a:spcPct val="0"/>
-              </a:spcAft>
-            </a:pPr>
-            <a:r>
-              <a:rPr lang="en-US" altLang="ja-JP" dirty="0" err="1">
-                <a:latin typeface="メイリオ" panose="020B0604030504040204" pitchFamily="50" charset="-128"/>
-                <a:ea typeface="メイリオ" panose="020B0604030504040204" pitchFamily="50" charset="-128"/>
-                <a:cs typeface="メイリオ" pitchFamily="50" charset="-128"/>
-              </a:rPr>
-              <a:t>memoryPoolSize</a:t>
-            </a:r>
-            <a:r>
-              <a:rPr lang="en-US" altLang="ja-JP" dirty="0">
-                <a:latin typeface="メイリオ" panose="020B0604030504040204" pitchFamily="50" charset="-128"/>
-                <a:ea typeface="メイリオ" panose="020B0604030504040204" pitchFamily="50" charset="-128"/>
-                <a:cs typeface="メイリオ" pitchFamily="50" charset="-128"/>
-              </a:rPr>
-              <a:t> = 1024*1024</a:t>
-            </a:r>
-          </a:p>
-        </p:txBody>
-      </p:sp>
-      <p:sp>
-        <p:nvSpPr>
-          <p:cNvPr id="89" name="正方形/長方形 88"/>
-          <p:cNvSpPr/>
-          <p:nvPr/>
-        </p:nvSpPr>
-        <p:spPr>
-          <a:xfrm>
-            <a:off x="172352" y="4080939"/>
-            <a:ext cx="7007381" cy="2686041"/>
-          </a:xfrm>
-          <a:prstGeom prst="rect">
-            <a:avLst/>
-          </a:prstGeom>
-          <a:noFill/>
-          <a:ln w="38100">
-            <a:solidFill>
-              <a:schemeClr val="tx1"/>
-            </a:solidFill>
-            <a:prstDash val="sysDash"/>
-          </a:ln>
-        </p:spPr>
-        <p:style>
-          <a:lnRef idx="2">
-            <a:schemeClr val="accent1">
-              <a:shade val="50000"/>
-            </a:schemeClr>
-          </a:lnRef>
-          <a:fillRef idx="1">
-            <a:schemeClr val="accent1"/>
-          </a:fillRef>
-          <a:effectRef idx="0">
-            <a:schemeClr val="accent1"/>
-          </a:effectRef>
-          <a:fontRef idx="minor">
-            <a:schemeClr val="lt1"/>
-          </a:fontRef>
-        </p:style>
-        <p:txBody>
-          <a:bodyPr rtlCol="0" anchor="ctr"/>
-          <a:lstStyle/>
-          <a:p>
-            <a:pPr algn="ctr"/>
-            <a:endParaRPr kumimoji="1" lang="ja-JP" altLang="en-US"/>
-          </a:p>
-        </p:txBody>
-      </p:sp>
-      <p:sp>
-        <p:nvSpPr>
-          <p:cNvPr id="91" name="正方形/長方形 90"/>
-          <p:cNvSpPr/>
-          <p:nvPr/>
-        </p:nvSpPr>
-        <p:spPr>
-          <a:xfrm>
-            <a:off x="7955387" y="6234155"/>
-            <a:ext cx="3959546" cy="341632"/>
-          </a:xfrm>
-          <a:prstGeom prst="rect">
-            <a:avLst/>
-          </a:prstGeom>
-        </p:spPr>
-        <p:txBody>
-          <a:bodyPr wrap="none">
-            <a:spAutoFit/>
-          </a:bodyPr>
-          <a:lstStyle/>
-          <a:p>
-            <a:pPr algn="ctr" defTabSz="914342" fontAlgn="base">
-              <a:lnSpc>
-                <a:spcPct val="90000"/>
-              </a:lnSpc>
-              <a:spcBef>
-                <a:spcPct val="20000"/>
-              </a:spcBef>
-              <a:spcAft>
-                <a:spcPct val="0"/>
-              </a:spcAft>
-            </a:pPr>
-            <a:r>
-              <a:rPr lang="en-US" altLang="ja-JP" dirty="0" err="1">
-                <a:latin typeface="メイリオ" panose="020B0604030504040204" pitchFamily="50" charset="-128"/>
-                <a:ea typeface="メイリオ" panose="020B0604030504040204" pitchFamily="50" charset="-128"/>
-                <a:cs typeface="メイリオ" pitchFamily="50" charset="-128"/>
-              </a:rPr>
-              <a:t>memoryPoolSize</a:t>
-            </a:r>
-            <a:r>
-              <a:rPr lang="en-US" altLang="ja-JP" dirty="0">
-                <a:latin typeface="メイリオ" panose="020B0604030504040204" pitchFamily="50" charset="-128"/>
-                <a:ea typeface="メイリオ" panose="020B0604030504040204" pitchFamily="50" charset="-128"/>
-                <a:cs typeface="メイリオ" pitchFamily="50" charset="-128"/>
-              </a:rPr>
-              <a:t> = </a:t>
-            </a:r>
-            <a:r>
-              <a:rPr lang="en-US" altLang="ja-JP" dirty="0" smtClean="0">
-                <a:latin typeface="メイリオ" panose="020B0604030504040204" pitchFamily="50" charset="-128"/>
-                <a:ea typeface="メイリオ" panose="020B0604030504040204" pitchFamily="50" charset="-128"/>
-                <a:cs typeface="メイリオ" pitchFamily="50" charset="-128"/>
-              </a:rPr>
-              <a:t>2*1024*1024</a:t>
-            </a:r>
-            <a:endParaRPr lang="en-US" altLang="ja-JP" dirty="0">
-              <a:latin typeface="メイリオ" panose="020B0604030504040204" pitchFamily="50" charset="-128"/>
-              <a:ea typeface="メイリオ" panose="020B0604030504040204" pitchFamily="50" charset="-128"/>
-              <a:cs typeface="メイリオ" pitchFamily="50" charset="-128"/>
-            </a:endParaRPr>
-          </a:p>
-        </p:txBody>
-      </p:sp>
-      <p:sp>
-        <p:nvSpPr>
-          <p:cNvPr id="100" name="正方形/長方形 99"/>
-          <p:cNvSpPr/>
-          <p:nvPr/>
-        </p:nvSpPr>
-        <p:spPr>
-          <a:xfrm>
-            <a:off x="165136" y="4092223"/>
-            <a:ext cx="2668250" cy="692281"/>
-          </a:xfrm>
-          <a:prstGeom prst="rect">
-            <a:avLst/>
-          </a:prstGeom>
-          <a:noFill/>
-          <a:ln>
-            <a:noFill/>
-          </a:ln>
-        </p:spPr>
-        <p:style>
-          <a:lnRef idx="2">
-            <a:schemeClr val="accent1">
-              <a:shade val="50000"/>
-            </a:schemeClr>
-          </a:lnRef>
-          <a:fillRef idx="1">
-            <a:schemeClr val="accent1"/>
-          </a:fillRef>
-          <a:effectRef idx="0">
-            <a:schemeClr val="accent1"/>
-          </a:effectRef>
-          <a:fontRef idx="minor">
-            <a:schemeClr val="lt1"/>
-          </a:fontRef>
-        </p:style>
-        <p:txBody>
-          <a:bodyPr rtlCol="0" anchor="ctr"/>
-          <a:lstStyle/>
-          <a:p>
-            <a:pPr algn="ctr"/>
-            <a:r>
-              <a:rPr kumimoji="1" lang="en-US" altLang="ja-JP" sz="2800" dirty="0" smtClean="0">
-                <a:solidFill>
-                  <a:schemeClr val="tx1"/>
-                </a:solidFill>
-                <a:latin typeface="メイリオ" panose="020B0604030504040204" pitchFamily="50" charset="-128"/>
-                <a:ea typeface="メイリオ" panose="020B0604030504040204" pitchFamily="50" charset="-128"/>
-              </a:rPr>
-              <a:t>RiteVM_002</a:t>
-            </a:r>
-            <a:endParaRPr kumimoji="1" lang="ja-JP" altLang="en-US" sz="2800" dirty="0">
-              <a:solidFill>
-                <a:schemeClr val="tx1"/>
-              </a:solidFill>
-              <a:latin typeface="メイリオ" panose="020B0604030504040204" pitchFamily="50" charset="-128"/>
-              <a:ea typeface="メイリオ" panose="020B0604030504040204" pitchFamily="50" charset="-128"/>
-            </a:endParaRPr>
-          </a:p>
-        </p:txBody>
-      </p:sp>
+              </a:endParaRPr>
+            </a:p>
+          </p:txBody>
+        </p:sp>
+      </p:grpSp>
     </p:spTree>
     <p:extLst>
       <p:ext uri="{BB962C8B-B14F-4D97-AF65-F5344CB8AC3E}">
@@ -4680,13 +4669,20 @@
       <p:transition spd="slow"/>
     </mc:Fallback>
   </mc:AlternateContent>
+  <p:timing>
+    <p:tnLst>
+      <p:par>
+        <p:cTn id="1" dur="indefinite" restart="never" nodeType="tmRoot"/>
+      </p:par>
+    </p:tnLst>
+  </p:timing>
 </p:sld>
 </file>
 
 <file path=ppt/theme/theme1.xml><?xml version="1.0" encoding="utf-8"?>
 <a:theme xmlns:a="http://schemas.openxmlformats.org/drawingml/2006/main" name="Office テーマ">
   <a:themeElements>
-    <a:clrScheme name="Office">
+    <a:clrScheme name="Office テーマ">
       <a:dk1>
         <a:sysClr val="windowText" lastClr="000000"/>
       </a:dk1>
@@ -4724,9 +4720,9 @@
         <a:srgbClr val="954F72"/>
       </a:folHlink>
     </a:clrScheme>
-    <a:fontScheme name="Office">
+    <a:fontScheme name="Office テーマ">
       <a:majorFont>
-        <a:latin typeface="游ゴシック Light" panose="020F0302020204030204"/>
+        <a:latin typeface="Calibri Light" panose="020F0302020204030204"/>
         <a:ea typeface=""/>
         <a:cs typeface=""/>
         <a:font script="Jpan" typeface="游ゴシック Light"/>
@@ -4761,7 +4757,7 @@
         <a:font script="Geor" typeface="Sylfaen"/>
       </a:majorFont>
       <a:minorFont>
-        <a:latin typeface="游ゴシック" panose="020F0502020204030204"/>
+        <a:latin typeface="Calibri" panose="020F0502020204030204"/>
         <a:ea typeface=""/>
         <a:cs typeface=""/>
         <a:font script="Jpan" typeface="游ゴシック"/>
@@ -4796,7 +4792,7 @@
         <a:font script="Geor" typeface="Sylfaen"/>
       </a:minorFont>
     </a:fontScheme>
-    <a:fmtScheme name="Office">
+    <a:fmtScheme name="Office テーマ">
       <a:fillStyleLst>
         <a:solidFill>
           <a:schemeClr val="phClr"/>
